--- a/Sección 4.- Gestión de la red/4.-Gestion de la red.pptx
+++ b/Sección 4.- Gestión de la red/4.-Gestion de la red.pptx
@@ -5,7 +5,7 @@
     <p:sldMasterId id="2147483660" r:id="rId1"/>
   </p:sldMasterIdLst>
   <p:notesMasterIdLst>
-    <p:notesMasterId r:id="rId27"/>
+    <p:notesMasterId r:id="rId29"/>
   </p:notesMasterIdLst>
   <p:sldIdLst>
     <p:sldId id="256" r:id="rId2"/>
@@ -19,44 +19,46 @@
     <p:sldId id="343" r:id="rId10"/>
     <p:sldId id="344" r:id="rId11"/>
     <p:sldId id="353" r:id="rId12"/>
-    <p:sldId id="345" r:id="rId13"/>
-    <p:sldId id="350" r:id="rId14"/>
-    <p:sldId id="351" r:id="rId15"/>
-    <p:sldId id="348" r:id="rId16"/>
-    <p:sldId id="346" r:id="rId17"/>
-    <p:sldId id="347" r:id="rId18"/>
-    <p:sldId id="349" r:id="rId19"/>
-    <p:sldId id="352" r:id="rId20"/>
-    <p:sldId id="356" r:id="rId21"/>
-    <p:sldId id="358" r:id="rId22"/>
-    <p:sldId id="355" r:id="rId23"/>
-    <p:sldId id="357" r:id="rId24"/>
-    <p:sldId id="359" r:id="rId25"/>
-    <p:sldId id="279" r:id="rId26"/>
+    <p:sldId id="360" r:id="rId13"/>
+    <p:sldId id="345" r:id="rId14"/>
+    <p:sldId id="361" r:id="rId15"/>
+    <p:sldId id="350" r:id="rId16"/>
+    <p:sldId id="351" r:id="rId17"/>
+    <p:sldId id="348" r:id="rId18"/>
+    <p:sldId id="346" r:id="rId19"/>
+    <p:sldId id="347" r:id="rId20"/>
+    <p:sldId id="349" r:id="rId21"/>
+    <p:sldId id="352" r:id="rId22"/>
+    <p:sldId id="356" r:id="rId23"/>
+    <p:sldId id="358" r:id="rId24"/>
+    <p:sldId id="355" r:id="rId25"/>
+    <p:sldId id="357" r:id="rId26"/>
+    <p:sldId id="359" r:id="rId27"/>
+    <p:sldId id="279" r:id="rId28"/>
   </p:sldIdLst>
   <p:sldSz cx="9144000" cy="5143500" type="screen16x9"/>
   <p:notesSz cx="6858000" cy="9144000"/>
   <p:embeddedFontLst>
     <p:embeddedFont>
       <p:font typeface="Montserrat" panose="020B0604020202020204" charset="0"/>
-      <p:regular r:id="rId28"/>
-      <p:bold r:id="rId29"/>
-      <p:italic r:id="rId30"/>
-      <p:boldItalic r:id="rId31"/>
+      <p:regular r:id="rId30"/>
+      <p:bold r:id="rId31"/>
+      <p:italic r:id="rId32"/>
+      <p:boldItalic r:id="rId33"/>
     </p:embeddedFont>
     <p:embeddedFont>
       <p:font typeface="Karla" panose="020B0604020202020204" charset="0"/>
-      <p:regular r:id="rId32"/>
-      <p:bold r:id="rId33"/>
-      <p:italic r:id="rId34"/>
-      <p:boldItalic r:id="rId35"/>
+      <p:regular r:id="rId34"/>
+      <p:bold r:id="rId35"/>
+      <p:italic r:id="rId36"/>
+      <p:boldItalic r:id="rId37"/>
     </p:embeddedFont>
     <p:embeddedFont>
       <p:font typeface="Lato" panose="020B0604020202020204" charset="0"/>
-      <p:regular r:id="rId36"/>
-      <p:bold r:id="rId37"/>
-      <p:italic r:id="rId38"/>
-      <p:boldItalic r:id="rId39"/>
+      <p:regular r:id="rId38"/>
+      <p:bold r:id="rId39"/>
+      <p:italic r:id="rId40"/>
+      <p:boldItalic r:id="rId41"/>
     </p:embeddedFont>
   </p:embeddedFontLst>
   <p:defaultTextStyle>
@@ -1160,7 +1162,7 @@
     </p:spTree>
     <p:extLst>
       <p:ext uri="{BB962C8B-B14F-4D97-AF65-F5344CB8AC3E}">
-        <p14:creationId xmlns:p14="http://schemas.microsoft.com/office/powerpoint/2010/main" val="538594289"/>
+        <p14:creationId xmlns:p14="http://schemas.microsoft.com/office/powerpoint/2010/main" val="1754662560"/>
       </p:ext>
     </p:extLst>
   </p:cSld>
@@ -1269,7 +1271,7 @@
     </p:spTree>
     <p:extLst>
       <p:ext uri="{BB962C8B-B14F-4D97-AF65-F5344CB8AC3E}">
-        <p14:creationId xmlns:p14="http://schemas.microsoft.com/office/powerpoint/2010/main" val="1402990460"/>
+        <p14:creationId xmlns:p14="http://schemas.microsoft.com/office/powerpoint/2010/main" val="538594289"/>
       </p:ext>
     </p:extLst>
   </p:cSld>
@@ -1378,7 +1380,7 @@
     </p:spTree>
     <p:extLst>
       <p:ext uri="{BB962C8B-B14F-4D97-AF65-F5344CB8AC3E}">
-        <p14:creationId xmlns:p14="http://schemas.microsoft.com/office/powerpoint/2010/main" val="751281516"/>
+        <p14:creationId xmlns:p14="http://schemas.microsoft.com/office/powerpoint/2010/main" val="3923138426"/>
       </p:ext>
     </p:extLst>
   </p:cSld>
@@ -1393,7 +1395,7 @@
   <p:cSld>
     <p:spTree>
       <p:nvGrpSpPr>
-        <p:cNvPr id="1" name="Shape 75"/>
+        <p:cNvPr id="1" name="Shape 86"/>
         <p:cNvGrpSpPr/>
         <p:nvPr/>
       </p:nvGrpSpPr>
@@ -1407,7 +1409,7 @@
       </p:grpSpPr>
       <p:sp>
         <p:nvSpPr>
-          <p:cNvPr id="76" name="Google Shape;76;g35f391192_029:notes"/>
+          <p:cNvPr id="87" name="Google Shape;87;p:notes"/>
           <p:cNvSpPr>
             <a:spLocks noGrp="1" noRot="1" noChangeAspect="1"/>
           </p:cNvSpPr>
@@ -1448,7 +1450,7 @@
       </p:sp>
       <p:sp>
         <p:nvSpPr>
-          <p:cNvPr id="77" name="Google Shape;77;g35f391192_029:notes"/>
+          <p:cNvPr id="88" name="Google Shape;88;p:notes"/>
           <p:cNvSpPr txBox="1">
             <a:spLocks noGrp="1"/>
           </p:cNvSpPr>
@@ -1487,7 +1489,7 @@
     </p:spTree>
     <p:extLst>
       <p:ext uri="{BB962C8B-B14F-4D97-AF65-F5344CB8AC3E}">
-        <p14:creationId xmlns:p14="http://schemas.microsoft.com/office/powerpoint/2010/main" val="4112421693"/>
+        <p14:creationId xmlns:p14="http://schemas.microsoft.com/office/powerpoint/2010/main" val="1402990460"/>
       </p:ext>
     </p:extLst>
   </p:cSld>
@@ -1596,7 +1598,7 @@
     </p:spTree>
     <p:extLst>
       <p:ext uri="{BB962C8B-B14F-4D97-AF65-F5344CB8AC3E}">
-        <p14:creationId xmlns:p14="http://schemas.microsoft.com/office/powerpoint/2010/main" val="3567386249"/>
+        <p14:creationId xmlns:p14="http://schemas.microsoft.com/office/powerpoint/2010/main" val="751281516"/>
       </p:ext>
     </p:extLst>
   </p:cSld>
@@ -1607,6 +1609,115 @@
 </file>
 
 <file path=ppt/notesSlides/notesSlide17.xml><?xml version="1.0" encoding="utf-8"?>
+<p:notes xmlns:a="http://schemas.openxmlformats.org/drawingml/2006/main" xmlns:r="http://schemas.openxmlformats.org/officeDocument/2006/relationships" xmlns:p="http://schemas.openxmlformats.org/presentationml/2006/main" showMasterSp="0" showMasterPhAnim="0">
+  <p:cSld>
+    <p:spTree>
+      <p:nvGrpSpPr>
+        <p:cNvPr id="1" name="Shape 75"/>
+        <p:cNvGrpSpPr/>
+        <p:nvPr/>
+      </p:nvGrpSpPr>
+      <p:grpSpPr>
+        <a:xfrm>
+          <a:off x="0" y="0"/>
+          <a:ext cx="0" cy="0"/>
+          <a:chOff x="0" y="0"/>
+          <a:chExt cx="0" cy="0"/>
+        </a:xfrm>
+      </p:grpSpPr>
+      <p:sp>
+        <p:nvSpPr>
+          <p:cNvPr id="76" name="Google Shape;76;g35f391192_029:notes"/>
+          <p:cNvSpPr>
+            <a:spLocks noGrp="1" noRot="1" noChangeAspect="1"/>
+          </p:cNvSpPr>
+          <p:nvPr>
+            <p:ph type="sldImg" idx="2"/>
+          </p:nvPr>
+        </p:nvSpPr>
+        <p:spPr>
+          <a:xfrm>
+            <a:off x="381000" y="685800"/>
+            <a:ext cx="6096000" cy="3429000"/>
+          </a:xfrm>
+          <a:custGeom>
+            <a:avLst/>
+            <a:gdLst/>
+            <a:ahLst/>
+            <a:cxnLst/>
+            <a:rect l="l" t="t" r="r" b="b"/>
+            <a:pathLst>
+              <a:path w="120000" h="120000" extrusionOk="0">
+                <a:moveTo>
+                  <a:pt x="0" y="0"/>
+                </a:moveTo>
+                <a:lnTo>
+                  <a:pt x="120000" y="0"/>
+                </a:lnTo>
+                <a:lnTo>
+                  <a:pt x="120000" y="120000"/>
+                </a:lnTo>
+                <a:lnTo>
+                  <a:pt x="0" y="120000"/>
+                </a:lnTo>
+                <a:close/>
+              </a:path>
+            </a:pathLst>
+          </a:custGeom>
+        </p:spPr>
+      </p:sp>
+      <p:sp>
+        <p:nvSpPr>
+          <p:cNvPr id="77" name="Google Shape;77;g35f391192_029:notes"/>
+          <p:cNvSpPr txBox="1">
+            <a:spLocks noGrp="1"/>
+          </p:cNvSpPr>
+          <p:nvPr>
+            <p:ph type="body" idx="1"/>
+          </p:nvPr>
+        </p:nvSpPr>
+        <p:spPr>
+          <a:xfrm>
+            <a:off x="685800" y="4343400"/>
+            <a:ext cx="5486400" cy="4114800"/>
+          </a:xfrm>
+          <a:prstGeom prst="rect">
+            <a:avLst/>
+          </a:prstGeom>
+        </p:spPr>
+        <p:txBody>
+          <a:bodyPr spcFirstLastPara="1" wrap="square" lIns="91425" tIns="91425" rIns="91425" bIns="91425" anchor="t" anchorCtr="0">
+            <a:noAutofit/>
+          </a:bodyPr>
+          <a:lstStyle/>
+          <a:p>
+            <a:pPr marL="0" lvl="0" indent="0" algn="l" rtl="0">
+              <a:spcBef>
+                <a:spcPts val="0"/>
+              </a:spcBef>
+              <a:spcAft>
+                <a:spcPts val="0"/>
+              </a:spcAft>
+              <a:buNone/>
+            </a:pPr>
+            <a:endParaRPr/>
+          </a:p>
+        </p:txBody>
+      </p:sp>
+    </p:spTree>
+    <p:extLst>
+      <p:ext uri="{BB962C8B-B14F-4D97-AF65-F5344CB8AC3E}">
+        <p14:creationId xmlns:p14="http://schemas.microsoft.com/office/powerpoint/2010/main" val="4112421693"/>
+      </p:ext>
+    </p:extLst>
+  </p:cSld>
+  <p:clrMapOvr>
+    <a:masterClrMapping/>
+  </p:clrMapOvr>
+</p:notes>
+</file>
+
+<file path=ppt/notesSlides/notesSlide18.xml><?xml version="1.0" encoding="utf-8"?>
 <p:notes xmlns:a="http://schemas.openxmlformats.org/drawingml/2006/main" xmlns:r="http://schemas.openxmlformats.org/officeDocument/2006/relationships" xmlns:p="http://schemas.openxmlformats.org/presentationml/2006/main" showMasterSp="0" showMasterPhAnim="0">
   <p:cSld>
     <p:spTree>
@@ -1698,123 +1809,14 @@
               </a:spcAft>
               <a:buNone/>
             </a:pPr>
-            <a:endParaRPr dirty="0"/>
+            <a:endParaRPr/>
           </a:p>
         </p:txBody>
       </p:sp>
     </p:spTree>
     <p:extLst>
       <p:ext uri="{BB962C8B-B14F-4D97-AF65-F5344CB8AC3E}">
-        <p14:creationId xmlns:p14="http://schemas.microsoft.com/office/powerpoint/2010/main" val="3161184290"/>
-      </p:ext>
-    </p:extLst>
-  </p:cSld>
-  <p:clrMapOvr>
-    <a:masterClrMapping/>
-  </p:clrMapOvr>
-</p:notes>
-</file>
-
-<file path=ppt/notesSlides/notesSlide18.xml><?xml version="1.0" encoding="utf-8"?>
-<p:notes xmlns:a="http://schemas.openxmlformats.org/drawingml/2006/main" xmlns:r="http://schemas.openxmlformats.org/officeDocument/2006/relationships" xmlns:p="http://schemas.openxmlformats.org/presentationml/2006/main" showMasterSp="0" showMasterPhAnim="0">
-  <p:cSld>
-    <p:spTree>
-      <p:nvGrpSpPr>
-        <p:cNvPr id="1" name="Shape 75"/>
-        <p:cNvGrpSpPr/>
-        <p:nvPr/>
-      </p:nvGrpSpPr>
-      <p:grpSpPr>
-        <a:xfrm>
-          <a:off x="0" y="0"/>
-          <a:ext cx="0" cy="0"/>
-          <a:chOff x="0" y="0"/>
-          <a:chExt cx="0" cy="0"/>
-        </a:xfrm>
-      </p:grpSpPr>
-      <p:sp>
-        <p:nvSpPr>
-          <p:cNvPr id="76" name="Google Shape;76;g35f391192_029:notes"/>
-          <p:cNvSpPr>
-            <a:spLocks noGrp="1" noRot="1" noChangeAspect="1"/>
-          </p:cNvSpPr>
-          <p:nvPr>
-            <p:ph type="sldImg" idx="2"/>
-          </p:nvPr>
-        </p:nvSpPr>
-        <p:spPr>
-          <a:xfrm>
-            <a:off x="381000" y="685800"/>
-            <a:ext cx="6096000" cy="3429000"/>
-          </a:xfrm>
-          <a:custGeom>
-            <a:avLst/>
-            <a:gdLst/>
-            <a:ahLst/>
-            <a:cxnLst/>
-            <a:rect l="l" t="t" r="r" b="b"/>
-            <a:pathLst>
-              <a:path w="120000" h="120000" extrusionOk="0">
-                <a:moveTo>
-                  <a:pt x="0" y="0"/>
-                </a:moveTo>
-                <a:lnTo>
-                  <a:pt x="120000" y="0"/>
-                </a:lnTo>
-                <a:lnTo>
-                  <a:pt x="120000" y="120000"/>
-                </a:lnTo>
-                <a:lnTo>
-                  <a:pt x="0" y="120000"/>
-                </a:lnTo>
-                <a:close/>
-              </a:path>
-            </a:pathLst>
-          </a:custGeom>
-        </p:spPr>
-      </p:sp>
-      <p:sp>
-        <p:nvSpPr>
-          <p:cNvPr id="77" name="Google Shape;77;g35f391192_029:notes"/>
-          <p:cNvSpPr txBox="1">
-            <a:spLocks noGrp="1"/>
-          </p:cNvSpPr>
-          <p:nvPr>
-            <p:ph type="body" idx="1"/>
-          </p:nvPr>
-        </p:nvSpPr>
-        <p:spPr>
-          <a:xfrm>
-            <a:off x="685800" y="4343400"/>
-            <a:ext cx="5486400" cy="4114800"/>
-          </a:xfrm>
-          <a:prstGeom prst="rect">
-            <a:avLst/>
-          </a:prstGeom>
-        </p:spPr>
-        <p:txBody>
-          <a:bodyPr spcFirstLastPara="1" wrap="square" lIns="91425" tIns="91425" rIns="91425" bIns="91425" anchor="t" anchorCtr="0">
-            <a:noAutofit/>
-          </a:bodyPr>
-          <a:lstStyle/>
-          <a:p>
-            <a:pPr marL="0" lvl="0" indent="0" algn="l" rtl="0">
-              <a:spcBef>
-                <a:spcPts val="0"/>
-              </a:spcBef>
-              <a:spcAft>
-                <a:spcPts val="0"/>
-              </a:spcAft>
-              <a:buNone/>
-            </a:pPr>
-            <a:endParaRPr/>
-          </a:p>
-        </p:txBody>
-      </p:sp>
-    </p:spTree>
-    <p:extLst>
-      <p:ext uri="{BB962C8B-B14F-4D97-AF65-F5344CB8AC3E}">
-        <p14:creationId xmlns:p14="http://schemas.microsoft.com/office/powerpoint/2010/main" val="3413232988"/>
+        <p14:creationId xmlns:p14="http://schemas.microsoft.com/office/powerpoint/2010/main" val="3567386249"/>
       </p:ext>
     </p:extLst>
   </p:cSld>
@@ -1916,14 +1918,14 @@
               </a:spcAft>
               <a:buNone/>
             </a:pPr>
-            <a:endParaRPr/>
+            <a:endParaRPr dirty="0"/>
           </a:p>
         </p:txBody>
       </p:sp>
     </p:spTree>
     <p:extLst>
       <p:ext uri="{BB962C8B-B14F-4D97-AF65-F5344CB8AC3E}">
-        <p14:creationId xmlns:p14="http://schemas.microsoft.com/office/powerpoint/2010/main" val="3617568101"/>
+        <p14:creationId xmlns:p14="http://schemas.microsoft.com/office/powerpoint/2010/main" val="3161184290"/>
       </p:ext>
     </p:extLst>
   </p:cSld>
@@ -2047,6 +2049,115 @@
   <p:cSld>
     <p:spTree>
       <p:nvGrpSpPr>
+        <p:cNvPr id="1" name="Shape 75"/>
+        <p:cNvGrpSpPr/>
+        <p:nvPr/>
+      </p:nvGrpSpPr>
+      <p:grpSpPr>
+        <a:xfrm>
+          <a:off x="0" y="0"/>
+          <a:ext cx="0" cy="0"/>
+          <a:chOff x="0" y="0"/>
+          <a:chExt cx="0" cy="0"/>
+        </a:xfrm>
+      </p:grpSpPr>
+      <p:sp>
+        <p:nvSpPr>
+          <p:cNvPr id="76" name="Google Shape;76;g35f391192_029:notes"/>
+          <p:cNvSpPr>
+            <a:spLocks noGrp="1" noRot="1" noChangeAspect="1"/>
+          </p:cNvSpPr>
+          <p:nvPr>
+            <p:ph type="sldImg" idx="2"/>
+          </p:nvPr>
+        </p:nvSpPr>
+        <p:spPr>
+          <a:xfrm>
+            <a:off x="381000" y="685800"/>
+            <a:ext cx="6096000" cy="3429000"/>
+          </a:xfrm>
+          <a:custGeom>
+            <a:avLst/>
+            <a:gdLst/>
+            <a:ahLst/>
+            <a:cxnLst/>
+            <a:rect l="l" t="t" r="r" b="b"/>
+            <a:pathLst>
+              <a:path w="120000" h="120000" extrusionOk="0">
+                <a:moveTo>
+                  <a:pt x="0" y="0"/>
+                </a:moveTo>
+                <a:lnTo>
+                  <a:pt x="120000" y="0"/>
+                </a:lnTo>
+                <a:lnTo>
+                  <a:pt x="120000" y="120000"/>
+                </a:lnTo>
+                <a:lnTo>
+                  <a:pt x="0" y="120000"/>
+                </a:lnTo>
+                <a:close/>
+              </a:path>
+            </a:pathLst>
+          </a:custGeom>
+        </p:spPr>
+      </p:sp>
+      <p:sp>
+        <p:nvSpPr>
+          <p:cNvPr id="77" name="Google Shape;77;g35f391192_029:notes"/>
+          <p:cNvSpPr txBox="1">
+            <a:spLocks noGrp="1"/>
+          </p:cNvSpPr>
+          <p:nvPr>
+            <p:ph type="body" idx="1"/>
+          </p:nvPr>
+        </p:nvSpPr>
+        <p:spPr>
+          <a:xfrm>
+            <a:off x="685800" y="4343400"/>
+            <a:ext cx="5486400" cy="4114800"/>
+          </a:xfrm>
+          <a:prstGeom prst="rect">
+            <a:avLst/>
+          </a:prstGeom>
+        </p:spPr>
+        <p:txBody>
+          <a:bodyPr spcFirstLastPara="1" wrap="square" lIns="91425" tIns="91425" rIns="91425" bIns="91425" anchor="t" anchorCtr="0">
+            <a:noAutofit/>
+          </a:bodyPr>
+          <a:lstStyle/>
+          <a:p>
+            <a:pPr marL="0" lvl="0" indent="0" algn="l" rtl="0">
+              <a:spcBef>
+                <a:spcPts val="0"/>
+              </a:spcBef>
+              <a:spcAft>
+                <a:spcPts val="0"/>
+              </a:spcAft>
+              <a:buNone/>
+            </a:pPr>
+            <a:endParaRPr/>
+          </a:p>
+        </p:txBody>
+      </p:sp>
+    </p:spTree>
+    <p:extLst>
+      <p:ext uri="{BB962C8B-B14F-4D97-AF65-F5344CB8AC3E}">
+        <p14:creationId xmlns:p14="http://schemas.microsoft.com/office/powerpoint/2010/main" val="3413232988"/>
+      </p:ext>
+    </p:extLst>
+  </p:cSld>
+  <p:clrMapOvr>
+    <a:masterClrMapping/>
+  </p:clrMapOvr>
+</p:notes>
+</file>
+
+<file path=ppt/notesSlides/notesSlide21.xml><?xml version="1.0" encoding="utf-8"?>
+<p:notes xmlns:a="http://schemas.openxmlformats.org/drawingml/2006/main" xmlns:r="http://schemas.openxmlformats.org/officeDocument/2006/relationships" xmlns:p="http://schemas.openxmlformats.org/presentationml/2006/main" showMasterSp="0" showMasterPhAnim="0">
+  <p:cSld>
+    <p:spTree>
+      <p:nvGrpSpPr>
         <p:cNvPr id="1" name="Shape 86"/>
         <p:cNvGrpSpPr/>
         <p:nvPr/>
@@ -2141,116 +2252,7 @@
     </p:spTree>
     <p:extLst>
       <p:ext uri="{BB962C8B-B14F-4D97-AF65-F5344CB8AC3E}">
-        <p14:creationId xmlns:p14="http://schemas.microsoft.com/office/powerpoint/2010/main" val="1083747379"/>
-      </p:ext>
-    </p:extLst>
-  </p:cSld>
-  <p:clrMapOvr>
-    <a:masterClrMapping/>
-  </p:clrMapOvr>
-</p:notes>
-</file>
-
-<file path=ppt/notesSlides/notesSlide21.xml><?xml version="1.0" encoding="utf-8"?>
-<p:notes xmlns:a="http://schemas.openxmlformats.org/drawingml/2006/main" xmlns:r="http://schemas.openxmlformats.org/officeDocument/2006/relationships" xmlns:p="http://schemas.openxmlformats.org/presentationml/2006/main" showMasterSp="0" showMasterPhAnim="0">
-  <p:cSld>
-    <p:spTree>
-      <p:nvGrpSpPr>
-        <p:cNvPr id="1" name="Shape 75"/>
-        <p:cNvGrpSpPr/>
-        <p:nvPr/>
-      </p:nvGrpSpPr>
-      <p:grpSpPr>
-        <a:xfrm>
-          <a:off x="0" y="0"/>
-          <a:ext cx="0" cy="0"/>
-          <a:chOff x="0" y="0"/>
-          <a:chExt cx="0" cy="0"/>
-        </a:xfrm>
-      </p:grpSpPr>
-      <p:sp>
-        <p:nvSpPr>
-          <p:cNvPr id="76" name="Google Shape;76;g35f391192_029:notes"/>
-          <p:cNvSpPr>
-            <a:spLocks noGrp="1" noRot="1" noChangeAspect="1"/>
-          </p:cNvSpPr>
-          <p:nvPr>
-            <p:ph type="sldImg" idx="2"/>
-          </p:nvPr>
-        </p:nvSpPr>
-        <p:spPr>
-          <a:xfrm>
-            <a:off x="381000" y="685800"/>
-            <a:ext cx="6096000" cy="3429000"/>
-          </a:xfrm>
-          <a:custGeom>
-            <a:avLst/>
-            <a:gdLst/>
-            <a:ahLst/>
-            <a:cxnLst/>
-            <a:rect l="l" t="t" r="r" b="b"/>
-            <a:pathLst>
-              <a:path w="120000" h="120000" extrusionOk="0">
-                <a:moveTo>
-                  <a:pt x="0" y="0"/>
-                </a:moveTo>
-                <a:lnTo>
-                  <a:pt x="120000" y="0"/>
-                </a:lnTo>
-                <a:lnTo>
-                  <a:pt x="120000" y="120000"/>
-                </a:lnTo>
-                <a:lnTo>
-                  <a:pt x="0" y="120000"/>
-                </a:lnTo>
-                <a:close/>
-              </a:path>
-            </a:pathLst>
-          </a:custGeom>
-        </p:spPr>
-      </p:sp>
-      <p:sp>
-        <p:nvSpPr>
-          <p:cNvPr id="77" name="Google Shape;77;g35f391192_029:notes"/>
-          <p:cNvSpPr txBox="1">
-            <a:spLocks noGrp="1"/>
-          </p:cNvSpPr>
-          <p:nvPr>
-            <p:ph type="body" idx="1"/>
-          </p:nvPr>
-        </p:nvSpPr>
-        <p:spPr>
-          <a:xfrm>
-            <a:off x="685800" y="4343400"/>
-            <a:ext cx="5486400" cy="4114800"/>
-          </a:xfrm>
-          <a:prstGeom prst="rect">
-            <a:avLst/>
-          </a:prstGeom>
-        </p:spPr>
-        <p:txBody>
-          <a:bodyPr spcFirstLastPara="1" wrap="square" lIns="91425" tIns="91425" rIns="91425" bIns="91425" anchor="t" anchorCtr="0">
-            <a:noAutofit/>
-          </a:bodyPr>
-          <a:lstStyle/>
-          <a:p>
-            <a:pPr marL="0" lvl="0" indent="0" algn="l" rtl="0">
-              <a:spcBef>
-                <a:spcPts val="0"/>
-              </a:spcBef>
-              <a:spcAft>
-                <a:spcPts val="0"/>
-              </a:spcAft>
-              <a:buNone/>
-            </a:pPr>
-            <a:endParaRPr/>
-          </a:p>
-        </p:txBody>
-      </p:sp>
-    </p:spTree>
-    <p:extLst>
-      <p:ext uri="{BB962C8B-B14F-4D97-AF65-F5344CB8AC3E}">
-        <p14:creationId xmlns:p14="http://schemas.microsoft.com/office/powerpoint/2010/main" val="1947774705"/>
+        <p14:creationId xmlns:p14="http://schemas.microsoft.com/office/powerpoint/2010/main" val="3617568101"/>
       </p:ext>
     </p:extLst>
   </p:cSld>
@@ -2359,7 +2361,7 @@
     </p:spTree>
     <p:extLst>
       <p:ext uri="{BB962C8B-B14F-4D97-AF65-F5344CB8AC3E}">
-        <p14:creationId xmlns:p14="http://schemas.microsoft.com/office/powerpoint/2010/main" val="4093680715"/>
+        <p14:creationId xmlns:p14="http://schemas.microsoft.com/office/powerpoint/2010/main" val="1083747379"/>
       </p:ext>
     </p:extLst>
   </p:cSld>
@@ -2374,7 +2376,7 @@
   <p:cSld>
     <p:spTree>
       <p:nvGrpSpPr>
-        <p:cNvPr id="1" name="Shape 86"/>
+        <p:cNvPr id="1" name="Shape 75"/>
         <p:cNvGrpSpPr/>
         <p:nvPr/>
       </p:nvGrpSpPr>
@@ -2388,7 +2390,7 @@
       </p:grpSpPr>
       <p:sp>
         <p:nvSpPr>
-          <p:cNvPr id="87" name="Google Shape;87;p:notes"/>
+          <p:cNvPr id="76" name="Google Shape;76;g35f391192_029:notes"/>
           <p:cNvSpPr>
             <a:spLocks noGrp="1" noRot="1" noChangeAspect="1"/>
           </p:cNvSpPr>
@@ -2429,7 +2431,7 @@
       </p:sp>
       <p:sp>
         <p:nvSpPr>
-          <p:cNvPr id="88" name="Google Shape;88;p:notes"/>
+          <p:cNvPr id="77" name="Google Shape;77;g35f391192_029:notes"/>
           <p:cNvSpPr txBox="1">
             <a:spLocks noGrp="1"/>
           </p:cNvSpPr>
@@ -2468,7 +2470,7 @@
     </p:spTree>
     <p:extLst>
       <p:ext uri="{BB962C8B-B14F-4D97-AF65-F5344CB8AC3E}">
-        <p14:creationId xmlns:p14="http://schemas.microsoft.com/office/powerpoint/2010/main" val="4027035300"/>
+        <p14:creationId xmlns:p14="http://schemas.microsoft.com/office/powerpoint/2010/main" val="1947774705"/>
       </p:ext>
     </p:extLst>
   </p:cSld>
@@ -2570,6 +2572,224 @@
               </a:spcAft>
               <a:buNone/>
             </a:pPr>
+            <a:endParaRPr/>
+          </a:p>
+        </p:txBody>
+      </p:sp>
+    </p:spTree>
+    <p:extLst>
+      <p:ext uri="{BB962C8B-B14F-4D97-AF65-F5344CB8AC3E}">
+        <p14:creationId xmlns:p14="http://schemas.microsoft.com/office/powerpoint/2010/main" val="4093680715"/>
+      </p:ext>
+    </p:extLst>
+  </p:cSld>
+  <p:clrMapOvr>
+    <a:masterClrMapping/>
+  </p:clrMapOvr>
+</p:notes>
+</file>
+
+<file path=ppt/notesSlides/notesSlide25.xml><?xml version="1.0" encoding="utf-8"?>
+<p:notes xmlns:a="http://schemas.openxmlformats.org/drawingml/2006/main" xmlns:r="http://schemas.openxmlformats.org/officeDocument/2006/relationships" xmlns:p="http://schemas.openxmlformats.org/presentationml/2006/main" showMasterSp="0" showMasterPhAnim="0">
+  <p:cSld>
+    <p:spTree>
+      <p:nvGrpSpPr>
+        <p:cNvPr id="1" name="Shape 86"/>
+        <p:cNvGrpSpPr/>
+        <p:nvPr/>
+      </p:nvGrpSpPr>
+      <p:grpSpPr>
+        <a:xfrm>
+          <a:off x="0" y="0"/>
+          <a:ext cx="0" cy="0"/>
+          <a:chOff x="0" y="0"/>
+          <a:chExt cx="0" cy="0"/>
+        </a:xfrm>
+      </p:grpSpPr>
+      <p:sp>
+        <p:nvSpPr>
+          <p:cNvPr id="87" name="Google Shape;87;p:notes"/>
+          <p:cNvSpPr>
+            <a:spLocks noGrp="1" noRot="1" noChangeAspect="1"/>
+          </p:cNvSpPr>
+          <p:nvPr>
+            <p:ph type="sldImg" idx="2"/>
+          </p:nvPr>
+        </p:nvSpPr>
+        <p:spPr>
+          <a:xfrm>
+            <a:off x="381000" y="685800"/>
+            <a:ext cx="6096000" cy="3429000"/>
+          </a:xfrm>
+          <a:custGeom>
+            <a:avLst/>
+            <a:gdLst/>
+            <a:ahLst/>
+            <a:cxnLst/>
+            <a:rect l="l" t="t" r="r" b="b"/>
+            <a:pathLst>
+              <a:path w="120000" h="120000" extrusionOk="0">
+                <a:moveTo>
+                  <a:pt x="0" y="0"/>
+                </a:moveTo>
+                <a:lnTo>
+                  <a:pt x="120000" y="0"/>
+                </a:lnTo>
+                <a:lnTo>
+                  <a:pt x="120000" y="120000"/>
+                </a:lnTo>
+                <a:lnTo>
+                  <a:pt x="0" y="120000"/>
+                </a:lnTo>
+                <a:close/>
+              </a:path>
+            </a:pathLst>
+          </a:custGeom>
+        </p:spPr>
+      </p:sp>
+      <p:sp>
+        <p:nvSpPr>
+          <p:cNvPr id="88" name="Google Shape;88;p:notes"/>
+          <p:cNvSpPr txBox="1">
+            <a:spLocks noGrp="1"/>
+          </p:cNvSpPr>
+          <p:nvPr>
+            <p:ph type="body" idx="1"/>
+          </p:nvPr>
+        </p:nvSpPr>
+        <p:spPr>
+          <a:xfrm>
+            <a:off x="685800" y="4343400"/>
+            <a:ext cx="5486400" cy="4114800"/>
+          </a:xfrm>
+          <a:prstGeom prst="rect">
+            <a:avLst/>
+          </a:prstGeom>
+        </p:spPr>
+        <p:txBody>
+          <a:bodyPr spcFirstLastPara="1" wrap="square" lIns="91425" tIns="91425" rIns="91425" bIns="91425" anchor="t" anchorCtr="0">
+            <a:noAutofit/>
+          </a:bodyPr>
+          <a:lstStyle/>
+          <a:p>
+            <a:pPr marL="0" lvl="0" indent="0" algn="l" rtl="0">
+              <a:spcBef>
+                <a:spcPts val="0"/>
+              </a:spcBef>
+              <a:spcAft>
+                <a:spcPts val="0"/>
+              </a:spcAft>
+              <a:buNone/>
+            </a:pPr>
+            <a:endParaRPr/>
+          </a:p>
+        </p:txBody>
+      </p:sp>
+    </p:spTree>
+    <p:extLst>
+      <p:ext uri="{BB962C8B-B14F-4D97-AF65-F5344CB8AC3E}">
+        <p14:creationId xmlns:p14="http://schemas.microsoft.com/office/powerpoint/2010/main" val="4027035300"/>
+      </p:ext>
+    </p:extLst>
+  </p:cSld>
+  <p:clrMapOvr>
+    <a:masterClrMapping/>
+  </p:clrMapOvr>
+</p:notes>
+</file>
+
+<file path=ppt/notesSlides/notesSlide26.xml><?xml version="1.0" encoding="utf-8"?>
+<p:notes xmlns:a="http://schemas.openxmlformats.org/drawingml/2006/main" xmlns:r="http://schemas.openxmlformats.org/officeDocument/2006/relationships" xmlns:p="http://schemas.openxmlformats.org/presentationml/2006/main" showMasterSp="0" showMasterPhAnim="0">
+  <p:cSld>
+    <p:spTree>
+      <p:nvGrpSpPr>
+        <p:cNvPr id="1" name="Shape 86"/>
+        <p:cNvGrpSpPr/>
+        <p:nvPr/>
+      </p:nvGrpSpPr>
+      <p:grpSpPr>
+        <a:xfrm>
+          <a:off x="0" y="0"/>
+          <a:ext cx="0" cy="0"/>
+          <a:chOff x="0" y="0"/>
+          <a:chExt cx="0" cy="0"/>
+        </a:xfrm>
+      </p:grpSpPr>
+      <p:sp>
+        <p:nvSpPr>
+          <p:cNvPr id="87" name="Google Shape;87;p:notes"/>
+          <p:cNvSpPr>
+            <a:spLocks noGrp="1" noRot="1" noChangeAspect="1"/>
+          </p:cNvSpPr>
+          <p:nvPr>
+            <p:ph type="sldImg" idx="2"/>
+          </p:nvPr>
+        </p:nvSpPr>
+        <p:spPr>
+          <a:xfrm>
+            <a:off x="381000" y="685800"/>
+            <a:ext cx="6096000" cy="3429000"/>
+          </a:xfrm>
+          <a:custGeom>
+            <a:avLst/>
+            <a:gdLst/>
+            <a:ahLst/>
+            <a:cxnLst/>
+            <a:rect l="l" t="t" r="r" b="b"/>
+            <a:pathLst>
+              <a:path w="120000" h="120000" extrusionOk="0">
+                <a:moveTo>
+                  <a:pt x="0" y="0"/>
+                </a:moveTo>
+                <a:lnTo>
+                  <a:pt x="120000" y="0"/>
+                </a:lnTo>
+                <a:lnTo>
+                  <a:pt x="120000" y="120000"/>
+                </a:lnTo>
+                <a:lnTo>
+                  <a:pt x="0" y="120000"/>
+                </a:lnTo>
+                <a:close/>
+              </a:path>
+            </a:pathLst>
+          </a:custGeom>
+        </p:spPr>
+      </p:sp>
+      <p:sp>
+        <p:nvSpPr>
+          <p:cNvPr id="88" name="Google Shape;88;p:notes"/>
+          <p:cNvSpPr txBox="1">
+            <a:spLocks noGrp="1"/>
+          </p:cNvSpPr>
+          <p:nvPr>
+            <p:ph type="body" idx="1"/>
+          </p:nvPr>
+        </p:nvSpPr>
+        <p:spPr>
+          <a:xfrm>
+            <a:off x="685800" y="4343400"/>
+            <a:ext cx="5486400" cy="4114800"/>
+          </a:xfrm>
+          <a:prstGeom prst="rect">
+            <a:avLst/>
+          </a:prstGeom>
+        </p:spPr>
+        <p:txBody>
+          <a:bodyPr spcFirstLastPara="1" wrap="square" lIns="91425" tIns="91425" rIns="91425" bIns="91425" anchor="t" anchorCtr="0">
+            <a:noAutofit/>
+          </a:bodyPr>
+          <a:lstStyle/>
+          <a:p>
+            <a:pPr marL="0" lvl="0" indent="0" algn="l" rtl="0">
+              <a:spcBef>
+                <a:spcPts val="0"/>
+              </a:spcBef>
+              <a:spcAft>
+                <a:spcPts val="0"/>
+              </a:spcAft>
+              <a:buNone/>
+            </a:pPr>
             <a:endParaRPr dirty="0"/>
           </a:p>
         </p:txBody>
@@ -2587,7 +2807,7 @@
 </p:notes>
 </file>
 
-<file path=ppt/notesSlides/notesSlide25.xml><?xml version="1.0" encoding="utf-8"?>
+<file path=ppt/notesSlides/notesSlide27.xml><?xml version="1.0" encoding="utf-8"?>
 <p:notes xmlns:a="http://schemas.openxmlformats.org/drawingml/2006/main" xmlns:r="http://schemas.openxmlformats.org/officeDocument/2006/relationships" xmlns:p="http://schemas.openxmlformats.org/presentationml/2006/main" showMasterSp="0" showMasterPhAnim="0">
   <p:cSld>
     <p:spTree>
@@ -6551,6 +6771,17 @@
               <a:buNone/>
             </a:pPr>
             <a:r>
+              <a:rPr lang="es-ES" sz="1800" b="1" dirty="0" err="1">
+                <a:solidFill>
+                  <a:srgbClr val="F33784"/>
+                </a:solidFill>
+                <a:latin typeface="Lato"/>
+                <a:cs typeface="Lato"/>
+                <a:sym typeface="Wingdings" panose="05000000000000000000" pitchFamily="2" charset="2"/>
+              </a:rPr>
+              <a:t>Get-NetIPAdress</a:t>
+            </a:r>
+            <a:r>
               <a:rPr lang="es-ES" sz="1800" b="1" dirty="0">
                 <a:solidFill>
                   <a:srgbClr val="F33784"/>
@@ -6559,7 +6790,7 @@
                 <a:cs typeface="Lato"/>
                 <a:sym typeface="Wingdings" panose="05000000000000000000" pitchFamily="2" charset="2"/>
               </a:rPr>
-              <a:t>Información de un adaptador para ver si está configurado por DHCP.</a:t>
+              <a:t>: IP de un adaptador ( DHCP o manual)</a:t>
             </a:r>
           </a:p>
           <a:p>
@@ -6643,6 +6874,22 @@
               </a:rPr>
               <a:t> "Ethernet“ </a:t>
             </a:r>
+            <a:endParaRPr lang="en-US" sz="1800" dirty="0">
+              <a:solidFill>
+                <a:srgbClr val="121867"/>
+              </a:solidFill>
+              <a:latin typeface="Lato"/>
+              <a:cs typeface="Lato"/>
+              <a:sym typeface="Wingdings" panose="05000000000000000000" pitchFamily="2" charset="2"/>
+            </a:endParaRPr>
+          </a:p>
+          <a:p>
+            <a:pPr marL="101600" lvl="0" indent="0">
+              <a:buClr>
+                <a:srgbClr val="121867"/>
+              </a:buClr>
+              <a:buNone/>
+            </a:pPr>
             <a:r>
               <a:rPr lang="en-US" sz="1800" dirty="0">
                 <a:solidFill>
@@ -6652,7 +6899,7 @@
                 <a:cs typeface="Lato"/>
                 <a:sym typeface="Wingdings" panose="05000000000000000000" pitchFamily="2" charset="2"/>
               </a:rPr>
-              <a:t> Podemos </a:t>
+              <a:t>Get-</a:t>
             </a:r>
             <a:r>
               <a:rPr lang="en-US" sz="1800" dirty="0" err="1">
@@ -6663,7 +6910,7 @@
                 <a:cs typeface="Lato"/>
                 <a:sym typeface="Wingdings" panose="05000000000000000000" pitchFamily="2" charset="2"/>
               </a:rPr>
-              <a:t>ver</a:t>
+              <a:t>NetIPAddress</a:t>
             </a:r>
             <a:r>
               <a:rPr lang="en-US" sz="1800" dirty="0">
@@ -6674,6 +6921,118 @@
                 <a:cs typeface="Lato"/>
                 <a:sym typeface="Wingdings" panose="05000000000000000000" pitchFamily="2" charset="2"/>
               </a:rPr>
+              <a:t> -</a:t>
+            </a:r>
+            <a:r>
+              <a:rPr lang="en-US" sz="1800" dirty="0" err="1">
+                <a:solidFill>
+                  <a:srgbClr val="121867"/>
+                </a:solidFill>
+                <a:latin typeface="Lato"/>
+                <a:cs typeface="Lato"/>
+                <a:sym typeface="Wingdings" panose="05000000000000000000" pitchFamily="2" charset="2"/>
+              </a:rPr>
+              <a:t>InterfaceAlias</a:t>
+            </a:r>
+            <a:r>
+              <a:rPr lang="en-US" sz="1800" dirty="0">
+                <a:solidFill>
+                  <a:srgbClr val="121867"/>
+                </a:solidFill>
+                <a:latin typeface="Lato"/>
+                <a:cs typeface="Lato"/>
+                <a:sym typeface="Wingdings" panose="05000000000000000000" pitchFamily="2" charset="2"/>
+              </a:rPr>
+              <a:t> “Ethernet" -</a:t>
+            </a:r>
+            <a:r>
+              <a:rPr lang="en-US" sz="1800" dirty="0" err="1">
+                <a:solidFill>
+                  <a:srgbClr val="121867"/>
+                </a:solidFill>
+                <a:latin typeface="Lato"/>
+                <a:cs typeface="Lato"/>
+                <a:sym typeface="Wingdings" panose="05000000000000000000" pitchFamily="2" charset="2"/>
+              </a:rPr>
+              <a:t>AddressFamily</a:t>
+            </a:r>
+            <a:r>
+              <a:rPr lang="en-US" sz="1800" dirty="0">
+                <a:solidFill>
+                  <a:srgbClr val="121867"/>
+                </a:solidFill>
+                <a:latin typeface="Lato"/>
+                <a:cs typeface="Lato"/>
+                <a:sym typeface="Wingdings" panose="05000000000000000000" pitchFamily="2" charset="2"/>
+              </a:rPr>
+              <a:t> IPv4</a:t>
+            </a:r>
+          </a:p>
+          <a:p>
+            <a:pPr marL="101600" lvl="0" indent="0">
+              <a:buClr>
+                <a:srgbClr val="121867"/>
+              </a:buClr>
+              <a:buNone/>
+            </a:pPr>
+            <a:endParaRPr lang="en-US" sz="1800" dirty="0">
+              <a:solidFill>
+                <a:srgbClr val="121867"/>
+              </a:solidFill>
+              <a:latin typeface="Lato"/>
+              <a:cs typeface="Lato"/>
+              <a:sym typeface="Wingdings" panose="05000000000000000000" pitchFamily="2" charset="2"/>
+            </a:endParaRPr>
+          </a:p>
+          <a:p>
+            <a:pPr marL="101600" lvl="0" indent="0">
+              <a:buClr>
+                <a:srgbClr val="121867"/>
+              </a:buClr>
+              <a:buNone/>
+            </a:pPr>
+            <a:r>
+              <a:rPr lang="en-US" sz="1800" b="1" dirty="0" err="1">
+                <a:solidFill>
+                  <a:srgbClr val="F33784"/>
+                </a:solidFill>
+                <a:latin typeface="Lato"/>
+                <a:cs typeface="Lato"/>
+                <a:sym typeface="Wingdings" panose="05000000000000000000" pitchFamily="2" charset="2"/>
+              </a:rPr>
+              <a:t>PrefixOrigin</a:t>
+            </a:r>
+            <a:r>
+              <a:rPr lang="en-US" sz="1800" b="1" dirty="0">
+                <a:solidFill>
+                  <a:srgbClr val="F33784"/>
+                </a:solidFill>
+                <a:latin typeface="Lato"/>
+                <a:cs typeface="Lato"/>
+                <a:sym typeface="Wingdings" panose="05000000000000000000" pitchFamily="2" charset="2"/>
+              </a:rPr>
+              <a:t> y </a:t>
+            </a:r>
+            <a:r>
+              <a:rPr lang="en-US" sz="1800" b="1" dirty="0" err="1">
+                <a:solidFill>
+                  <a:srgbClr val="F33784"/>
+                </a:solidFill>
+                <a:latin typeface="Lato"/>
+                <a:cs typeface="Lato"/>
+                <a:sym typeface="Wingdings" panose="05000000000000000000" pitchFamily="2" charset="2"/>
+              </a:rPr>
+              <a:t>SuffixOrigin</a:t>
+            </a:r>
+            <a:r>
+              <a:rPr lang="en-US" sz="1800" b="1" dirty="0">
+                <a:solidFill>
+                  <a:srgbClr val="F33784"/>
+                </a:solidFill>
+                <a:latin typeface="Lato"/>
+                <a:cs typeface="Lato"/>
+                <a:sym typeface="Wingdings" panose="05000000000000000000" pitchFamily="2" charset="2"/>
+              </a:rPr>
               <a:t> </a:t>
             </a:r>
             <a:r>
@@ -6685,7 +7044,7 @@
                 <a:cs typeface="Lato"/>
                 <a:sym typeface="Wingdings" panose="05000000000000000000" pitchFamily="2" charset="2"/>
               </a:rPr>
-              <a:t>por</a:t>
+              <a:t>representan</a:t>
             </a:r>
             <a:r>
               <a:rPr lang="en-US" sz="1800" dirty="0">
@@ -6696,6 +7055,94 @@
                 <a:cs typeface="Lato"/>
                 <a:sym typeface="Wingdings" panose="05000000000000000000" pitchFamily="2" charset="2"/>
               </a:rPr>
+              <a:t>  la </a:t>
+            </a:r>
+            <a:r>
+              <a:rPr lang="en-US" sz="1800" dirty="0" err="1">
+                <a:solidFill>
+                  <a:srgbClr val="121867"/>
+                </a:solidFill>
+                <a:latin typeface="Lato"/>
+                <a:cs typeface="Lato"/>
+                <a:sym typeface="Wingdings" panose="05000000000000000000" pitchFamily="2" charset="2"/>
+              </a:rPr>
+              <a:t>dirección</a:t>
+            </a:r>
+            <a:r>
+              <a:rPr lang="en-US" sz="1800" dirty="0">
+                <a:solidFill>
+                  <a:srgbClr val="121867"/>
+                </a:solidFill>
+                <a:latin typeface="Lato"/>
+                <a:cs typeface="Lato"/>
+                <a:sym typeface="Wingdings" panose="05000000000000000000" pitchFamily="2" charset="2"/>
+              </a:rPr>
+              <a:t> de red y la </a:t>
+            </a:r>
+            <a:r>
+              <a:rPr lang="en-US" sz="1800" dirty="0" err="1">
+                <a:solidFill>
+                  <a:srgbClr val="121867"/>
+                </a:solidFill>
+                <a:latin typeface="Lato"/>
+                <a:cs typeface="Lato"/>
+                <a:sym typeface="Wingdings" panose="05000000000000000000" pitchFamily="2" charset="2"/>
+              </a:rPr>
+              <a:t>dirección</a:t>
+            </a:r>
+            <a:r>
+              <a:rPr lang="en-US" sz="1800" dirty="0">
+                <a:solidFill>
+                  <a:srgbClr val="121867"/>
+                </a:solidFill>
+                <a:latin typeface="Lato"/>
+                <a:cs typeface="Lato"/>
+                <a:sym typeface="Wingdings" panose="05000000000000000000" pitchFamily="2" charset="2"/>
+              </a:rPr>
+              <a:t> de host </a:t>
+            </a:r>
+            <a:r>
+              <a:rPr lang="en-US" sz="1800" dirty="0" err="1">
+                <a:solidFill>
+                  <a:srgbClr val="121867"/>
+                </a:solidFill>
+                <a:latin typeface="Lato"/>
+                <a:cs typeface="Lato"/>
+                <a:sym typeface="Wingdings" panose="05000000000000000000" pitchFamily="2" charset="2"/>
+              </a:rPr>
+              <a:t>respectivamente</a:t>
+            </a:r>
+            <a:r>
+              <a:rPr lang="en-US" sz="1800" dirty="0">
+                <a:solidFill>
+                  <a:srgbClr val="121867"/>
+                </a:solidFill>
+                <a:latin typeface="Lato"/>
+                <a:cs typeface="Lato"/>
+                <a:sym typeface="Wingdings" panose="05000000000000000000" pitchFamily="2" charset="2"/>
+              </a:rPr>
+              <a:t>. </a:t>
+            </a:r>
+            <a:r>
+              <a:rPr lang="en-US" sz="1800" dirty="0" err="1">
+                <a:solidFill>
+                  <a:srgbClr val="121867"/>
+                </a:solidFill>
+                <a:latin typeface="Lato"/>
+                <a:cs typeface="Lato"/>
+                <a:sym typeface="Wingdings" panose="05000000000000000000" pitchFamily="2" charset="2"/>
+              </a:rPr>
+              <a:t>Sus</a:t>
+            </a:r>
+            <a:r>
+              <a:rPr lang="en-US" sz="1800" dirty="0">
+                <a:solidFill>
+                  <a:srgbClr val="121867"/>
+                </a:solidFill>
+                <a:latin typeface="Lato"/>
+                <a:cs typeface="Lato"/>
+                <a:sym typeface="Wingdings" panose="05000000000000000000" pitchFamily="2" charset="2"/>
+              </a:rPr>
               <a:t> </a:t>
             </a:r>
             <a:r>
@@ -6707,7 +7154,7 @@
                 <a:cs typeface="Lato"/>
                 <a:sym typeface="Wingdings" panose="05000000000000000000" pitchFamily="2" charset="2"/>
               </a:rPr>
-              <a:t>ejemplo</a:t>
+              <a:t>valores</a:t>
             </a:r>
             <a:r>
               <a:rPr lang="en-US" sz="1800" dirty="0">
@@ -6718,7 +7165,7 @@
                 <a:cs typeface="Lato"/>
                 <a:sym typeface="Wingdings" panose="05000000000000000000" pitchFamily="2" charset="2"/>
               </a:rPr>
-              <a:t>, </a:t>
+              <a:t> </a:t>
             </a:r>
             <a:r>
               <a:rPr lang="en-US" sz="1800" dirty="0" err="1">
@@ -6729,7 +7176,7 @@
                 <a:cs typeface="Lato"/>
                 <a:sym typeface="Wingdings" panose="05000000000000000000" pitchFamily="2" charset="2"/>
               </a:rPr>
-              <a:t>si</a:t>
+              <a:t>habituales</a:t>
             </a:r>
             <a:r>
               <a:rPr lang="en-US" sz="1800" dirty="0">
@@ -6740,7 +7187,7 @@
                 <a:cs typeface="Lato"/>
                 <a:sym typeface="Wingdings" panose="05000000000000000000" pitchFamily="2" charset="2"/>
               </a:rPr>
-              <a:t> se </a:t>
+              <a:t> son: manual y </a:t>
             </a:r>
             <a:r>
               <a:rPr lang="en-US" sz="1800" dirty="0" err="1">
@@ -6751,73 +7198,7 @@
                 <a:cs typeface="Lato"/>
                 <a:sym typeface="Wingdings" panose="05000000000000000000" pitchFamily="2" charset="2"/>
               </a:rPr>
-              <a:t>trata</a:t>
-            </a:r>
-            <a:r>
-              <a:rPr lang="en-US" sz="1800" dirty="0">
-                <a:solidFill>
-                  <a:srgbClr val="121867"/>
-                </a:solidFill>
-                <a:latin typeface="Lato"/>
-                <a:cs typeface="Lato"/>
-                <a:sym typeface="Wingdings" panose="05000000000000000000" pitchFamily="2" charset="2"/>
-              </a:rPr>
-              <a:t> de </a:t>
-            </a:r>
-            <a:r>
-              <a:rPr lang="en-US" sz="1800" dirty="0" err="1">
-                <a:solidFill>
-                  <a:srgbClr val="121867"/>
-                </a:solidFill>
-                <a:latin typeface="Lato"/>
-                <a:cs typeface="Lato"/>
-                <a:sym typeface="Wingdings" panose="05000000000000000000" pitchFamily="2" charset="2"/>
-              </a:rPr>
-              <a:t>una</a:t>
-            </a:r>
-            <a:r>
-              <a:rPr lang="en-US" sz="1800" dirty="0">
-                <a:solidFill>
-                  <a:srgbClr val="121867"/>
-                </a:solidFill>
-                <a:latin typeface="Lato"/>
-                <a:cs typeface="Lato"/>
-                <a:sym typeface="Wingdings" panose="05000000000000000000" pitchFamily="2" charset="2"/>
-              </a:rPr>
-              <a:t> IP </a:t>
-            </a:r>
-            <a:r>
-              <a:rPr lang="en-US" sz="1800" dirty="0" err="1">
-                <a:solidFill>
-                  <a:srgbClr val="121867"/>
-                </a:solidFill>
-                <a:latin typeface="Lato"/>
-                <a:cs typeface="Lato"/>
-                <a:sym typeface="Wingdings" panose="05000000000000000000" pitchFamily="2" charset="2"/>
-              </a:rPr>
-              <a:t>dinámica</a:t>
-            </a:r>
-            <a:r>
-              <a:rPr lang="en-US" sz="1800" dirty="0">
-                <a:solidFill>
-                  <a:srgbClr val="121867"/>
-                </a:solidFill>
-                <a:latin typeface="Lato"/>
-                <a:cs typeface="Lato"/>
-                <a:sym typeface="Wingdings" panose="05000000000000000000" pitchFamily="2" charset="2"/>
-              </a:rPr>
-              <a:t>, y la </a:t>
-            </a:r>
-            <a:r>
-              <a:rPr lang="en-US" sz="1800" dirty="0" err="1">
-                <a:solidFill>
-                  <a:srgbClr val="121867"/>
-                </a:solidFill>
-                <a:latin typeface="Lato"/>
-                <a:cs typeface="Lato"/>
-                <a:sym typeface="Wingdings" panose="05000000000000000000" pitchFamily="2" charset="2"/>
-              </a:rPr>
-              <a:t>validLifetime</a:t>
+              <a:t>dhcp</a:t>
             </a:r>
             <a:endParaRPr lang="es-ES" sz="1800" dirty="0">
               <a:solidFill>
@@ -6904,7 +7285,7 @@
                 <a:cs typeface="Lato"/>
                 <a:sym typeface="Lato"/>
               </a:rPr>
-              <a:t>2.5.- </a:t>
+              <a:t>2.4.- </a:t>
             </a:r>
             <a:r>
               <a:rPr lang="es-ES" dirty="0">
@@ -6943,7 +7324,7 @@
         <p:spPr>
           <a:xfrm>
             <a:off x="631316" y="1379200"/>
-            <a:ext cx="6839259" cy="4034048"/>
+            <a:ext cx="6839259" cy="3764300"/>
           </a:xfrm>
           <a:prstGeom prst="rect">
             <a:avLst/>
@@ -6962,67 +7343,26 @@
               <a:buNone/>
             </a:pPr>
             <a:r>
+              <a:rPr lang="es-ES" sz="1800" b="1" dirty="0" err="1">
+                <a:solidFill>
+                  <a:srgbClr val="F33784"/>
+                </a:solidFill>
+                <a:latin typeface="Lato"/>
+                <a:cs typeface="Lato"/>
+                <a:sym typeface="Wingdings" panose="05000000000000000000" pitchFamily="2" charset="2"/>
+              </a:rPr>
+              <a:t>Get-NetIPAdress</a:t>
+            </a:r>
+            <a:r>
               <a:rPr lang="es-ES" sz="1800" b="1" dirty="0">
                 <a:solidFill>
                   <a:srgbClr val="F33784"/>
                 </a:solidFill>
                 <a:latin typeface="Lato"/>
                 <a:cs typeface="Lato"/>
-                <a:sym typeface="Lato"/>
-              </a:rPr>
-              <a:t>Información de tabla de enrutamiento.</a:t>
-            </a:r>
-          </a:p>
-          <a:p>
-            <a:pPr marL="101600" lvl="0" indent="0">
-              <a:buClr>
-                <a:srgbClr val="121867"/>
-              </a:buClr>
-              <a:buNone/>
-            </a:pPr>
-            <a:r>
-              <a:rPr lang="es-ES" sz="1800" dirty="0" err="1">
-                <a:solidFill>
-                  <a:srgbClr val="121867"/>
-                </a:solidFill>
-                <a:latin typeface="Lato"/>
-                <a:cs typeface="Lato"/>
-                <a:sym typeface="Lato"/>
-              </a:rPr>
-              <a:t>Get-NetRoute</a:t>
-            </a:r>
-            <a:r>
-              <a:rPr lang="es-ES" sz="1800" dirty="0">
-                <a:solidFill>
-                  <a:srgbClr val="121867"/>
-                </a:solidFill>
-                <a:latin typeface="Lato"/>
-                <a:cs typeface="Lato"/>
-                <a:sym typeface="Lato"/>
-              </a:rPr>
-              <a:t> -</a:t>
-            </a:r>
-            <a:r>
-              <a:rPr lang="es-ES" sz="1800" dirty="0" err="1">
-                <a:solidFill>
-                  <a:srgbClr val="121867"/>
-                </a:solidFill>
-                <a:latin typeface="Lato"/>
-                <a:cs typeface="Lato"/>
-                <a:sym typeface="Lato"/>
-              </a:rPr>
-              <a:t>InterfaceIndex</a:t>
-            </a:r>
-            <a:r>
-              <a:rPr lang="es-ES" sz="1800" dirty="0">
-                <a:solidFill>
-                  <a:srgbClr val="121867"/>
-                </a:solidFill>
-                <a:latin typeface="Lato"/>
-                <a:cs typeface="Lato"/>
-                <a:sym typeface="Lato"/>
-              </a:rPr>
-              <a:t> 3</a:t>
+                <a:sym typeface="Wingdings" panose="05000000000000000000" pitchFamily="2" charset="2"/>
+              </a:rPr>
+              <a:t>: Obtener una propiedad</a:t>
             </a:r>
           </a:p>
           <a:p>
@@ -7049,15 +7389,81 @@
               <a:buNone/>
             </a:pPr>
             <a:r>
-              <a:rPr lang="es-ES" sz="1800" b="1" dirty="0">
-                <a:solidFill>
-                  <a:srgbClr val="F33784"/>
-                </a:solidFill>
-                <a:latin typeface="Lato"/>
-                <a:cs typeface="Lato"/>
-                <a:sym typeface="Wingdings" panose="05000000000000000000" pitchFamily="2" charset="2"/>
-              </a:rPr>
-              <a:t>Información de los DNS. </a:t>
+              <a:rPr lang="en-US" sz="1800" dirty="0">
+                <a:solidFill>
+                  <a:srgbClr val="121867"/>
+                </a:solidFill>
+                <a:latin typeface="Lato"/>
+                <a:cs typeface="Lato"/>
+                <a:sym typeface="Wingdings" panose="05000000000000000000" pitchFamily="2" charset="2"/>
+              </a:rPr>
+              <a:t>$IP= Get-</a:t>
+            </a:r>
+            <a:r>
+              <a:rPr lang="en-US" sz="1800" dirty="0" err="1">
+                <a:solidFill>
+                  <a:srgbClr val="121867"/>
+                </a:solidFill>
+                <a:latin typeface="Lato"/>
+                <a:cs typeface="Lato"/>
+                <a:sym typeface="Wingdings" panose="05000000000000000000" pitchFamily="2" charset="2"/>
+              </a:rPr>
+              <a:t>NetIPAddress</a:t>
+            </a:r>
+            <a:r>
+              <a:rPr lang="en-US" sz="1800" dirty="0">
+                <a:solidFill>
+                  <a:srgbClr val="121867"/>
+                </a:solidFill>
+                <a:latin typeface="Lato"/>
+                <a:cs typeface="Lato"/>
+                <a:sym typeface="Wingdings" panose="05000000000000000000" pitchFamily="2" charset="2"/>
+              </a:rPr>
+              <a:t> -</a:t>
+            </a:r>
+            <a:r>
+              <a:rPr lang="en-US" sz="1800" dirty="0" err="1">
+                <a:solidFill>
+                  <a:srgbClr val="121867"/>
+                </a:solidFill>
+                <a:latin typeface="Lato"/>
+                <a:cs typeface="Lato"/>
+                <a:sym typeface="Wingdings" panose="05000000000000000000" pitchFamily="2" charset="2"/>
+              </a:rPr>
+              <a:t>InterfaceAlias</a:t>
+            </a:r>
+            <a:r>
+              <a:rPr lang="en-US" sz="1800" dirty="0">
+                <a:solidFill>
+                  <a:srgbClr val="121867"/>
+                </a:solidFill>
+                <a:latin typeface="Lato"/>
+                <a:cs typeface="Lato"/>
+                <a:sym typeface="Wingdings" panose="05000000000000000000" pitchFamily="2" charset="2"/>
+              </a:rPr>
+              <a:t> “Ethernet" -</a:t>
+            </a:r>
+            <a:r>
+              <a:rPr lang="en-US" sz="1800" dirty="0" err="1">
+                <a:solidFill>
+                  <a:srgbClr val="121867"/>
+                </a:solidFill>
+                <a:latin typeface="Lato"/>
+                <a:cs typeface="Lato"/>
+                <a:sym typeface="Wingdings" panose="05000000000000000000" pitchFamily="2" charset="2"/>
+              </a:rPr>
+              <a:t>AddressFamily</a:t>
+            </a:r>
+            <a:r>
+              <a:rPr lang="en-US" sz="1800" dirty="0">
+                <a:solidFill>
+                  <a:srgbClr val="121867"/>
+                </a:solidFill>
+                <a:latin typeface="Lato"/>
+                <a:cs typeface="Lato"/>
+                <a:sym typeface="Wingdings" panose="05000000000000000000" pitchFamily="2" charset="2"/>
+              </a:rPr>
+              <a:t> IPv4</a:t>
             </a:r>
           </a:p>
           <a:p>
@@ -7067,60 +7473,76 @@
               </a:buClr>
               <a:buNone/>
             </a:pPr>
-            <a:r>
-              <a:rPr lang="es-ES" sz="1800" dirty="0" err="1">
-                <a:solidFill>
-                  <a:srgbClr val="121867"/>
-                </a:solidFill>
-                <a:latin typeface="Lato"/>
-                <a:cs typeface="Lato"/>
-                <a:sym typeface="Lato"/>
-              </a:rPr>
-              <a:t>Get-DnsClientServerAddress</a:t>
-            </a:r>
-            <a:r>
-              <a:rPr lang="es-ES" sz="1800" dirty="0">
-                <a:solidFill>
-                  <a:srgbClr val="121867"/>
-                </a:solidFill>
-                <a:latin typeface="Lato"/>
-                <a:cs typeface="Lato"/>
-                <a:sym typeface="Lato"/>
-              </a:rPr>
-              <a:t> </a:t>
-            </a:r>
-            <a:r>
-              <a:rPr lang="es-ES" sz="1800" dirty="0" err="1">
-                <a:solidFill>
-                  <a:srgbClr val="121867"/>
-                </a:solidFill>
-                <a:latin typeface="Lato"/>
-                <a:cs typeface="Lato"/>
-                <a:sym typeface="Lato"/>
-              </a:rPr>
-              <a:t>ethernet|fl</a:t>
-            </a:r>
-            <a:r>
-              <a:rPr lang="es-ES" sz="1800" dirty="0">
-                <a:solidFill>
-                  <a:srgbClr val="121867"/>
-                </a:solidFill>
-                <a:latin typeface="Lato"/>
-                <a:cs typeface="Lato"/>
-                <a:sym typeface="Lato"/>
-              </a:rPr>
-              <a:t> </a:t>
-            </a:r>
-            <a:r>
-              <a:rPr lang="es-ES" sz="1800" dirty="0">
-                <a:solidFill>
-                  <a:srgbClr val="121867"/>
-                </a:solidFill>
-                <a:latin typeface="Lato"/>
-                <a:cs typeface="Lato"/>
-                <a:sym typeface="Wingdings" panose="05000000000000000000" pitchFamily="2" charset="2"/>
-              </a:rPr>
-              <a:t> Dirección del servidor DNS</a:t>
+            <a:endParaRPr lang="en-US" sz="1800" dirty="0">
+              <a:solidFill>
+                <a:srgbClr val="121867"/>
+              </a:solidFill>
+              <a:latin typeface="Lato"/>
+              <a:cs typeface="Lato"/>
+              <a:sym typeface="Wingdings" panose="05000000000000000000" pitchFamily="2" charset="2"/>
+            </a:endParaRPr>
+          </a:p>
+          <a:p>
+            <a:pPr marL="101600" lvl="0" indent="0">
+              <a:buClr>
+                <a:srgbClr val="121867"/>
+              </a:buClr>
+              <a:buNone/>
+            </a:pPr>
+            <a:r>
+              <a:rPr lang="en-US" sz="1800" dirty="0">
+                <a:solidFill>
+                  <a:srgbClr val="121867"/>
+                </a:solidFill>
+                <a:latin typeface="Lato"/>
+                <a:cs typeface="Lato"/>
+                <a:sym typeface="Wingdings" panose="05000000000000000000" pitchFamily="2" charset="2"/>
+              </a:rPr>
+              <a:t>$</a:t>
+            </a:r>
+            <a:r>
+              <a:rPr lang="en-US" sz="1800" dirty="0" err="1">
+                <a:solidFill>
+                  <a:srgbClr val="121867"/>
+                </a:solidFill>
+                <a:latin typeface="Lato"/>
+                <a:cs typeface="Lato"/>
+                <a:sym typeface="Wingdings" panose="05000000000000000000" pitchFamily="2" charset="2"/>
+              </a:rPr>
+              <a:t>IP.IPAddress</a:t>
+            </a:r>
+            <a:r>
+              <a:rPr lang="en-US" sz="1800" dirty="0">
+                <a:solidFill>
+                  <a:srgbClr val="121867"/>
+                </a:solidFill>
+                <a:latin typeface="Lato"/>
+                <a:cs typeface="Lato"/>
+                <a:sym typeface="Wingdings" panose="05000000000000000000" pitchFamily="2" charset="2"/>
+              </a:rPr>
+              <a:t> </a:t>
+            </a:r>
+            <a:r>
+              <a:rPr lang="en-US" sz="1800" dirty="0" err="1">
+                <a:solidFill>
+                  <a:srgbClr val="121867"/>
+                </a:solidFill>
+                <a:latin typeface="Lato"/>
+                <a:cs typeface="Lato"/>
+                <a:sym typeface="Wingdings" panose="05000000000000000000" pitchFamily="2" charset="2"/>
+              </a:rPr>
+              <a:t>Obtenemos</a:t>
+            </a:r>
+            <a:r>
+              <a:rPr lang="en-US" sz="1800" dirty="0">
+                <a:solidFill>
+                  <a:srgbClr val="121867"/>
+                </a:solidFill>
+                <a:latin typeface="Lato"/>
+                <a:cs typeface="Lato"/>
+                <a:sym typeface="Wingdings" panose="05000000000000000000" pitchFamily="2" charset="2"/>
+              </a:rPr>
+              <a:t> la IP</a:t>
             </a:r>
             <a:endParaRPr lang="es-ES" sz="1800" dirty="0">
               <a:solidFill>
@@ -7131,164 +7553,12 @@
               <a:sym typeface="Lato"/>
             </a:endParaRPr>
           </a:p>
-          <a:p>
-            <a:pPr marL="101600" indent="0">
-              <a:buClr>
-                <a:srgbClr val="121867"/>
-              </a:buClr>
-              <a:buNone/>
-            </a:pPr>
-            <a:r>
-              <a:rPr lang="es-ES" sz="1800" b="1" dirty="0">
-                <a:solidFill>
-                  <a:srgbClr val="F33784"/>
-                </a:solidFill>
-                <a:latin typeface="Lato"/>
-                <a:cs typeface="Lato"/>
-                <a:sym typeface="Wingdings" panose="05000000000000000000" pitchFamily="2" charset="2"/>
-              </a:rPr>
-              <a:t>Resolver DNS. </a:t>
-            </a:r>
-          </a:p>
-          <a:p>
-            <a:pPr marL="101600" lvl="0" indent="0">
-              <a:buClr>
-                <a:srgbClr val="121867"/>
-              </a:buClr>
-              <a:buNone/>
-            </a:pPr>
-            <a:r>
-              <a:rPr lang="es-ES" sz="1800" dirty="0" err="1">
-                <a:solidFill>
-                  <a:srgbClr val="121867"/>
-                </a:solidFill>
-                <a:latin typeface="Lato"/>
-                <a:cs typeface="Lato"/>
-                <a:sym typeface="Lato"/>
-              </a:rPr>
-              <a:t>Resolve-DnsName</a:t>
-            </a:r>
-            <a:r>
-              <a:rPr lang="es-ES" sz="1800" dirty="0">
-                <a:solidFill>
-                  <a:srgbClr val="121867"/>
-                </a:solidFill>
-                <a:latin typeface="Lato"/>
-                <a:cs typeface="Lato"/>
-                <a:sym typeface="Lato"/>
-              </a:rPr>
-              <a:t> www.google.es|ft –</a:t>
-            </a:r>
-            <a:r>
-              <a:rPr lang="es-ES" sz="1800" dirty="0" err="1">
-                <a:solidFill>
-                  <a:srgbClr val="121867"/>
-                </a:solidFill>
-                <a:latin typeface="Lato"/>
-                <a:cs typeface="Lato"/>
-                <a:sym typeface="Lato"/>
-              </a:rPr>
-              <a:t>autosize</a:t>
-            </a:r>
-            <a:endParaRPr lang="es-ES" sz="1800" dirty="0">
-              <a:solidFill>
-                <a:srgbClr val="121867"/>
-              </a:solidFill>
-              <a:latin typeface="Lato"/>
-              <a:cs typeface="Lato"/>
-              <a:sym typeface="Lato"/>
-            </a:endParaRPr>
-          </a:p>
-          <a:p>
-            <a:pPr marL="101600" indent="0">
-              <a:buClr>
-                <a:srgbClr val="121867"/>
-              </a:buClr>
-              <a:buNone/>
-            </a:pPr>
-            <a:r>
-              <a:rPr lang="es-ES" sz="1800" b="1" dirty="0">
-                <a:solidFill>
-                  <a:srgbClr val="F33784"/>
-                </a:solidFill>
-                <a:latin typeface="Lato"/>
-                <a:cs typeface="Lato"/>
-                <a:sym typeface="Wingdings" panose="05000000000000000000" pitchFamily="2" charset="2"/>
-              </a:rPr>
-              <a:t>Cache DNS. 			Limpiar DNS-Cache</a:t>
-            </a:r>
-          </a:p>
-          <a:p>
-            <a:pPr marL="101600" indent="0">
-              <a:buClr>
-                <a:srgbClr val="121867"/>
-              </a:buClr>
-              <a:buNone/>
-            </a:pPr>
-            <a:r>
-              <a:rPr lang="es-ES" sz="1800" dirty="0" err="1">
-                <a:solidFill>
-                  <a:srgbClr val="121867"/>
-                </a:solidFill>
-                <a:latin typeface="Lato"/>
-                <a:cs typeface="Lato"/>
-                <a:sym typeface="Wingdings" panose="05000000000000000000" pitchFamily="2" charset="2"/>
-              </a:rPr>
-              <a:t>Get-DnsClientCache</a:t>
-            </a:r>
-            <a:r>
-              <a:rPr lang="es-ES" sz="1800" dirty="0">
-                <a:solidFill>
-                  <a:srgbClr val="121867"/>
-                </a:solidFill>
-                <a:latin typeface="Lato"/>
-                <a:cs typeface="Lato"/>
-                <a:sym typeface="Wingdings" panose="05000000000000000000" pitchFamily="2" charset="2"/>
-              </a:rPr>
-              <a:t>		Clear-</a:t>
-            </a:r>
-            <a:r>
-              <a:rPr lang="es-ES" sz="1800" dirty="0" err="1">
-                <a:solidFill>
-                  <a:srgbClr val="121867"/>
-                </a:solidFill>
-                <a:latin typeface="Lato"/>
-                <a:cs typeface="Lato"/>
-                <a:sym typeface="Wingdings" panose="05000000000000000000" pitchFamily="2" charset="2"/>
-              </a:rPr>
-              <a:t>DNSClientCache</a:t>
-            </a:r>
-            <a:endParaRPr lang="es-ES" sz="1800" dirty="0">
-              <a:solidFill>
-                <a:srgbClr val="121867"/>
-              </a:solidFill>
-              <a:latin typeface="Lato"/>
-              <a:cs typeface="Lato"/>
-              <a:sym typeface="Wingdings" panose="05000000000000000000" pitchFamily="2" charset="2"/>
-            </a:endParaRPr>
-          </a:p>
-          <a:p>
-            <a:pPr marL="101600" lvl="0" indent="0">
-              <a:buClr>
-                <a:srgbClr val="121867"/>
-              </a:buClr>
-              <a:buNone/>
-            </a:pPr>
-            <a:endParaRPr lang="es-ES" sz="1800" dirty="0">
-              <a:solidFill>
-                <a:srgbClr val="121867"/>
-              </a:solidFill>
-              <a:latin typeface="Lato"/>
-              <a:cs typeface="Lato"/>
-              <a:sym typeface="Lato"/>
-            </a:endParaRPr>
-          </a:p>
         </p:txBody>
       </p:sp>
     </p:spTree>
     <p:extLst>
       <p:ext uri="{BB962C8B-B14F-4D97-AF65-F5344CB8AC3E}">
-        <p14:creationId xmlns:p14="http://schemas.microsoft.com/office/powerpoint/2010/main" val="3668389533"/>
+        <p14:creationId xmlns:p14="http://schemas.microsoft.com/office/powerpoint/2010/main" val="4201870747"/>
       </p:ext>
     </p:extLst>
   </p:cSld>
@@ -7359,7 +7629,7 @@
                 <a:cs typeface="Lato"/>
                 <a:sym typeface="Lato"/>
               </a:rPr>
-              <a:t>2.6.- </a:t>
+              <a:t>2.5.- </a:t>
             </a:r>
             <a:r>
               <a:rPr lang="es-ES" dirty="0">
@@ -7425,7 +7695,7 @@
                 <a:cs typeface="Lato"/>
                 <a:sym typeface="Lato"/>
               </a:rPr>
-              <a:t>Información de los puertos. </a:t>
+              <a:t>Información de tabla de enrutamiento.</a:t>
             </a:r>
           </a:p>
           <a:p>
@@ -7444,7 +7714,7 @@
                 <a:cs typeface="Lato"/>
                 <a:sym typeface="Lato"/>
               </a:rPr>
-              <a:t>Get-NetTCPConnection</a:t>
+              <a:t>Get-NetRoute</a:t>
             </a:r>
             <a:r>
               <a:rPr lang="es-ES" sz="1800" dirty="0">
@@ -7455,7 +7725,7 @@
                 <a:cs typeface="Lato"/>
                 <a:sym typeface="Lato"/>
               </a:rPr>
-              <a:t> |ft –</a:t>
+              <a:t> -</a:t>
             </a:r>
             <a:r>
               <a:rPr lang="es-ES" sz="1800" dirty="0" err="1">
@@ -7466,19 +7736,22 @@
                 <a:cs typeface="Lato"/>
                 <a:sym typeface="Lato"/>
               </a:rPr>
-              <a:t>autosize</a:t>
-            </a:r>
-            <a:endParaRPr lang="es-ES" sz="1800" dirty="0">
-              <a:solidFill>
-                <a:srgbClr val="121867"/>
-              </a:solidFill>
-              <a:latin typeface="Lato"/>
-              <a:cs typeface="Lato"/>
-              <a:sym typeface="Lato"/>
-            </a:endParaRPr>
-          </a:p>
-          <a:p>
-            <a:pPr marL="101600" indent="0">
+              <a:t>InterfaceIndex</a:t>
+            </a:r>
+            <a:r>
+              <a:rPr lang="es-ES" sz="1800" dirty="0">
+                <a:solidFill>
+                  <a:srgbClr val="121867"/>
+                </a:solidFill>
+                <a:latin typeface="Lato"/>
+                <a:cs typeface="Lato"/>
+                <a:sym typeface="Lato"/>
+              </a:rPr>
+              <a:t> 3</a:t>
+            </a:r>
+          </a:p>
+          <a:p>
+            <a:pPr marL="101600" lvl="0" indent="0">
               <a:buClr>
                 <a:srgbClr val="121867"/>
               </a:buClr>
@@ -7490,11 +7763,11 @@
               </a:solidFill>
               <a:latin typeface="Lato"/>
               <a:cs typeface="Lato"/>
-              <a:sym typeface="Lato"/>
+              <a:sym typeface="Wingdings" panose="05000000000000000000" pitchFamily="2" charset="2"/>
             </a:endParaRPr>
           </a:p>
           <a:p>
-            <a:pPr marL="101600" indent="0">
+            <a:pPr marL="101600" lvl="0" indent="0">
               <a:buClr>
                 <a:srgbClr val="121867"/>
               </a:buClr>
@@ -7507,9 +7780,9 @@
                 </a:solidFill>
                 <a:latin typeface="Lato"/>
                 <a:cs typeface="Lato"/>
-                <a:sym typeface="Lato"/>
-              </a:rPr>
-              <a:t>Información de los puertos cuyo estado sea establecido. </a:t>
+                <a:sym typeface="Wingdings" panose="05000000000000000000" pitchFamily="2" charset="2"/>
+              </a:rPr>
+              <a:t>Información de los DNS. </a:t>
             </a:r>
           </a:p>
           <a:p>
@@ -7520,51 +7793,18 @@
               <a:buNone/>
             </a:pPr>
             <a:r>
-              <a:rPr lang="en-US" sz="1800" dirty="0">
-                <a:solidFill>
-                  <a:srgbClr val="121867"/>
-                </a:solidFill>
-                <a:latin typeface="Lato"/>
-                <a:cs typeface="Lato"/>
-                <a:sym typeface="Lato"/>
-              </a:rPr>
-              <a:t>Get-</a:t>
-            </a:r>
-            <a:r>
-              <a:rPr lang="en-US" sz="1800" dirty="0" err="1">
-                <a:solidFill>
-                  <a:srgbClr val="121867"/>
-                </a:solidFill>
-                <a:latin typeface="Lato"/>
-                <a:cs typeface="Lato"/>
-                <a:sym typeface="Lato"/>
-              </a:rPr>
-              <a:t>NetTCPConnection</a:t>
-            </a:r>
-            <a:r>
-              <a:rPr lang="en-US" sz="1800" dirty="0">
-                <a:solidFill>
-                  <a:srgbClr val="121867"/>
-                </a:solidFill>
-                <a:latin typeface="Lato"/>
-                <a:cs typeface="Lato"/>
-                <a:sym typeface="Lato"/>
-              </a:rPr>
-              <a:t> -State </a:t>
-            </a:r>
-            <a:r>
-              <a:rPr lang="en-US" sz="1800" dirty="0" err="1">
-                <a:solidFill>
-                  <a:srgbClr val="121867"/>
-                </a:solidFill>
-                <a:latin typeface="Lato"/>
-                <a:cs typeface="Lato"/>
-                <a:sym typeface="Lato"/>
-              </a:rPr>
-              <a:t>established|ft</a:t>
-            </a:r>
-            <a:r>
-              <a:rPr lang="en-US" sz="1800" dirty="0">
+              <a:rPr lang="es-ES" sz="1800" dirty="0" err="1">
+                <a:solidFill>
+                  <a:srgbClr val="121867"/>
+                </a:solidFill>
+                <a:latin typeface="Lato"/>
+                <a:cs typeface="Lato"/>
+                <a:sym typeface="Lato"/>
+              </a:rPr>
+              <a:t>Get-DnsClientServerAddress</a:t>
+            </a:r>
+            <a:r>
+              <a:rPr lang="es-ES" sz="1800" dirty="0">
                 <a:solidFill>
                   <a:srgbClr val="121867"/>
                 </a:solidFill>
@@ -7575,147 +7815,37 @@
               <a:t> </a:t>
             </a:r>
             <a:r>
-              <a:rPr lang="en-US" sz="1800" dirty="0" err="1">
-                <a:solidFill>
-                  <a:srgbClr val="121867"/>
-                </a:solidFill>
-                <a:latin typeface="Lato"/>
-                <a:cs typeface="Lato"/>
-                <a:sym typeface="Lato"/>
-              </a:rPr>
-              <a:t>LocalAddress</a:t>
-            </a:r>
-            <a:r>
-              <a:rPr lang="en-US" sz="1800" dirty="0">
-                <a:solidFill>
-                  <a:srgbClr val="121867"/>
-                </a:solidFill>
-                <a:latin typeface="Lato"/>
-                <a:cs typeface="Lato"/>
-                <a:sym typeface="Lato"/>
-              </a:rPr>
-              <a:t>, </a:t>
-            </a:r>
-            <a:r>
-              <a:rPr lang="en-US" sz="1800" dirty="0" err="1">
-                <a:solidFill>
-                  <a:srgbClr val="121867"/>
-                </a:solidFill>
-                <a:latin typeface="Lato"/>
-                <a:cs typeface="Lato"/>
-                <a:sym typeface="Lato"/>
-              </a:rPr>
-              <a:t>LocalPort</a:t>
-            </a:r>
-            <a:r>
-              <a:rPr lang="en-US" sz="1800" dirty="0">
-                <a:solidFill>
-                  <a:srgbClr val="121867"/>
-                </a:solidFill>
-                <a:latin typeface="Lato"/>
-                <a:cs typeface="Lato"/>
-                <a:sym typeface="Lato"/>
-              </a:rPr>
-              <a:t>, </a:t>
-            </a:r>
-            <a:r>
-              <a:rPr lang="en-US" sz="1800" dirty="0" err="1">
-                <a:solidFill>
-                  <a:srgbClr val="121867"/>
-                </a:solidFill>
-                <a:latin typeface="Lato"/>
-                <a:cs typeface="Lato"/>
-                <a:sym typeface="Lato"/>
-              </a:rPr>
-              <a:t>RemoteAddress,RemotePort</a:t>
-            </a:r>
-            <a:r>
-              <a:rPr lang="en-US" sz="1800" dirty="0">
-                <a:solidFill>
-                  <a:srgbClr val="121867"/>
-                </a:solidFill>
-                <a:latin typeface="Lato"/>
-                <a:cs typeface="Lato"/>
-                <a:sym typeface="Lato"/>
-              </a:rPr>
-              <a:t>, State </a:t>
-            </a:r>
-            <a:r>
-              <a:rPr lang="en-US" sz="1800" dirty="0">
-                <a:solidFill>
-                  <a:srgbClr val="121867"/>
-                </a:solidFill>
-                <a:latin typeface="Lato"/>
-                <a:cs typeface="Lato"/>
-                <a:sym typeface="Wingdings" panose="05000000000000000000" pitchFamily="2" charset="2"/>
-              </a:rPr>
-              <a:t>Solo </a:t>
-            </a:r>
-            <a:r>
-              <a:rPr lang="en-US" sz="1800" dirty="0" err="1">
-                <a:solidFill>
-                  <a:srgbClr val="121867"/>
-                </a:solidFill>
-                <a:latin typeface="Lato"/>
-                <a:cs typeface="Lato"/>
-                <a:sym typeface="Wingdings" panose="05000000000000000000" pitchFamily="2" charset="2"/>
-              </a:rPr>
-              <a:t>mostramos</a:t>
-            </a:r>
-            <a:r>
-              <a:rPr lang="en-US" sz="1800" dirty="0">
-                <a:solidFill>
-                  <a:srgbClr val="121867"/>
-                </a:solidFill>
-                <a:latin typeface="Lato"/>
-                <a:cs typeface="Lato"/>
-                <a:sym typeface="Wingdings" panose="05000000000000000000" pitchFamily="2" charset="2"/>
+              <a:rPr lang="es-ES" sz="1800" dirty="0" err="1">
+                <a:solidFill>
+                  <a:srgbClr val="121867"/>
+                </a:solidFill>
+                <a:latin typeface="Lato"/>
+                <a:cs typeface="Lato"/>
+                <a:sym typeface="Lato"/>
+              </a:rPr>
+              <a:t>ethernet|fl</a:t>
+            </a:r>
+            <a:r>
+              <a:rPr lang="es-ES" sz="1800" dirty="0">
+                <a:solidFill>
+                  <a:srgbClr val="121867"/>
+                </a:solidFill>
+                <a:latin typeface="Lato"/>
+                <a:cs typeface="Lato"/>
+                <a:sym typeface="Lato"/>
               </a:rPr>
               <a:t> </a:t>
             </a:r>
             <a:r>
-              <a:rPr lang="en-US" sz="1800" dirty="0" err="1">
-                <a:solidFill>
-                  <a:srgbClr val="121867"/>
-                </a:solidFill>
-                <a:latin typeface="Lato"/>
-                <a:cs typeface="Lato"/>
-                <a:sym typeface="Wingdings" panose="05000000000000000000" pitchFamily="2" charset="2"/>
-              </a:rPr>
-              <a:t>algunos</a:t>
-            </a:r>
-            <a:r>
-              <a:rPr lang="en-US" sz="1800" dirty="0">
-                <a:solidFill>
-                  <a:srgbClr val="121867"/>
-                </a:solidFill>
-                <a:latin typeface="Lato"/>
-                <a:cs typeface="Lato"/>
-                <a:sym typeface="Wingdings" panose="05000000000000000000" pitchFamily="2" charset="2"/>
-              </a:rPr>
-              <a:t> </a:t>
-            </a:r>
-            <a:r>
-              <a:rPr lang="en-US" sz="1800" dirty="0" err="1">
-                <a:solidFill>
-                  <a:srgbClr val="121867"/>
-                </a:solidFill>
-                <a:latin typeface="Lato"/>
-                <a:cs typeface="Lato"/>
-                <a:sym typeface="Wingdings" panose="05000000000000000000" pitchFamily="2" charset="2"/>
-              </a:rPr>
-              <a:t>campos</a:t>
-            </a:r>
-            <a:r>
-              <a:rPr lang="en-US" sz="1800" dirty="0">
-                <a:solidFill>
-                  <a:srgbClr val="121867"/>
-                </a:solidFill>
-                <a:latin typeface="Lato"/>
-                <a:cs typeface="Lato"/>
-                <a:sym typeface="Wingdings" panose="05000000000000000000" pitchFamily="2" charset="2"/>
-              </a:rPr>
-              <a:t>.</a:t>
+              <a:rPr lang="es-ES" sz="1800" dirty="0">
+                <a:solidFill>
+                  <a:srgbClr val="121867"/>
+                </a:solidFill>
+                <a:latin typeface="Lato"/>
+                <a:cs typeface="Lato"/>
+                <a:sym typeface="Wingdings" panose="05000000000000000000" pitchFamily="2" charset="2"/>
+              </a:rPr>
+              <a:t> Dirección del servidor DNS</a:t>
             </a:r>
             <a:endParaRPr lang="es-ES" sz="1800" dirty="0">
               <a:solidFill>
@@ -7727,13 +7857,76 @@
             </a:endParaRPr>
           </a:p>
           <a:p>
+            <a:pPr marL="101600" indent="0">
+              <a:buClr>
+                <a:srgbClr val="121867"/>
+              </a:buClr>
+              <a:buNone/>
+            </a:pPr>
+            <a:r>
+              <a:rPr lang="es-ES" sz="1800" b="1" dirty="0">
+                <a:solidFill>
+                  <a:srgbClr val="F33784"/>
+                </a:solidFill>
+                <a:latin typeface="Lato"/>
+                <a:cs typeface="Lato"/>
+                <a:sym typeface="Wingdings" panose="05000000000000000000" pitchFamily="2" charset="2"/>
+              </a:rPr>
+              <a:t>Resolver DNS  </a:t>
+            </a:r>
+            <a:r>
+              <a:rPr lang="es-ES" sz="1800" dirty="0">
+                <a:solidFill>
+                  <a:srgbClr val="121867"/>
+                </a:solidFill>
+                <a:latin typeface="Lato"/>
+                <a:cs typeface="Lato"/>
+                <a:sym typeface="Wingdings" panose="05000000000000000000" pitchFamily="2" charset="2"/>
+              </a:rPr>
+              <a:t>Para comprobar si se está resolviendo el DNS. </a:t>
+            </a:r>
+          </a:p>
+          <a:p>
             <a:pPr marL="101600" lvl="0" indent="0">
               <a:buClr>
                 <a:srgbClr val="121867"/>
               </a:buClr>
               <a:buNone/>
             </a:pPr>
-            <a:endParaRPr lang="en-US" sz="1800" dirty="0">
+            <a:r>
+              <a:rPr lang="es-ES" sz="1800" dirty="0" err="1">
+                <a:solidFill>
+                  <a:srgbClr val="121867"/>
+                </a:solidFill>
+                <a:latin typeface="Lato"/>
+                <a:cs typeface="Lato"/>
+                <a:sym typeface="Lato"/>
+              </a:rPr>
+              <a:t>Resolve-DnsName</a:t>
+            </a:r>
+            <a:r>
+              <a:rPr lang="es-ES" sz="1800" dirty="0">
+                <a:solidFill>
+                  <a:srgbClr val="121867"/>
+                </a:solidFill>
+                <a:latin typeface="Lato"/>
+                <a:cs typeface="Lato"/>
+                <a:sym typeface="Lato"/>
+              </a:rPr>
+              <a:t> www.google.es|ft –</a:t>
+            </a:r>
+            <a:r>
+              <a:rPr lang="es-ES" sz="1800" dirty="0" err="1">
+                <a:solidFill>
+                  <a:srgbClr val="121867"/>
+                </a:solidFill>
+                <a:latin typeface="Lato"/>
+                <a:cs typeface="Lato"/>
+                <a:sym typeface="Lato"/>
+              </a:rPr>
+              <a:t>autosize</a:t>
+            </a:r>
+            <a:endParaRPr lang="es-ES" sz="1800" dirty="0">
               <a:solidFill>
                 <a:srgbClr val="121867"/>
               </a:solidFill>
@@ -7750,128 +7943,79 @@
               <a:buNone/>
             </a:pPr>
             <a:r>
-              <a:rPr lang="en-US" sz="1800" dirty="0">
-                <a:solidFill>
-                  <a:srgbClr val="121867"/>
-                </a:solidFill>
-                <a:latin typeface="Lato"/>
-                <a:cs typeface="Lato"/>
-                <a:sym typeface="Lato"/>
-              </a:rPr>
-              <a:t>Get-</a:t>
-            </a:r>
-            <a:r>
-              <a:rPr lang="en-US" sz="1800" dirty="0" err="1">
-                <a:solidFill>
-                  <a:srgbClr val="121867"/>
-                </a:solidFill>
-                <a:latin typeface="Lato"/>
-                <a:cs typeface="Lato"/>
-                <a:sym typeface="Lato"/>
-              </a:rPr>
-              <a:t>NetTCPConnection</a:t>
-            </a:r>
-            <a:r>
-              <a:rPr lang="en-US" sz="1800" dirty="0">
-                <a:solidFill>
-                  <a:srgbClr val="121867"/>
-                </a:solidFill>
-                <a:latin typeface="Lato"/>
-                <a:cs typeface="Lato"/>
-                <a:sym typeface="Lato"/>
-              </a:rPr>
-              <a:t> |Where-Object {$_.State -match "established"} | ft </a:t>
-            </a:r>
-            <a:r>
-              <a:rPr lang="en-US" sz="1800" dirty="0" err="1">
-                <a:solidFill>
-                  <a:srgbClr val="121867"/>
-                </a:solidFill>
-                <a:latin typeface="Lato"/>
-                <a:cs typeface="Lato"/>
-                <a:sym typeface="Lato"/>
-              </a:rPr>
-              <a:t>LocalAddress</a:t>
-            </a:r>
-            <a:r>
-              <a:rPr lang="en-US" sz="1800" dirty="0">
-                <a:solidFill>
-                  <a:srgbClr val="121867"/>
-                </a:solidFill>
-                <a:latin typeface="Lato"/>
-                <a:cs typeface="Lato"/>
-                <a:sym typeface="Lato"/>
-              </a:rPr>
-              <a:t>, </a:t>
-            </a:r>
-            <a:r>
-              <a:rPr lang="en-US" sz="1800" dirty="0" err="1">
-                <a:solidFill>
-                  <a:srgbClr val="121867"/>
-                </a:solidFill>
-                <a:latin typeface="Lato"/>
-                <a:cs typeface="Lato"/>
-                <a:sym typeface="Lato"/>
-              </a:rPr>
-              <a:t>LocalPort</a:t>
-            </a:r>
-            <a:r>
-              <a:rPr lang="en-US" sz="1800" dirty="0">
-                <a:solidFill>
-                  <a:srgbClr val="121867"/>
-                </a:solidFill>
-                <a:latin typeface="Lato"/>
-                <a:cs typeface="Lato"/>
-                <a:sym typeface="Lato"/>
-              </a:rPr>
-              <a:t>, </a:t>
-            </a:r>
-            <a:r>
-              <a:rPr lang="en-US" sz="1800" dirty="0" err="1">
-                <a:solidFill>
-                  <a:srgbClr val="121867"/>
-                </a:solidFill>
-                <a:latin typeface="Lato"/>
-                <a:cs typeface="Lato"/>
-                <a:sym typeface="Lato"/>
-              </a:rPr>
-              <a:t>RemoteAddress,RemotePort</a:t>
-            </a:r>
-            <a:r>
-              <a:rPr lang="en-US" sz="1800" dirty="0">
-                <a:solidFill>
-                  <a:srgbClr val="121867"/>
-                </a:solidFill>
-                <a:latin typeface="Lato"/>
-                <a:cs typeface="Lato"/>
-                <a:sym typeface="Lato"/>
-              </a:rPr>
-              <a:t>, State</a:t>
-            </a:r>
-            <a:endParaRPr lang="en-US" sz="1800" dirty="0">
-              <a:solidFill>
-                <a:srgbClr val="121867"/>
-              </a:solidFill>
-              <a:latin typeface="Lato"/>
-              <a:cs typeface="Lato"/>
-              <a:sym typeface="Wingdings" panose="05000000000000000000" pitchFamily="2" charset="2"/>
-            </a:endParaRPr>
-          </a:p>
-          <a:p>
-            <a:pPr marL="101600" lvl="0" indent="0">
-              <a:buClr>
-                <a:srgbClr val="121867"/>
-              </a:buClr>
-              <a:buNone/>
-            </a:pPr>
-            <a:endParaRPr lang="en-US" sz="1800" dirty="0">
-              <a:solidFill>
-                <a:srgbClr val="121867"/>
-              </a:solidFill>
-              <a:latin typeface="Lato"/>
-              <a:cs typeface="Lato"/>
-              <a:sym typeface="Wingdings" panose="05000000000000000000" pitchFamily="2" charset="2"/>
-            </a:endParaRPr>
+              <a:rPr lang="es-ES" sz="1800" dirty="0">
+                <a:solidFill>
+                  <a:srgbClr val="121867"/>
+                </a:solidFill>
+                <a:latin typeface="Lato"/>
+                <a:cs typeface="Lato"/>
+                <a:sym typeface="Lato"/>
+              </a:rPr>
+              <a:t>A</a:t>
+            </a:r>
+            <a:r>
+              <a:rPr lang="es-ES" sz="1800" dirty="0">
+                <a:solidFill>
+                  <a:srgbClr val="121867"/>
+                </a:solidFill>
+                <a:latin typeface="Lato"/>
+                <a:cs typeface="Lato"/>
+                <a:sym typeface="Wingdings" panose="05000000000000000000" pitchFamily="2" charset="2"/>
+              </a:rPr>
+              <a:t></a:t>
+            </a:r>
+            <a:r>
+              <a:rPr lang="es-ES" sz="1800" dirty="0">
+                <a:solidFill>
+                  <a:srgbClr val="121867"/>
+                </a:solidFill>
+                <a:latin typeface="Lato"/>
+                <a:cs typeface="Lato"/>
+                <a:sym typeface="Lato"/>
+              </a:rPr>
+              <a:t> Devuelven una dirección IPv4 de 32bits </a:t>
+            </a:r>
+          </a:p>
+          <a:p>
+            <a:pPr marL="101600" indent="0">
+              <a:buClr>
+                <a:srgbClr val="121867"/>
+              </a:buClr>
+              <a:buNone/>
+            </a:pPr>
+            <a:r>
+              <a:rPr lang="es-ES" sz="1800" dirty="0">
+                <a:solidFill>
+                  <a:srgbClr val="121867"/>
+                </a:solidFill>
+                <a:latin typeface="Lato"/>
+                <a:cs typeface="Lato"/>
+                <a:sym typeface="Lato"/>
+              </a:rPr>
+              <a:t>AAA</a:t>
+            </a:r>
+            <a:r>
+              <a:rPr lang="es-ES" sz="1800" dirty="0">
+                <a:solidFill>
+                  <a:srgbClr val="121867"/>
+                </a:solidFill>
+                <a:latin typeface="Lato"/>
+                <a:cs typeface="Lato"/>
+                <a:sym typeface="Wingdings" panose="05000000000000000000" pitchFamily="2" charset="2"/>
+              </a:rPr>
+              <a:t></a:t>
+            </a:r>
+            <a:r>
+              <a:rPr lang="es-ES" sz="1800" dirty="0">
+                <a:solidFill>
+                  <a:srgbClr val="121867"/>
+                </a:solidFill>
+                <a:latin typeface="Lato"/>
+                <a:cs typeface="Lato"/>
+                <a:sym typeface="Lato"/>
+              </a:rPr>
+              <a:t> Devuelven una dirección IPv6 de 128bits </a:t>
+            </a:r>
           </a:p>
           <a:p>
             <a:pPr marL="101600" lvl="0" indent="0">
@@ -7889,12 +8033,28 @@
               <a:sym typeface="Lato"/>
             </a:endParaRPr>
           </a:p>
+          <a:p>
+            <a:pPr marL="101600" lvl="0" indent="0">
+              <a:buClr>
+                <a:srgbClr val="121867"/>
+              </a:buClr>
+              <a:buNone/>
+            </a:pPr>
+            <a:endParaRPr lang="es-ES" sz="1800" dirty="0">
+              <a:solidFill>
+                <a:srgbClr val="121867"/>
+              </a:solidFill>
+              <a:latin typeface="Lato"/>
+              <a:cs typeface="Lato"/>
+              <a:sym typeface="Lato"/>
+            </a:endParaRPr>
+          </a:p>
         </p:txBody>
       </p:sp>
     </p:spTree>
     <p:extLst>
       <p:ext uri="{BB962C8B-B14F-4D97-AF65-F5344CB8AC3E}">
-        <p14:creationId xmlns:p14="http://schemas.microsoft.com/office/powerpoint/2010/main" val="4203743847"/>
+        <p14:creationId xmlns:p14="http://schemas.microsoft.com/office/powerpoint/2010/main" val="3668389533"/>
       </p:ext>
     </p:extLst>
   </p:cSld>
@@ -7965,7 +8125,7 @@
                 <a:cs typeface="Lato"/>
                 <a:sym typeface="Lato"/>
               </a:rPr>
-              <a:t>2.7.- </a:t>
+              <a:t>2.5.- </a:t>
             </a:r>
             <a:r>
               <a:rPr lang="es-ES" dirty="0">
@@ -8003,8 +8163,8 @@
         </p:nvSpPr>
         <p:spPr>
           <a:xfrm>
-            <a:off x="594445" y="1379200"/>
-            <a:ext cx="6839259" cy="3414842"/>
+            <a:off x="631316" y="1379200"/>
+            <a:ext cx="6839259" cy="4034048"/>
           </a:xfrm>
           <a:prstGeom prst="rect">
             <a:avLst/>
@@ -8016,7 +8176,7 @@
           </a:bodyPr>
           <a:lstStyle/>
           <a:p>
-            <a:pPr marL="101600" lvl="0" indent="0">
+            <a:pPr marL="101600" indent="0">
               <a:buClr>
                 <a:srgbClr val="121867"/>
               </a:buClr>
@@ -8029,18 +8189,29 @@
                 </a:solidFill>
                 <a:latin typeface="Lato"/>
                 <a:cs typeface="Lato"/>
-                <a:sym typeface="Lato"/>
-              </a:rPr>
-              <a:t>Información de los puertos. </a:t>
-            </a:r>
-          </a:p>
-          <a:p>
-            <a:pPr marL="101600" lvl="0" indent="0">
-              <a:buClr>
-                <a:srgbClr val="121867"/>
-              </a:buClr>
-              <a:buNone/>
-            </a:pPr>
+                <a:sym typeface="Wingdings" panose="05000000000000000000" pitchFamily="2" charset="2"/>
+              </a:rPr>
+              <a:t>Cache DNS. 			Limpiar DNS-Cache</a:t>
+            </a:r>
+          </a:p>
+          <a:p>
+            <a:pPr marL="101600" indent="0">
+              <a:buClr>
+                <a:srgbClr val="121867"/>
+              </a:buClr>
+              <a:buNone/>
+            </a:pPr>
+            <a:r>
+              <a:rPr lang="es-ES" sz="1800" dirty="0" err="1">
+                <a:solidFill>
+                  <a:srgbClr val="121867"/>
+                </a:solidFill>
+                <a:latin typeface="Lato"/>
+                <a:cs typeface="Lato"/>
+                <a:sym typeface="Wingdings" panose="05000000000000000000" pitchFamily="2" charset="2"/>
+              </a:rPr>
+              <a:t>Get-DnsClientCache|FL</a:t>
+            </a:r>
             <a:r>
               <a:rPr lang="es-ES" sz="1800" dirty="0">
                 <a:solidFill>
@@ -8050,16 +8221,19 @@
                 <a:cs typeface="Lato"/>
                 <a:sym typeface="Wingdings" panose="05000000000000000000" pitchFamily="2" charset="2"/>
               </a:rPr>
-              <a:t>IP 127.0.0.1. se utiliza para que nuestro ordenador se comunique consigo mismo, es decir son comunicaciones internas.</a:t>
-            </a:r>
-          </a:p>
-          <a:p>
-            <a:pPr marL="101600" lvl="0" indent="0">
-              <a:buClr>
-                <a:srgbClr val="121867"/>
-              </a:buClr>
-              <a:buNone/>
-            </a:pPr>
+              <a:t>		Clear-</a:t>
+            </a:r>
+            <a:r>
+              <a:rPr lang="es-ES" sz="1800" dirty="0" err="1">
+                <a:solidFill>
+                  <a:srgbClr val="121867"/>
+                </a:solidFill>
+                <a:latin typeface="Lato"/>
+                <a:cs typeface="Lato"/>
+                <a:sym typeface="Wingdings" panose="05000000000000000000" pitchFamily="2" charset="2"/>
+              </a:rPr>
+              <a:t>DNSClientCache</a:t>
+            </a:r>
             <a:endParaRPr lang="es-ES" sz="1800" dirty="0">
               <a:solidFill>
                 <a:srgbClr val="121867"/>
@@ -8070,6 +8244,60 @@
             </a:endParaRPr>
           </a:p>
           <a:p>
+            <a:pPr marL="101600" indent="0">
+              <a:buClr>
+                <a:srgbClr val="121867"/>
+              </a:buClr>
+              <a:buNone/>
+            </a:pPr>
+            <a:endParaRPr lang="es-ES" sz="1800" dirty="0">
+              <a:solidFill>
+                <a:srgbClr val="121867"/>
+              </a:solidFill>
+              <a:latin typeface="Lato"/>
+              <a:cs typeface="Lato"/>
+              <a:sym typeface="Wingdings" panose="05000000000000000000" pitchFamily="2" charset="2"/>
+            </a:endParaRPr>
+          </a:p>
+          <a:p>
+            <a:pPr marL="101600" indent="0">
+              <a:buClr>
+                <a:srgbClr val="121867"/>
+              </a:buClr>
+              <a:buNone/>
+            </a:pPr>
+            <a:r>
+              <a:rPr lang="es-ES" sz="1800" dirty="0">
+                <a:solidFill>
+                  <a:srgbClr val="121867"/>
+                </a:solidFill>
+                <a:latin typeface="Lato"/>
+                <a:cs typeface="Lato"/>
+                <a:sym typeface="Wingdings" panose="05000000000000000000" pitchFamily="2" charset="2"/>
+              </a:rPr>
+              <a:t>Nota: Las entradas por defecto del archivo hosts no se elimina.</a:t>
+            </a:r>
+          </a:p>
+          <a:p>
+            <a:pPr marL="101600" lvl="0" indent="0">
+              <a:buClr>
+                <a:srgbClr val="121867"/>
+              </a:buClr>
+              <a:buNone/>
+            </a:pPr>
+            <a:r>
+              <a:rPr lang="es-ES" sz="1800" dirty="0">
+                <a:solidFill>
+                  <a:srgbClr val="121867"/>
+                </a:solidFill>
+                <a:latin typeface="Lato"/>
+                <a:cs typeface="Lato"/>
+                <a:sym typeface="Lato"/>
+              </a:rPr>
+              <a:t>El fichero hosts lo podemos ver como una pequeña libreta de direcciones de IP. Si la IP que estamos buscando está en la lista, carga directamente la página. Si no está se lo pregunta a nuestro servidor de Internet (ISP).</a:t>
+            </a:r>
+          </a:p>
+          <a:p>
             <a:pPr marL="101600" lvl="0" indent="0">
               <a:buClr>
                 <a:srgbClr val="121867"/>
@@ -8085,12 +8313,72 @@
               <a:sym typeface="Lato"/>
             </a:endParaRPr>
           </a:p>
+          <a:p>
+            <a:pPr marL="101600" lvl="0" indent="0">
+              <a:buClr>
+                <a:srgbClr val="121867"/>
+              </a:buClr>
+              <a:buNone/>
+            </a:pPr>
+            <a:r>
+              <a:rPr lang="es-ES" sz="1800" dirty="0">
+                <a:solidFill>
+                  <a:srgbClr val="121867"/>
+                </a:solidFill>
+                <a:latin typeface="Lato"/>
+                <a:cs typeface="Lato"/>
+                <a:sym typeface="Lato"/>
+              </a:rPr>
+              <a:t>W10 Bloc de notas como administrador</a:t>
+            </a:r>
+            <a:r>
+              <a:rPr lang="es-ES" sz="1800" dirty="0">
+                <a:solidFill>
+                  <a:srgbClr val="121867"/>
+                </a:solidFill>
+                <a:latin typeface="Lato"/>
+                <a:cs typeface="Lato"/>
+                <a:sym typeface="Wingdings" panose="05000000000000000000" pitchFamily="2" charset="2"/>
+              </a:rPr>
+              <a:t></a:t>
+            </a:r>
+            <a:r>
+              <a:rPr lang="es-ES" sz="1800" dirty="0">
+                <a:solidFill>
+                  <a:srgbClr val="121867"/>
+                </a:solidFill>
+                <a:latin typeface="Lato"/>
+                <a:cs typeface="Lato"/>
+                <a:sym typeface="Lato"/>
+              </a:rPr>
+              <a:t> </a:t>
+            </a:r>
+            <a:r>
+              <a:rPr lang="nb-NO" sz="1800" dirty="0">
+                <a:solidFill>
+                  <a:srgbClr val="121867"/>
+                </a:solidFill>
+                <a:latin typeface="Lato"/>
+                <a:cs typeface="Lato"/>
+                <a:sym typeface="Lato"/>
+              </a:rPr>
+              <a:t>C:\Windows\System32\drivers\etc</a:t>
+            </a:r>
+            <a:endParaRPr lang="es-ES" sz="1800" dirty="0">
+              <a:solidFill>
+                <a:srgbClr val="121867"/>
+              </a:solidFill>
+              <a:latin typeface="Lato"/>
+              <a:cs typeface="Lato"/>
+              <a:sym typeface="Lato"/>
+            </a:endParaRPr>
+          </a:p>
         </p:txBody>
       </p:sp>
     </p:spTree>
     <p:extLst>
       <p:ext uri="{BB962C8B-B14F-4D97-AF65-F5344CB8AC3E}">
-        <p14:creationId xmlns:p14="http://schemas.microsoft.com/office/powerpoint/2010/main" val="3412406604"/>
+        <p14:creationId xmlns:p14="http://schemas.microsoft.com/office/powerpoint/2010/main" val="1403390105"/>
       </p:ext>
     </p:extLst>
   </p:cSld>
@@ -8105,7 +8393,7 @@
   <p:cSld>
     <p:spTree>
       <p:nvGrpSpPr>
-        <p:cNvPr id="1" name="Shape 78"/>
+        <p:cNvPr id="1" name="Shape 89"/>
         <p:cNvGrpSpPr/>
         <p:nvPr/>
       </p:nvGrpSpPr>
@@ -8119,18 +8407,18 @@
       </p:grpSpPr>
       <p:sp>
         <p:nvSpPr>
-          <p:cNvPr id="79" name="Google Shape;79;p16"/>
+          <p:cNvPr id="90" name="Google Shape;90;p18"/>
           <p:cNvSpPr txBox="1">
             <a:spLocks noGrp="1"/>
           </p:cNvSpPr>
           <p:nvPr>
-            <p:ph type="ctrTitle"/>
+            <p:ph type="title"/>
           </p:nvPr>
         </p:nvSpPr>
         <p:spPr>
           <a:xfrm>
-            <a:off x="648300" y="1354750"/>
-            <a:ext cx="3522300" cy="2989800"/>
+            <a:off x="838350" y="893500"/>
+            <a:ext cx="5324100" cy="485700"/>
           </a:xfrm>
           <a:prstGeom prst="rect">
             <a:avLst/>
@@ -8152,20 +8440,32 @@
               <a:buNone/>
             </a:pPr>
             <a:r>
-              <a:rPr lang="en" sz="7200" dirty="0">
-                <a:solidFill>
-                  <a:srgbClr val="F33784"/>
+              <a:rPr lang="en" dirty="0">
+                <a:solidFill>
+                  <a:srgbClr val="121867"/>
                 </a:solidFill>
                 <a:latin typeface="Lato"/>
                 <a:ea typeface="Lato"/>
                 <a:cs typeface="Lato"/>
                 <a:sym typeface="Lato"/>
               </a:rPr>
-              <a:t>3.</a:t>
-            </a:r>
-            <a:endParaRPr sz="7200" dirty="0">
+              <a:t>2.6.- </a:t>
+            </a:r>
+            <a:r>
+              <a:rPr lang="es-ES" dirty="0">
+                <a:solidFill>
+                  <a:srgbClr val="121867"/>
+                </a:solidFill>
+                <a:latin typeface="Lato"/>
+                <a:ea typeface="Lato"/>
+                <a:cs typeface="Lato"/>
+                <a:sym typeface="Lato"/>
+              </a:rPr>
+              <a:t>Información de la configuración de la red.</a:t>
+            </a:r>
+            <a:endParaRPr dirty="0">
               <a:solidFill>
-                <a:srgbClr val="F33784"/>
+                <a:srgbClr val="121867"/>
               </a:solidFill>
               <a:latin typeface="Lato"/>
               <a:ea typeface="Lato"/>
@@ -8173,86 +8473,508 @@
               <a:sym typeface="Lato"/>
             </a:endParaRPr>
           </a:p>
-          <a:p>
-            <a:pPr marL="0" lvl="0" indent="0" algn="l" rtl="0">
-              <a:spcBef>
-                <a:spcPts val="0"/>
-              </a:spcBef>
-              <a:spcAft>
-                <a:spcPts val="0"/>
-              </a:spcAft>
-              <a:buNone/>
-            </a:pPr>
-            <a:r>
-              <a:rPr lang="es-ES" dirty="0">
-                <a:solidFill>
-                  <a:srgbClr val="121867"/>
-                </a:solidFill>
-                <a:latin typeface="Lato"/>
-                <a:ea typeface="Lato"/>
-                <a:cs typeface="Lato"/>
-                <a:sym typeface="Lato"/>
-              </a:rPr>
-              <a:t>Comprobar conectividad.</a:t>
-            </a:r>
-            <a:endParaRPr dirty="0">
-              <a:solidFill>
-                <a:srgbClr val="121867"/>
-              </a:solidFill>
-              <a:latin typeface="Lato"/>
-              <a:ea typeface="Lato"/>
-              <a:cs typeface="Lato"/>
-              <a:sym typeface="Lato"/>
-            </a:endParaRPr>
-          </a:p>
         </p:txBody>
       </p:sp>
       <p:sp>
         <p:nvSpPr>
-          <p:cNvPr id="80" name="Google Shape;80;p16"/>
+          <p:cNvPr id="91" name="Google Shape;91;p18"/>
           <p:cNvSpPr txBox="1">
             <a:spLocks noGrp="1"/>
           </p:cNvSpPr>
           <p:nvPr>
-            <p:ph type="subTitle" idx="1"/>
+            <p:ph type="body" idx="1"/>
           </p:nvPr>
         </p:nvSpPr>
         <p:spPr>
           <a:xfrm>
-            <a:off x="6724950" y="3265700"/>
-            <a:ext cx="1906200" cy="1031700"/>
+            <a:off x="631316" y="1379200"/>
+            <a:ext cx="6839259" cy="4034048"/>
           </a:xfrm>
           <a:prstGeom prst="rect">
             <a:avLst/>
           </a:prstGeom>
         </p:spPr>
         <p:txBody>
-          <a:bodyPr spcFirstLastPara="1" wrap="square" lIns="91425" tIns="91425" rIns="91425" bIns="91425" anchor="b" anchorCtr="0">
+          <a:bodyPr spcFirstLastPara="1" wrap="square" lIns="91425" tIns="91425" rIns="91425" bIns="91425" anchor="t" anchorCtr="0">
             <a:noAutofit/>
           </a:bodyPr>
           <a:lstStyle/>
           <a:p>
-            <a:pPr marL="0" lvl="0" indent="0" algn="r" rtl="0">
-              <a:spcBef>
-                <a:spcPts val="0"/>
-              </a:spcBef>
-              <a:spcAft>
-                <a:spcPts val="0"/>
-              </a:spcAft>
-              <a:buNone/>
-            </a:pPr>
-            <a:r>
-              <a:rPr lang="es-ES" dirty="0">
-                <a:latin typeface="Lato"/>
-                <a:ea typeface="Lato"/>
-                <a:cs typeface="Lato"/>
-                <a:sym typeface="Lato"/>
-              </a:rPr>
-              <a:t>Comencemos</a:t>
-            </a:r>
-            <a:endParaRPr dirty="0">
+            <a:pPr marL="101600" lvl="0" indent="0">
+              <a:buClr>
+                <a:srgbClr val="121867"/>
+              </a:buClr>
+              <a:buNone/>
+            </a:pPr>
+            <a:r>
+              <a:rPr lang="es-ES" sz="1800" b="1" dirty="0">
+                <a:solidFill>
+                  <a:srgbClr val="F33784"/>
+                </a:solidFill>
+                <a:latin typeface="Lato"/>
+                <a:cs typeface="Lato"/>
+                <a:sym typeface="Lato"/>
+              </a:rPr>
+              <a:t>Información de los puertos. </a:t>
+            </a:r>
+          </a:p>
+          <a:p>
+            <a:pPr marL="101600" lvl="0" indent="0">
+              <a:buClr>
+                <a:srgbClr val="121867"/>
+              </a:buClr>
+              <a:buNone/>
+            </a:pPr>
+            <a:r>
+              <a:rPr lang="es-ES" sz="1800" dirty="0" err="1">
+                <a:solidFill>
+                  <a:srgbClr val="121867"/>
+                </a:solidFill>
+                <a:latin typeface="Lato"/>
+                <a:cs typeface="Lato"/>
+                <a:sym typeface="Lato"/>
+              </a:rPr>
+              <a:t>Get-NetTCPConnection</a:t>
+            </a:r>
+            <a:r>
+              <a:rPr lang="es-ES" sz="1800" dirty="0">
+                <a:solidFill>
+                  <a:srgbClr val="121867"/>
+                </a:solidFill>
+                <a:latin typeface="Lato"/>
+                <a:cs typeface="Lato"/>
+                <a:sym typeface="Lato"/>
+              </a:rPr>
+              <a:t> |ft –</a:t>
+            </a:r>
+            <a:r>
+              <a:rPr lang="es-ES" sz="1800" dirty="0" err="1">
+                <a:solidFill>
+                  <a:srgbClr val="121867"/>
+                </a:solidFill>
+                <a:latin typeface="Lato"/>
+                <a:cs typeface="Lato"/>
+                <a:sym typeface="Lato"/>
+              </a:rPr>
+              <a:t>autosize</a:t>
+            </a:r>
+            <a:endParaRPr lang="es-ES" sz="1800" dirty="0">
+              <a:solidFill>
+                <a:srgbClr val="121867"/>
+              </a:solidFill>
               <a:latin typeface="Lato"/>
-              <a:ea typeface="Lato"/>
+              <a:cs typeface="Lato"/>
+              <a:sym typeface="Lato"/>
+            </a:endParaRPr>
+          </a:p>
+          <a:p>
+            <a:pPr marL="101600" indent="0">
+              <a:buClr>
+                <a:srgbClr val="121867"/>
+              </a:buClr>
+              <a:buNone/>
+            </a:pPr>
+            <a:endParaRPr lang="es-ES" sz="1800" b="1" dirty="0">
+              <a:solidFill>
+                <a:srgbClr val="F33784"/>
+              </a:solidFill>
+              <a:latin typeface="Lato"/>
+              <a:cs typeface="Lato"/>
+              <a:sym typeface="Lato"/>
+            </a:endParaRPr>
+          </a:p>
+          <a:p>
+            <a:pPr marL="101600" indent="0">
+              <a:buClr>
+                <a:srgbClr val="121867"/>
+              </a:buClr>
+              <a:buNone/>
+            </a:pPr>
+            <a:r>
+              <a:rPr lang="es-ES" sz="1800" b="1" dirty="0">
+                <a:solidFill>
+                  <a:srgbClr val="F33784"/>
+                </a:solidFill>
+                <a:latin typeface="Lato"/>
+                <a:cs typeface="Lato"/>
+                <a:sym typeface="Lato"/>
+              </a:rPr>
+              <a:t>Información de los puertos cuyo estado sea establecido. </a:t>
+            </a:r>
+          </a:p>
+          <a:p>
+            <a:pPr marL="101600" lvl="0" indent="0">
+              <a:buClr>
+                <a:srgbClr val="121867"/>
+              </a:buClr>
+              <a:buNone/>
+            </a:pPr>
+            <a:r>
+              <a:rPr lang="en-US" sz="1800" dirty="0">
+                <a:solidFill>
+                  <a:srgbClr val="121867"/>
+                </a:solidFill>
+                <a:latin typeface="Lato"/>
+                <a:cs typeface="Lato"/>
+                <a:sym typeface="Lato"/>
+              </a:rPr>
+              <a:t>Get-</a:t>
+            </a:r>
+            <a:r>
+              <a:rPr lang="en-US" sz="1800" dirty="0" err="1">
+                <a:solidFill>
+                  <a:srgbClr val="121867"/>
+                </a:solidFill>
+                <a:latin typeface="Lato"/>
+                <a:cs typeface="Lato"/>
+                <a:sym typeface="Lato"/>
+              </a:rPr>
+              <a:t>NetTCPConnection</a:t>
+            </a:r>
+            <a:r>
+              <a:rPr lang="en-US" sz="1800" dirty="0">
+                <a:solidFill>
+                  <a:srgbClr val="121867"/>
+                </a:solidFill>
+                <a:latin typeface="Lato"/>
+                <a:cs typeface="Lato"/>
+                <a:sym typeface="Lato"/>
+              </a:rPr>
+              <a:t> -State </a:t>
+            </a:r>
+            <a:r>
+              <a:rPr lang="en-US" sz="1800" dirty="0" err="1">
+                <a:solidFill>
+                  <a:srgbClr val="121867"/>
+                </a:solidFill>
+                <a:latin typeface="Lato"/>
+                <a:cs typeface="Lato"/>
+                <a:sym typeface="Lato"/>
+              </a:rPr>
+              <a:t>established|ft</a:t>
+            </a:r>
+            <a:r>
+              <a:rPr lang="en-US" sz="1800" dirty="0">
+                <a:solidFill>
+                  <a:srgbClr val="121867"/>
+                </a:solidFill>
+                <a:latin typeface="Lato"/>
+                <a:cs typeface="Lato"/>
+                <a:sym typeface="Lato"/>
+              </a:rPr>
+              <a:t> </a:t>
+            </a:r>
+            <a:r>
+              <a:rPr lang="en-US" sz="1800" dirty="0" err="1">
+                <a:solidFill>
+                  <a:srgbClr val="121867"/>
+                </a:solidFill>
+                <a:latin typeface="Lato"/>
+                <a:cs typeface="Lato"/>
+                <a:sym typeface="Lato"/>
+              </a:rPr>
+              <a:t>LocalAddress</a:t>
+            </a:r>
+            <a:r>
+              <a:rPr lang="en-US" sz="1800" dirty="0">
+                <a:solidFill>
+                  <a:srgbClr val="121867"/>
+                </a:solidFill>
+                <a:latin typeface="Lato"/>
+                <a:cs typeface="Lato"/>
+                <a:sym typeface="Lato"/>
+              </a:rPr>
+              <a:t>, </a:t>
+            </a:r>
+            <a:r>
+              <a:rPr lang="en-US" sz="1800" dirty="0" err="1">
+                <a:solidFill>
+                  <a:srgbClr val="121867"/>
+                </a:solidFill>
+                <a:latin typeface="Lato"/>
+                <a:cs typeface="Lato"/>
+                <a:sym typeface="Lato"/>
+              </a:rPr>
+              <a:t>LocalPort</a:t>
+            </a:r>
+            <a:r>
+              <a:rPr lang="en-US" sz="1800" dirty="0">
+                <a:solidFill>
+                  <a:srgbClr val="121867"/>
+                </a:solidFill>
+                <a:latin typeface="Lato"/>
+                <a:cs typeface="Lato"/>
+                <a:sym typeface="Lato"/>
+              </a:rPr>
+              <a:t>, </a:t>
+            </a:r>
+            <a:r>
+              <a:rPr lang="en-US" sz="1800" dirty="0" err="1">
+                <a:solidFill>
+                  <a:srgbClr val="121867"/>
+                </a:solidFill>
+                <a:latin typeface="Lato"/>
+                <a:cs typeface="Lato"/>
+                <a:sym typeface="Lato"/>
+              </a:rPr>
+              <a:t>RemoteAddress,RemotePort</a:t>
+            </a:r>
+            <a:r>
+              <a:rPr lang="en-US" sz="1800" dirty="0">
+                <a:solidFill>
+                  <a:srgbClr val="121867"/>
+                </a:solidFill>
+                <a:latin typeface="Lato"/>
+                <a:cs typeface="Lato"/>
+                <a:sym typeface="Lato"/>
+              </a:rPr>
+              <a:t>, State </a:t>
+            </a:r>
+            <a:r>
+              <a:rPr lang="en-US" sz="1800" dirty="0">
+                <a:solidFill>
+                  <a:srgbClr val="121867"/>
+                </a:solidFill>
+                <a:latin typeface="Lato"/>
+                <a:cs typeface="Lato"/>
+                <a:sym typeface="Wingdings" panose="05000000000000000000" pitchFamily="2" charset="2"/>
+              </a:rPr>
+              <a:t>Solo </a:t>
+            </a:r>
+            <a:r>
+              <a:rPr lang="en-US" sz="1800" dirty="0" err="1">
+                <a:solidFill>
+                  <a:srgbClr val="121867"/>
+                </a:solidFill>
+                <a:latin typeface="Lato"/>
+                <a:cs typeface="Lato"/>
+                <a:sym typeface="Wingdings" panose="05000000000000000000" pitchFamily="2" charset="2"/>
+              </a:rPr>
+              <a:t>mostramos</a:t>
+            </a:r>
+            <a:r>
+              <a:rPr lang="en-US" sz="1800" dirty="0">
+                <a:solidFill>
+                  <a:srgbClr val="121867"/>
+                </a:solidFill>
+                <a:latin typeface="Lato"/>
+                <a:cs typeface="Lato"/>
+                <a:sym typeface="Wingdings" panose="05000000000000000000" pitchFamily="2" charset="2"/>
+              </a:rPr>
+              <a:t> </a:t>
+            </a:r>
+            <a:r>
+              <a:rPr lang="en-US" sz="1800" dirty="0" err="1">
+                <a:solidFill>
+                  <a:srgbClr val="121867"/>
+                </a:solidFill>
+                <a:latin typeface="Lato"/>
+                <a:cs typeface="Lato"/>
+                <a:sym typeface="Wingdings" panose="05000000000000000000" pitchFamily="2" charset="2"/>
+              </a:rPr>
+              <a:t>algunos</a:t>
+            </a:r>
+            <a:r>
+              <a:rPr lang="en-US" sz="1800" dirty="0">
+                <a:solidFill>
+                  <a:srgbClr val="121867"/>
+                </a:solidFill>
+                <a:latin typeface="Lato"/>
+                <a:cs typeface="Lato"/>
+                <a:sym typeface="Wingdings" panose="05000000000000000000" pitchFamily="2" charset="2"/>
+              </a:rPr>
+              <a:t> </a:t>
+            </a:r>
+            <a:r>
+              <a:rPr lang="en-US" sz="1800" dirty="0" err="1">
+                <a:solidFill>
+                  <a:srgbClr val="121867"/>
+                </a:solidFill>
+                <a:latin typeface="Lato"/>
+                <a:cs typeface="Lato"/>
+                <a:sym typeface="Wingdings" panose="05000000000000000000" pitchFamily="2" charset="2"/>
+              </a:rPr>
+              <a:t>campos</a:t>
+            </a:r>
+            <a:r>
+              <a:rPr lang="en-US" sz="1800" dirty="0">
+                <a:solidFill>
+                  <a:srgbClr val="121867"/>
+                </a:solidFill>
+                <a:latin typeface="Lato"/>
+                <a:cs typeface="Lato"/>
+                <a:sym typeface="Wingdings" panose="05000000000000000000" pitchFamily="2" charset="2"/>
+              </a:rPr>
+              <a:t>.</a:t>
+            </a:r>
+            <a:endParaRPr lang="es-ES" sz="1800" dirty="0">
+              <a:solidFill>
+                <a:srgbClr val="121867"/>
+              </a:solidFill>
+              <a:latin typeface="Lato"/>
+              <a:cs typeface="Lato"/>
+              <a:sym typeface="Lato"/>
+            </a:endParaRPr>
+          </a:p>
+          <a:p>
+            <a:pPr marL="101600" lvl="0" indent="0">
+              <a:buClr>
+                <a:srgbClr val="121867"/>
+              </a:buClr>
+              <a:buNone/>
+            </a:pPr>
+            <a:endParaRPr lang="en-US" sz="1800" dirty="0">
+              <a:solidFill>
+                <a:srgbClr val="121867"/>
+              </a:solidFill>
+              <a:latin typeface="Lato"/>
+              <a:cs typeface="Lato"/>
+              <a:sym typeface="Lato"/>
+            </a:endParaRPr>
+          </a:p>
+          <a:p>
+            <a:pPr marL="101600" lvl="0" indent="0">
+              <a:buClr>
+                <a:srgbClr val="121867"/>
+              </a:buClr>
+              <a:buNone/>
+            </a:pPr>
+            <a:r>
+              <a:rPr lang="en-US" sz="1800" dirty="0">
+                <a:solidFill>
+                  <a:srgbClr val="121867"/>
+                </a:solidFill>
+                <a:latin typeface="Lato"/>
+                <a:cs typeface="Lato"/>
+                <a:sym typeface="Lato"/>
+              </a:rPr>
+              <a:t>Get-</a:t>
+            </a:r>
+            <a:r>
+              <a:rPr lang="en-US" sz="1800" dirty="0" err="1">
+                <a:solidFill>
+                  <a:srgbClr val="121867"/>
+                </a:solidFill>
+                <a:latin typeface="Lato"/>
+                <a:cs typeface="Lato"/>
+                <a:sym typeface="Lato"/>
+              </a:rPr>
+              <a:t>NetTCPConnection</a:t>
+            </a:r>
+            <a:r>
+              <a:rPr lang="en-US" sz="1800" dirty="0">
+                <a:solidFill>
+                  <a:srgbClr val="121867"/>
+                </a:solidFill>
+                <a:latin typeface="Lato"/>
+                <a:cs typeface="Lato"/>
+                <a:sym typeface="Lato"/>
+              </a:rPr>
+              <a:t> |Where-Object {$_.State -match "established"} | ft </a:t>
+            </a:r>
+            <a:r>
+              <a:rPr lang="en-US" sz="1800" dirty="0" err="1">
+                <a:solidFill>
+                  <a:srgbClr val="121867"/>
+                </a:solidFill>
+                <a:latin typeface="Lato"/>
+                <a:cs typeface="Lato"/>
+                <a:sym typeface="Lato"/>
+              </a:rPr>
+              <a:t>LocalAddress</a:t>
+            </a:r>
+            <a:r>
+              <a:rPr lang="en-US" sz="1800" dirty="0">
+                <a:solidFill>
+                  <a:srgbClr val="121867"/>
+                </a:solidFill>
+                <a:latin typeface="Lato"/>
+                <a:cs typeface="Lato"/>
+                <a:sym typeface="Lato"/>
+              </a:rPr>
+              <a:t>, </a:t>
+            </a:r>
+            <a:r>
+              <a:rPr lang="en-US" sz="1800" dirty="0" err="1">
+                <a:solidFill>
+                  <a:srgbClr val="121867"/>
+                </a:solidFill>
+                <a:latin typeface="Lato"/>
+                <a:cs typeface="Lato"/>
+                <a:sym typeface="Lato"/>
+              </a:rPr>
+              <a:t>LocalPort</a:t>
+            </a:r>
+            <a:r>
+              <a:rPr lang="en-US" sz="1800" dirty="0">
+                <a:solidFill>
+                  <a:srgbClr val="121867"/>
+                </a:solidFill>
+                <a:latin typeface="Lato"/>
+                <a:cs typeface="Lato"/>
+                <a:sym typeface="Lato"/>
+              </a:rPr>
+              <a:t>, </a:t>
+            </a:r>
+            <a:r>
+              <a:rPr lang="en-US" sz="1800" dirty="0" err="1">
+                <a:solidFill>
+                  <a:srgbClr val="121867"/>
+                </a:solidFill>
+                <a:latin typeface="Lato"/>
+                <a:cs typeface="Lato"/>
+                <a:sym typeface="Lato"/>
+              </a:rPr>
+              <a:t>RemoteAddress,RemotePort</a:t>
+            </a:r>
+            <a:r>
+              <a:rPr lang="en-US" sz="1800" dirty="0">
+                <a:solidFill>
+                  <a:srgbClr val="121867"/>
+                </a:solidFill>
+                <a:latin typeface="Lato"/>
+                <a:cs typeface="Lato"/>
+                <a:sym typeface="Lato"/>
+              </a:rPr>
+              <a:t>, State</a:t>
+            </a:r>
+            <a:endParaRPr lang="en-US" sz="1800" dirty="0">
+              <a:solidFill>
+                <a:srgbClr val="121867"/>
+              </a:solidFill>
+              <a:latin typeface="Lato"/>
+              <a:cs typeface="Lato"/>
+              <a:sym typeface="Wingdings" panose="05000000000000000000" pitchFamily="2" charset="2"/>
+            </a:endParaRPr>
+          </a:p>
+          <a:p>
+            <a:pPr marL="101600" lvl="0" indent="0">
+              <a:buClr>
+                <a:srgbClr val="121867"/>
+              </a:buClr>
+              <a:buNone/>
+            </a:pPr>
+            <a:endParaRPr lang="en-US" sz="1800" dirty="0">
+              <a:solidFill>
+                <a:srgbClr val="121867"/>
+              </a:solidFill>
+              <a:latin typeface="Lato"/>
+              <a:cs typeface="Lato"/>
+              <a:sym typeface="Wingdings" panose="05000000000000000000" pitchFamily="2" charset="2"/>
+            </a:endParaRPr>
+          </a:p>
+          <a:p>
+            <a:pPr marL="101600" lvl="0" indent="0">
+              <a:buClr>
+                <a:srgbClr val="121867"/>
+              </a:buClr>
+              <a:buNone/>
+            </a:pPr>
+            <a:endParaRPr lang="es-ES" sz="1800" dirty="0">
+              <a:solidFill>
+                <a:srgbClr val="121867"/>
+              </a:solidFill>
+              <a:latin typeface="Lato"/>
               <a:cs typeface="Lato"/>
               <a:sym typeface="Lato"/>
             </a:endParaRPr>
@@ -8262,7 +8984,7 @@
     </p:spTree>
     <p:extLst>
       <p:ext uri="{BB962C8B-B14F-4D97-AF65-F5344CB8AC3E}">
-        <p14:creationId xmlns:p14="http://schemas.microsoft.com/office/powerpoint/2010/main" val="2064161313"/>
+        <p14:creationId xmlns:p14="http://schemas.microsoft.com/office/powerpoint/2010/main" val="4203743847"/>
       </p:ext>
     </p:extLst>
   </p:cSld>
@@ -8333,7 +9055,7 @@
                 <a:cs typeface="Lato"/>
                 <a:sym typeface="Lato"/>
               </a:rPr>
-              <a:t>3.1.-</a:t>
+              <a:t>2.7.- </a:t>
             </a:r>
             <a:r>
               <a:rPr lang="es-ES" dirty="0">
@@ -8345,7 +9067,7 @@
                 <a:cs typeface="Lato"/>
                 <a:sym typeface="Lato"/>
               </a:rPr>
-              <a:t>Comprobar conectividad.</a:t>
+              <a:t>Información de la configuración de la red.</a:t>
             </a:r>
             <a:endParaRPr dirty="0">
               <a:solidFill>
@@ -8371,8 +9093,8 @@
         </p:nvSpPr>
         <p:spPr>
           <a:xfrm>
-            <a:off x="601819" y="1379200"/>
-            <a:ext cx="6839259" cy="3776177"/>
+            <a:off x="594445" y="1379200"/>
+            <a:ext cx="6839259" cy="3414842"/>
           </a:xfrm>
           <a:prstGeom prst="rect">
             <a:avLst/>
@@ -8384,7 +9106,7 @@
           </a:bodyPr>
           <a:lstStyle/>
           <a:p>
-            <a:pPr marL="101600" indent="0">
+            <a:pPr marL="101600" lvl="0" indent="0">
               <a:buClr>
                 <a:srgbClr val="121867"/>
               </a:buClr>
@@ -8397,31 +9119,9 @@
                 </a:solidFill>
                 <a:latin typeface="Lato"/>
                 <a:cs typeface="Lato"/>
-                <a:sym typeface="Wingdings" panose="05000000000000000000" pitchFamily="2" charset="2"/>
-              </a:rPr>
-              <a:t>Comprobar conectividad a la puerta de enlace. (</a:t>
-            </a:r>
-            <a:r>
-              <a:rPr lang="es-ES" sz="1800" b="1" dirty="0" err="1">
-                <a:solidFill>
-                  <a:srgbClr val="F33784"/>
-                </a:solidFill>
-                <a:latin typeface="Lato"/>
-                <a:cs typeface="Lato"/>
-                <a:sym typeface="Wingdings" panose="05000000000000000000" pitchFamily="2" charset="2"/>
-              </a:rPr>
-              <a:t>router</a:t>
-            </a:r>
-            <a:r>
-              <a:rPr lang="es-ES" sz="1800" b="1" dirty="0">
-                <a:solidFill>
-                  <a:srgbClr val="F33784"/>
-                </a:solidFill>
-                <a:latin typeface="Lato"/>
-                <a:cs typeface="Lato"/>
-                <a:sym typeface="Wingdings" panose="05000000000000000000" pitchFamily="2" charset="2"/>
-              </a:rPr>
-              <a:t>)</a:t>
+                <a:sym typeface="Lato"/>
+              </a:rPr>
+              <a:t>Información de los puertos. </a:t>
             </a:r>
           </a:p>
           <a:p>
@@ -8438,53 +9138,9 @@
                 </a:solidFill>
                 <a:latin typeface="Lato"/>
                 <a:cs typeface="Lato"/>
-                <a:sym typeface="Lato"/>
-              </a:rPr>
-              <a:t>Test-</a:t>
-            </a:r>
-            <a:r>
-              <a:rPr lang="es-ES" sz="1800" dirty="0" err="1">
-                <a:solidFill>
-                  <a:srgbClr val="121867"/>
-                </a:solidFill>
-                <a:latin typeface="Lato"/>
-                <a:cs typeface="Lato"/>
-                <a:sym typeface="Lato"/>
-              </a:rPr>
-              <a:t>Connection</a:t>
-            </a:r>
-            <a:r>
-              <a:rPr lang="es-ES" sz="1800" dirty="0">
-                <a:solidFill>
-                  <a:srgbClr val="121867"/>
-                </a:solidFill>
-                <a:latin typeface="Lato"/>
-                <a:cs typeface="Lato"/>
-                <a:sym typeface="Lato"/>
-              </a:rPr>
-              <a:t> 192.168.0.1 |ft –</a:t>
-            </a:r>
-            <a:r>
-              <a:rPr lang="es-ES" sz="1800" dirty="0" err="1">
-                <a:solidFill>
-                  <a:srgbClr val="121867"/>
-                </a:solidFill>
-                <a:latin typeface="Lato"/>
-                <a:cs typeface="Lato"/>
-                <a:sym typeface="Lato"/>
-              </a:rPr>
-              <a:t>autosize</a:t>
-            </a:r>
-            <a:r>
-              <a:rPr lang="es-ES" sz="1800" dirty="0">
-                <a:solidFill>
-                  <a:srgbClr val="121867"/>
-                </a:solidFill>
-                <a:latin typeface="Lato"/>
-                <a:cs typeface="Lato"/>
-                <a:sym typeface="Lato"/>
-              </a:rPr>
-              <a:t> </a:t>
+                <a:sym typeface="Wingdings" panose="05000000000000000000" pitchFamily="2" charset="2"/>
+              </a:rPr>
+              <a:t>IP 127.0.0.1. se utiliza para que nuestro ordenador se comunique consigo mismo, es decir son comunicaciones internas.</a:t>
             </a:r>
           </a:p>
           <a:p>
@@ -8494,7 +9150,23 @@
               </a:buClr>
               <a:buNone/>
             </a:pPr>
-            <a:endParaRPr lang="en-US" sz="1800" dirty="0">
+            <a:endParaRPr lang="es-ES" sz="1800" dirty="0">
+              <a:solidFill>
+                <a:srgbClr val="121867"/>
+              </a:solidFill>
+              <a:latin typeface="Lato"/>
+              <a:cs typeface="Lato"/>
+              <a:sym typeface="Wingdings" panose="05000000000000000000" pitchFamily="2" charset="2"/>
+            </a:endParaRPr>
+          </a:p>
+          <a:p>
+            <a:pPr marL="101600" lvl="0" indent="0">
+              <a:buClr>
+                <a:srgbClr val="121867"/>
+              </a:buClr>
+              <a:buNone/>
+            </a:pPr>
+            <a:endParaRPr lang="es-ES" sz="1800" dirty="0">
               <a:solidFill>
                 <a:srgbClr val="121867"/>
               </a:solidFill>
@@ -8503,244 +9175,12 @@
               <a:sym typeface="Lato"/>
             </a:endParaRPr>
           </a:p>
-          <a:p>
-            <a:pPr marL="101600" lvl="0" indent="0">
-              <a:buClr>
-                <a:srgbClr val="121867"/>
-              </a:buClr>
-              <a:buNone/>
-            </a:pPr>
-            <a:r>
-              <a:rPr lang="en-US" sz="1800" dirty="0">
-                <a:solidFill>
-                  <a:srgbClr val="121867"/>
-                </a:solidFill>
-                <a:latin typeface="Lato"/>
-                <a:cs typeface="Lato"/>
-                <a:sym typeface="Lato"/>
-              </a:rPr>
-              <a:t>Test-Connection 192.168.0.1 -Count 1 –Quiet</a:t>
-            </a:r>
-          </a:p>
-          <a:p>
-            <a:pPr marL="101600" lvl="0" indent="0">
-              <a:buClr>
-                <a:srgbClr val="121867"/>
-              </a:buClr>
-              <a:buNone/>
-            </a:pPr>
-            <a:r>
-              <a:rPr lang="es-ES" sz="1800" dirty="0" err="1">
-                <a:solidFill>
-                  <a:srgbClr val="121867"/>
-                </a:solidFill>
-                <a:latin typeface="Lato"/>
-                <a:cs typeface="Lato"/>
-                <a:sym typeface="Lato"/>
-              </a:rPr>
-              <a:t>Count</a:t>
-            </a:r>
-            <a:r>
-              <a:rPr lang="es-ES" sz="1800" dirty="0">
-                <a:solidFill>
-                  <a:srgbClr val="121867"/>
-                </a:solidFill>
-                <a:latin typeface="Lato"/>
-                <a:cs typeface="Lato"/>
-                <a:sym typeface="Lato"/>
-              </a:rPr>
-              <a:t> 1 </a:t>
-            </a:r>
-            <a:r>
-              <a:rPr lang="es-ES" sz="1800" dirty="0">
-                <a:solidFill>
-                  <a:srgbClr val="121867"/>
-                </a:solidFill>
-                <a:latin typeface="Lato"/>
-                <a:cs typeface="Lato"/>
-                <a:sym typeface="Wingdings" panose="05000000000000000000" pitchFamily="2" charset="2"/>
-              </a:rPr>
-              <a:t></a:t>
-            </a:r>
-            <a:r>
-              <a:rPr lang="es-ES" sz="1800" dirty="0">
-                <a:solidFill>
-                  <a:srgbClr val="121867"/>
-                </a:solidFill>
-                <a:latin typeface="Lato"/>
-                <a:cs typeface="Lato"/>
-                <a:sym typeface="Lato"/>
-              </a:rPr>
-              <a:t> Hace un ping  -</a:t>
-            </a:r>
-            <a:r>
-              <a:rPr lang="es-ES" sz="1800" dirty="0" err="1">
-                <a:solidFill>
-                  <a:srgbClr val="121867"/>
-                </a:solidFill>
-                <a:latin typeface="Lato"/>
-                <a:cs typeface="Lato"/>
-                <a:sym typeface="Lato"/>
-              </a:rPr>
-              <a:t>Quiet</a:t>
-            </a:r>
-            <a:r>
-              <a:rPr lang="es-ES" sz="1800" dirty="0">
-                <a:solidFill>
-                  <a:srgbClr val="121867"/>
-                </a:solidFill>
-                <a:latin typeface="Lato"/>
-                <a:cs typeface="Lato"/>
-                <a:sym typeface="Lato"/>
-              </a:rPr>
-              <a:t> </a:t>
-            </a:r>
-            <a:r>
-              <a:rPr lang="es-ES" sz="1800" dirty="0">
-                <a:solidFill>
-                  <a:srgbClr val="121867"/>
-                </a:solidFill>
-                <a:latin typeface="Lato"/>
-                <a:cs typeface="Lato"/>
-                <a:sym typeface="Wingdings" panose="05000000000000000000" pitchFamily="2" charset="2"/>
-              </a:rPr>
-              <a:t></a:t>
-            </a:r>
-            <a:r>
-              <a:rPr lang="es-ES" sz="1800" dirty="0">
-                <a:solidFill>
-                  <a:srgbClr val="121867"/>
-                </a:solidFill>
-                <a:latin typeface="Lato"/>
-                <a:cs typeface="Lato"/>
-                <a:sym typeface="Lato"/>
-              </a:rPr>
-              <a:t> Devuelve true si hay conexión.</a:t>
-            </a:r>
-          </a:p>
-          <a:p>
-            <a:pPr marL="101600" lvl="0" indent="0">
-              <a:buClr>
-                <a:srgbClr val="121867"/>
-              </a:buClr>
-              <a:buNone/>
-            </a:pPr>
-            <a:r>
-              <a:rPr lang="es-ES" sz="1800" dirty="0">
-                <a:solidFill>
-                  <a:srgbClr val="121867"/>
-                </a:solidFill>
-                <a:latin typeface="Lato"/>
-                <a:cs typeface="Lato"/>
-                <a:sym typeface="Lato"/>
-              </a:rPr>
-              <a:t>Con la opción </a:t>
-            </a:r>
-            <a:r>
-              <a:rPr lang="es-ES" sz="1800" dirty="0" err="1">
-                <a:solidFill>
-                  <a:srgbClr val="121867"/>
-                </a:solidFill>
-                <a:latin typeface="Lato"/>
-                <a:cs typeface="Lato"/>
-                <a:sym typeface="Lato"/>
-              </a:rPr>
-              <a:t>Buffersize</a:t>
-            </a:r>
-            <a:r>
-              <a:rPr lang="es-ES" sz="1800" dirty="0">
-                <a:solidFill>
-                  <a:srgbClr val="121867"/>
-                </a:solidFill>
-                <a:latin typeface="Lato"/>
-                <a:cs typeface="Lato"/>
-                <a:sym typeface="Lato"/>
-              </a:rPr>
-              <a:t> podemos indicarle los bytes que envía. Por defecto manda 32 bytes.</a:t>
-            </a:r>
-          </a:p>
-          <a:p>
-            <a:pPr marL="101600" lvl="0" indent="0">
-              <a:buClr>
-                <a:srgbClr val="121867"/>
-              </a:buClr>
-              <a:buNone/>
-            </a:pPr>
-            <a:r>
-              <a:rPr lang="es-ES" sz="1800" b="1" dirty="0">
-                <a:solidFill>
-                  <a:srgbClr val="F33784"/>
-                </a:solidFill>
-                <a:latin typeface="Lato"/>
-                <a:cs typeface="Lato"/>
-                <a:sym typeface="Wingdings" panose="05000000000000000000" pitchFamily="2" charset="2"/>
-              </a:rPr>
-              <a:t>Comprobar conectividad a www.Google.es. </a:t>
-            </a:r>
-          </a:p>
-          <a:p>
-            <a:pPr marL="101600" lvl="0" indent="0">
-              <a:buClr>
-                <a:srgbClr val="121867"/>
-              </a:buClr>
-              <a:buNone/>
-            </a:pPr>
-            <a:r>
-              <a:rPr lang="en-US" sz="1800" dirty="0">
-                <a:solidFill>
-                  <a:srgbClr val="121867"/>
-                </a:solidFill>
-                <a:latin typeface="Lato"/>
-                <a:cs typeface="Lato"/>
-                <a:sym typeface="Lato"/>
-              </a:rPr>
-              <a:t>Test-</a:t>
-            </a:r>
-            <a:r>
-              <a:rPr lang="en-US" sz="1800" dirty="0" err="1">
-                <a:solidFill>
-                  <a:srgbClr val="121867"/>
-                </a:solidFill>
-                <a:latin typeface="Lato"/>
-                <a:cs typeface="Lato"/>
-                <a:sym typeface="Lato"/>
-              </a:rPr>
-              <a:t>NetConnection</a:t>
-            </a:r>
-            <a:r>
-              <a:rPr lang="en-US" sz="1800" dirty="0">
-                <a:solidFill>
-                  <a:srgbClr val="121867"/>
-                </a:solidFill>
-                <a:latin typeface="Lato"/>
-                <a:cs typeface="Lato"/>
-                <a:sym typeface="Lato"/>
-              </a:rPr>
-              <a:t> www.google.es </a:t>
-            </a:r>
-          </a:p>
-          <a:p>
-            <a:pPr marL="101600" lvl="0" indent="0">
-              <a:buClr>
-                <a:srgbClr val="121867"/>
-              </a:buClr>
-              <a:buNone/>
-            </a:pPr>
-            <a:endParaRPr lang="en-US" sz="1800" dirty="0">
-              <a:solidFill>
-                <a:srgbClr val="121867"/>
-              </a:solidFill>
-              <a:latin typeface="Lato"/>
-              <a:cs typeface="Lato"/>
-              <a:sym typeface="Lato"/>
-            </a:endParaRPr>
-          </a:p>
         </p:txBody>
       </p:sp>
     </p:spTree>
     <p:extLst>
       <p:ext uri="{BB962C8B-B14F-4D97-AF65-F5344CB8AC3E}">
-        <p14:creationId xmlns:p14="http://schemas.microsoft.com/office/powerpoint/2010/main" val="1899371206"/>
+        <p14:creationId xmlns:p14="http://schemas.microsoft.com/office/powerpoint/2010/main" val="3412406604"/>
       </p:ext>
     </p:extLst>
   </p:cSld>
@@ -8751,6 +9191,178 @@
 </file>
 
 <file path=ppt/slides/slide17.xml><?xml version="1.0" encoding="utf-8"?>
+<p:sld xmlns:a="http://schemas.openxmlformats.org/drawingml/2006/main" xmlns:r="http://schemas.openxmlformats.org/officeDocument/2006/relationships" xmlns:p="http://schemas.openxmlformats.org/presentationml/2006/main">
+  <p:cSld>
+    <p:spTree>
+      <p:nvGrpSpPr>
+        <p:cNvPr id="1" name="Shape 78"/>
+        <p:cNvGrpSpPr/>
+        <p:nvPr/>
+      </p:nvGrpSpPr>
+      <p:grpSpPr>
+        <a:xfrm>
+          <a:off x="0" y="0"/>
+          <a:ext cx="0" cy="0"/>
+          <a:chOff x="0" y="0"/>
+          <a:chExt cx="0" cy="0"/>
+        </a:xfrm>
+      </p:grpSpPr>
+      <p:sp>
+        <p:nvSpPr>
+          <p:cNvPr id="79" name="Google Shape;79;p16"/>
+          <p:cNvSpPr txBox="1">
+            <a:spLocks noGrp="1"/>
+          </p:cNvSpPr>
+          <p:nvPr>
+            <p:ph type="ctrTitle"/>
+          </p:nvPr>
+        </p:nvSpPr>
+        <p:spPr>
+          <a:xfrm>
+            <a:off x="648300" y="1354750"/>
+            <a:ext cx="3522300" cy="2989800"/>
+          </a:xfrm>
+          <a:prstGeom prst="rect">
+            <a:avLst/>
+          </a:prstGeom>
+        </p:spPr>
+        <p:txBody>
+          <a:bodyPr spcFirstLastPara="1" wrap="square" lIns="91425" tIns="91425" rIns="91425" bIns="91425" anchor="b" anchorCtr="0">
+            <a:noAutofit/>
+          </a:bodyPr>
+          <a:lstStyle/>
+          <a:p>
+            <a:pPr marL="0" lvl="0" indent="0" algn="l" rtl="0">
+              <a:spcBef>
+                <a:spcPts val="0"/>
+              </a:spcBef>
+              <a:spcAft>
+                <a:spcPts val="0"/>
+              </a:spcAft>
+              <a:buNone/>
+            </a:pPr>
+            <a:r>
+              <a:rPr lang="en" sz="7200" dirty="0">
+                <a:solidFill>
+                  <a:srgbClr val="F33784"/>
+                </a:solidFill>
+                <a:latin typeface="Lato"/>
+                <a:ea typeface="Lato"/>
+                <a:cs typeface="Lato"/>
+                <a:sym typeface="Lato"/>
+              </a:rPr>
+              <a:t>3.</a:t>
+            </a:r>
+            <a:endParaRPr sz="7200" dirty="0">
+              <a:solidFill>
+                <a:srgbClr val="F33784"/>
+              </a:solidFill>
+              <a:latin typeface="Lato"/>
+              <a:ea typeface="Lato"/>
+              <a:cs typeface="Lato"/>
+              <a:sym typeface="Lato"/>
+            </a:endParaRPr>
+          </a:p>
+          <a:p>
+            <a:pPr marL="0" lvl="0" indent="0" algn="l" rtl="0">
+              <a:spcBef>
+                <a:spcPts val="0"/>
+              </a:spcBef>
+              <a:spcAft>
+                <a:spcPts val="0"/>
+              </a:spcAft>
+              <a:buNone/>
+            </a:pPr>
+            <a:r>
+              <a:rPr lang="es-ES" dirty="0">
+                <a:solidFill>
+                  <a:srgbClr val="121867"/>
+                </a:solidFill>
+                <a:latin typeface="Lato"/>
+                <a:ea typeface="Lato"/>
+                <a:cs typeface="Lato"/>
+                <a:sym typeface="Lato"/>
+              </a:rPr>
+              <a:t>Comprobar conectividad.</a:t>
+            </a:r>
+            <a:endParaRPr dirty="0">
+              <a:solidFill>
+                <a:srgbClr val="121867"/>
+              </a:solidFill>
+              <a:latin typeface="Lato"/>
+              <a:ea typeface="Lato"/>
+              <a:cs typeface="Lato"/>
+              <a:sym typeface="Lato"/>
+            </a:endParaRPr>
+          </a:p>
+        </p:txBody>
+      </p:sp>
+      <p:sp>
+        <p:nvSpPr>
+          <p:cNvPr id="80" name="Google Shape;80;p16"/>
+          <p:cNvSpPr txBox="1">
+            <a:spLocks noGrp="1"/>
+          </p:cNvSpPr>
+          <p:nvPr>
+            <p:ph type="subTitle" idx="1"/>
+          </p:nvPr>
+        </p:nvSpPr>
+        <p:spPr>
+          <a:xfrm>
+            <a:off x="6724950" y="3265700"/>
+            <a:ext cx="1906200" cy="1031700"/>
+          </a:xfrm>
+          <a:prstGeom prst="rect">
+            <a:avLst/>
+          </a:prstGeom>
+        </p:spPr>
+        <p:txBody>
+          <a:bodyPr spcFirstLastPara="1" wrap="square" lIns="91425" tIns="91425" rIns="91425" bIns="91425" anchor="b" anchorCtr="0">
+            <a:noAutofit/>
+          </a:bodyPr>
+          <a:lstStyle/>
+          <a:p>
+            <a:pPr marL="0" lvl="0" indent="0" algn="r" rtl="0">
+              <a:spcBef>
+                <a:spcPts val="0"/>
+              </a:spcBef>
+              <a:spcAft>
+                <a:spcPts val="0"/>
+              </a:spcAft>
+              <a:buNone/>
+            </a:pPr>
+            <a:r>
+              <a:rPr lang="es-ES" dirty="0">
+                <a:latin typeface="Lato"/>
+                <a:ea typeface="Lato"/>
+                <a:cs typeface="Lato"/>
+                <a:sym typeface="Lato"/>
+              </a:rPr>
+              <a:t>Comencemos</a:t>
+            </a:r>
+            <a:endParaRPr dirty="0">
+              <a:latin typeface="Lato"/>
+              <a:ea typeface="Lato"/>
+              <a:cs typeface="Lato"/>
+              <a:sym typeface="Lato"/>
+            </a:endParaRPr>
+          </a:p>
+        </p:txBody>
+      </p:sp>
+    </p:spTree>
+    <p:extLst>
+      <p:ext uri="{BB962C8B-B14F-4D97-AF65-F5344CB8AC3E}">
+        <p14:creationId xmlns:p14="http://schemas.microsoft.com/office/powerpoint/2010/main" val="2064161313"/>
+      </p:ext>
+    </p:extLst>
+  </p:cSld>
+  <p:clrMapOvr>
+    <a:masterClrMapping/>
+  </p:clrMapOvr>
+</p:sld>
+</file>
+
+<file path=ppt/slides/slide18.xml><?xml version="1.0" encoding="utf-8"?>
 <p:sld xmlns:a="http://schemas.openxmlformats.org/drawingml/2006/main" xmlns:r="http://schemas.openxmlformats.org/officeDocument/2006/relationships" xmlns:p="http://schemas.openxmlformats.org/presentationml/2006/main">
   <p:cSld>
     <p:spTree>
@@ -8811,7 +9423,7 @@
                 <a:cs typeface="Lato"/>
                 <a:sym typeface="Lato"/>
               </a:rPr>
-              <a:t>3.2.- Comp</a:t>
+              <a:t>3.1.-</a:t>
             </a:r>
             <a:r>
               <a:rPr lang="es-ES" dirty="0">
@@ -8823,7 +9435,7 @@
                 <a:cs typeface="Lato"/>
                 <a:sym typeface="Lato"/>
               </a:rPr>
-              <a:t>robar conectividad.</a:t>
+              <a:t>Comprobar conectividad.</a:t>
             </a:r>
             <a:endParaRPr dirty="0">
               <a:solidFill>
@@ -8849,8 +9461,8 @@
         </p:nvSpPr>
         <p:spPr>
           <a:xfrm>
-            <a:off x="623941" y="1379200"/>
-            <a:ext cx="6839259" cy="3717183"/>
+            <a:off x="601819" y="1379200"/>
+            <a:ext cx="6839259" cy="3776177"/>
           </a:xfrm>
           <a:prstGeom prst="rect">
             <a:avLst/>
@@ -8862,6 +9474,47 @@
           </a:bodyPr>
           <a:lstStyle/>
           <a:p>
+            <a:pPr marL="101600" indent="0">
+              <a:buClr>
+                <a:srgbClr val="121867"/>
+              </a:buClr>
+              <a:buNone/>
+            </a:pPr>
+            <a:r>
+              <a:rPr lang="es-ES" sz="1800" b="1" dirty="0">
+                <a:solidFill>
+                  <a:srgbClr val="F33784"/>
+                </a:solidFill>
+                <a:latin typeface="Lato"/>
+                <a:cs typeface="Lato"/>
+                <a:sym typeface="Wingdings" panose="05000000000000000000" pitchFamily="2" charset="2"/>
+              </a:rPr>
+              <a:t>Comprobar conectividad a la puerta de enlace. (</a:t>
+            </a:r>
+            <a:r>
+              <a:rPr lang="es-ES" sz="1800" b="1" dirty="0" err="1">
+                <a:solidFill>
+                  <a:srgbClr val="F33784"/>
+                </a:solidFill>
+                <a:latin typeface="Lato"/>
+                <a:cs typeface="Lato"/>
+                <a:sym typeface="Wingdings" panose="05000000000000000000" pitchFamily="2" charset="2"/>
+              </a:rPr>
+              <a:t>router</a:t>
+            </a:r>
+            <a:r>
+              <a:rPr lang="es-ES" sz="1800" b="1" dirty="0">
+                <a:solidFill>
+                  <a:srgbClr val="F33784"/>
+                </a:solidFill>
+                <a:latin typeface="Lato"/>
+                <a:cs typeface="Lato"/>
+                <a:sym typeface="Wingdings" panose="05000000000000000000" pitchFamily="2" charset="2"/>
+              </a:rPr>
+              <a:t>)</a:t>
+            </a:r>
+          </a:p>
+          <a:p>
             <a:pPr marL="101600" lvl="0" indent="0">
               <a:buClr>
                 <a:srgbClr val="121867"/>
@@ -8869,15 +9522,59 @@
               <a:buNone/>
             </a:pPr>
             <a:r>
-              <a:rPr lang="es-ES" sz="1800" b="1" dirty="0">
-                <a:solidFill>
-                  <a:srgbClr val="F33784"/>
-                </a:solidFill>
-                <a:latin typeface="Lato"/>
-                <a:cs typeface="Lato"/>
-                <a:sym typeface="Wingdings" panose="05000000000000000000" pitchFamily="2" charset="2"/>
-              </a:rPr>
-              <a:t>Vamos hacer un pequeño script para comprobar conectividad con servidores.</a:t>
+              <a:rPr lang="es-ES" sz="1800" dirty="0">
+                <a:solidFill>
+                  <a:srgbClr val="121867"/>
+                </a:solidFill>
+                <a:latin typeface="Lato"/>
+                <a:cs typeface="Lato"/>
+                <a:sym typeface="Lato"/>
+              </a:rPr>
+              <a:t>Test-</a:t>
+            </a:r>
+            <a:r>
+              <a:rPr lang="es-ES" sz="1800" dirty="0" err="1">
+                <a:solidFill>
+                  <a:srgbClr val="121867"/>
+                </a:solidFill>
+                <a:latin typeface="Lato"/>
+                <a:cs typeface="Lato"/>
+                <a:sym typeface="Lato"/>
+              </a:rPr>
+              <a:t>Connection</a:t>
+            </a:r>
+            <a:r>
+              <a:rPr lang="es-ES" sz="1800" dirty="0">
+                <a:solidFill>
+                  <a:srgbClr val="121867"/>
+                </a:solidFill>
+                <a:latin typeface="Lato"/>
+                <a:cs typeface="Lato"/>
+                <a:sym typeface="Lato"/>
+              </a:rPr>
+              <a:t> 192.168.0.1 |ft –</a:t>
+            </a:r>
+            <a:r>
+              <a:rPr lang="es-ES" sz="1800" dirty="0" err="1">
+                <a:solidFill>
+                  <a:srgbClr val="121867"/>
+                </a:solidFill>
+                <a:latin typeface="Lato"/>
+                <a:cs typeface="Lato"/>
+                <a:sym typeface="Lato"/>
+              </a:rPr>
+              <a:t>autosize</a:t>
+            </a:r>
+            <a:r>
+              <a:rPr lang="es-ES" sz="1800" dirty="0">
+                <a:solidFill>
+                  <a:srgbClr val="121867"/>
+                </a:solidFill>
+                <a:latin typeface="Lato"/>
+                <a:cs typeface="Lato"/>
+                <a:sym typeface="Lato"/>
+              </a:rPr>
+              <a:t> </a:t>
             </a:r>
           </a:p>
           <a:p>
@@ -8887,7 +9584,7 @@
               </a:buClr>
               <a:buNone/>
             </a:pPr>
-            <a:endParaRPr lang="es-ES" sz="1800" dirty="0">
+            <a:endParaRPr lang="en-US" sz="1800" dirty="0">
               <a:solidFill>
                 <a:srgbClr val="121867"/>
               </a:solidFill>
@@ -8904,6 +9601,36 @@
               <a:buNone/>
             </a:pPr>
             <a:r>
+              <a:rPr lang="en-US" sz="1800" dirty="0">
+                <a:solidFill>
+                  <a:srgbClr val="121867"/>
+                </a:solidFill>
+                <a:latin typeface="Lato"/>
+                <a:cs typeface="Lato"/>
+                <a:sym typeface="Lato"/>
+              </a:rPr>
+              <a:t>Test-Connection 192.168.0.1 -Count 1 –Quiet</a:t>
+            </a:r>
+          </a:p>
+          <a:p>
+            <a:pPr marL="101600" lvl="0" indent="0">
+              <a:buClr>
+                <a:srgbClr val="121867"/>
+              </a:buClr>
+              <a:buNone/>
+            </a:pPr>
+            <a:r>
+              <a:rPr lang="es-ES" sz="1800" dirty="0" err="1">
+                <a:solidFill>
+                  <a:srgbClr val="121867"/>
+                </a:solidFill>
+                <a:latin typeface="Lato"/>
+                <a:cs typeface="Lato"/>
+                <a:sym typeface="Lato"/>
+              </a:rPr>
+              <a:t>Count</a:t>
+            </a:r>
+            <a:r>
               <a:rPr lang="es-ES" sz="1800" dirty="0">
                 <a:solidFill>
                   <a:srgbClr val="121867"/>
@@ -8912,7 +9639,73 @@
                 <a:cs typeface="Lato"/>
                 <a:sym typeface="Lato"/>
               </a:rPr>
-              <a:t>Script: ConectividadServidores.ps1</a:t>
+              <a:t> 1 </a:t>
+            </a:r>
+            <a:r>
+              <a:rPr lang="es-ES" sz="1800" dirty="0">
+                <a:solidFill>
+                  <a:srgbClr val="121867"/>
+                </a:solidFill>
+                <a:latin typeface="Lato"/>
+                <a:cs typeface="Lato"/>
+                <a:sym typeface="Wingdings" panose="05000000000000000000" pitchFamily="2" charset="2"/>
+              </a:rPr>
+              <a:t></a:t>
+            </a:r>
+            <a:r>
+              <a:rPr lang="es-ES" sz="1800" dirty="0">
+                <a:solidFill>
+                  <a:srgbClr val="121867"/>
+                </a:solidFill>
+                <a:latin typeface="Lato"/>
+                <a:cs typeface="Lato"/>
+                <a:sym typeface="Lato"/>
+              </a:rPr>
+              <a:t> Hace un ping  -</a:t>
+            </a:r>
+            <a:r>
+              <a:rPr lang="es-ES" sz="1800" dirty="0" err="1">
+                <a:solidFill>
+                  <a:srgbClr val="121867"/>
+                </a:solidFill>
+                <a:latin typeface="Lato"/>
+                <a:cs typeface="Lato"/>
+                <a:sym typeface="Lato"/>
+              </a:rPr>
+              <a:t>Quiet</a:t>
+            </a:r>
+            <a:r>
+              <a:rPr lang="es-ES" sz="1800" dirty="0">
+                <a:solidFill>
+                  <a:srgbClr val="121867"/>
+                </a:solidFill>
+                <a:latin typeface="Lato"/>
+                <a:cs typeface="Lato"/>
+                <a:sym typeface="Lato"/>
+              </a:rPr>
+              <a:t> </a:t>
+            </a:r>
+            <a:r>
+              <a:rPr lang="es-ES" sz="1800" dirty="0">
+                <a:solidFill>
+                  <a:srgbClr val="121867"/>
+                </a:solidFill>
+                <a:latin typeface="Lato"/>
+                <a:cs typeface="Lato"/>
+                <a:sym typeface="Wingdings" panose="05000000000000000000" pitchFamily="2" charset="2"/>
+              </a:rPr>
+              <a:t></a:t>
+            </a:r>
+            <a:r>
+              <a:rPr lang="es-ES" sz="1800" dirty="0">
+                <a:solidFill>
+                  <a:srgbClr val="121867"/>
+                </a:solidFill>
+                <a:latin typeface="Lato"/>
+                <a:cs typeface="Lato"/>
+                <a:sym typeface="Lato"/>
+              </a:rPr>
+              <a:t> Devuelve true si hay conexión.</a:t>
             </a:r>
           </a:p>
           <a:p>
@@ -8931,7 +9724,29 @@
                 <a:cs typeface="Lato"/>
                 <a:sym typeface="Lato"/>
               </a:rPr>
-              <a:t>Archivo: servidores.txt</a:t>
+              <a:t>Con la opción </a:t>
+            </a:r>
+            <a:r>
+              <a:rPr lang="es-ES" sz="1800" dirty="0" err="1">
+                <a:solidFill>
+                  <a:srgbClr val="121867"/>
+                </a:solidFill>
+                <a:latin typeface="Lato"/>
+                <a:cs typeface="Lato"/>
+                <a:sym typeface="Lato"/>
+              </a:rPr>
+              <a:t>Buffersize</a:t>
+            </a:r>
+            <a:r>
+              <a:rPr lang="es-ES" sz="1800" dirty="0">
+                <a:solidFill>
+                  <a:srgbClr val="121867"/>
+                </a:solidFill>
+                <a:latin typeface="Lato"/>
+                <a:cs typeface="Lato"/>
+                <a:sym typeface="Lato"/>
+              </a:rPr>
+              <a:t> podemos indicarle los bytes que envía. Por defecto manda 32 bytes.</a:t>
             </a:r>
           </a:p>
           <a:p>
@@ -8941,7 +9756,67 @@
               </a:buClr>
               <a:buNone/>
             </a:pPr>
-            <a:endParaRPr lang="es-ES" sz="1800" dirty="0">
+            <a:r>
+              <a:rPr lang="es-ES" sz="1800" b="1" dirty="0">
+                <a:solidFill>
+                  <a:srgbClr val="F33784"/>
+                </a:solidFill>
+                <a:latin typeface="Lato"/>
+                <a:cs typeface="Lato"/>
+                <a:sym typeface="Wingdings" panose="05000000000000000000" pitchFamily="2" charset="2"/>
+              </a:rPr>
+              <a:t>Comprobar conectividad a www.Google.es. </a:t>
+            </a:r>
+          </a:p>
+          <a:p>
+            <a:pPr marL="101600" lvl="0" indent="0">
+              <a:buClr>
+                <a:srgbClr val="121867"/>
+              </a:buClr>
+              <a:buNone/>
+            </a:pPr>
+            <a:r>
+              <a:rPr lang="en-US" sz="1800" dirty="0">
+                <a:solidFill>
+                  <a:srgbClr val="121867"/>
+                </a:solidFill>
+                <a:latin typeface="Lato"/>
+                <a:cs typeface="Lato"/>
+                <a:sym typeface="Lato"/>
+              </a:rPr>
+              <a:t>Test-</a:t>
+            </a:r>
+            <a:r>
+              <a:rPr lang="en-US" sz="1800" dirty="0" err="1">
+                <a:solidFill>
+                  <a:srgbClr val="121867"/>
+                </a:solidFill>
+                <a:latin typeface="Lato"/>
+                <a:cs typeface="Lato"/>
+                <a:sym typeface="Lato"/>
+              </a:rPr>
+              <a:t>NetConnection</a:t>
+            </a:r>
+            <a:r>
+              <a:rPr lang="en-US" sz="1800" dirty="0">
+                <a:solidFill>
+                  <a:srgbClr val="121867"/>
+                </a:solidFill>
+                <a:latin typeface="Lato"/>
+                <a:cs typeface="Lato"/>
+                <a:sym typeface="Lato"/>
+              </a:rPr>
+              <a:t> www.google.es </a:t>
+            </a:r>
+          </a:p>
+          <a:p>
+            <a:pPr marL="101600" lvl="0" indent="0">
+              <a:buClr>
+                <a:srgbClr val="121867"/>
+              </a:buClr>
+              <a:buNone/>
+            </a:pPr>
+            <a:endParaRPr lang="en-US" sz="1800" dirty="0">
               <a:solidFill>
                 <a:srgbClr val="121867"/>
               </a:solidFill>
@@ -8950,328 +9825,12 @@
               <a:sym typeface="Lato"/>
             </a:endParaRPr>
           </a:p>
-          <a:p>
-            <a:pPr marL="101600" lvl="0" indent="0">
-              <a:buClr>
-                <a:srgbClr val="121867"/>
-              </a:buClr>
-              <a:buNone/>
-            </a:pPr>
-            <a:r>
-              <a:rPr lang="es-ES" sz="1800" dirty="0">
-                <a:solidFill>
-                  <a:srgbClr val="121867"/>
-                </a:solidFill>
-                <a:latin typeface="Lato"/>
-                <a:cs typeface="Lato"/>
-                <a:sym typeface="Lato"/>
-              </a:rPr>
-              <a:t>Recordatorio:</a:t>
-            </a:r>
-          </a:p>
-          <a:p>
-            <a:pPr marL="101600" lvl="0" indent="0">
-              <a:buClr>
-                <a:srgbClr val="121867"/>
-              </a:buClr>
-              <a:buNone/>
-            </a:pPr>
-            <a:r>
-              <a:rPr lang="es-ES" sz="1800" dirty="0" err="1">
-                <a:solidFill>
-                  <a:srgbClr val="121867"/>
-                </a:solidFill>
-                <a:latin typeface="Lato"/>
-                <a:cs typeface="Lato"/>
-                <a:sym typeface="Lato"/>
-              </a:rPr>
-              <a:t>Get-ExecutionPolicy</a:t>
-            </a:r>
-            <a:endParaRPr lang="es-ES" sz="1800" dirty="0">
-              <a:solidFill>
-                <a:srgbClr val="121867"/>
-              </a:solidFill>
-              <a:latin typeface="Lato"/>
-              <a:cs typeface="Lato"/>
-              <a:sym typeface="Lato"/>
-            </a:endParaRPr>
-          </a:p>
-          <a:p>
-            <a:pPr marL="101600" lvl="0" indent="0">
-              <a:buClr>
-                <a:srgbClr val="121867"/>
-              </a:buClr>
-              <a:buNone/>
-            </a:pPr>
-            <a:r>
-              <a:rPr lang="es-ES" sz="1800" dirty="0">
-                <a:solidFill>
-                  <a:srgbClr val="121867"/>
-                </a:solidFill>
-                <a:latin typeface="Lato"/>
-                <a:cs typeface="Lato"/>
-                <a:sym typeface="Lato"/>
-              </a:rPr>
-              <a:t>Set-</a:t>
-            </a:r>
-            <a:r>
-              <a:rPr lang="es-ES" sz="1800" dirty="0" err="1">
-                <a:solidFill>
-                  <a:srgbClr val="121867"/>
-                </a:solidFill>
-                <a:latin typeface="Lato"/>
-                <a:cs typeface="Lato"/>
-                <a:sym typeface="Lato"/>
-              </a:rPr>
-              <a:t>ExecutionPolicy</a:t>
-            </a:r>
-            <a:r>
-              <a:rPr lang="es-ES" sz="1800" dirty="0">
-                <a:solidFill>
-                  <a:srgbClr val="121867"/>
-                </a:solidFill>
-                <a:latin typeface="Lato"/>
-                <a:cs typeface="Lato"/>
-                <a:sym typeface="Lato"/>
-              </a:rPr>
-              <a:t> </a:t>
-            </a:r>
-            <a:r>
-              <a:rPr lang="es-ES" sz="1800" dirty="0" err="1">
-                <a:solidFill>
-                  <a:srgbClr val="121867"/>
-                </a:solidFill>
-                <a:latin typeface="Lato"/>
-                <a:cs typeface="Lato"/>
-                <a:sym typeface="Lato"/>
-              </a:rPr>
-              <a:t>Unrestricted</a:t>
-            </a:r>
-            <a:r>
-              <a:rPr lang="es-ES" sz="1800" dirty="0">
-                <a:solidFill>
-                  <a:srgbClr val="121867"/>
-                </a:solidFill>
-                <a:latin typeface="Lato"/>
-                <a:cs typeface="Lato"/>
-                <a:sym typeface="Lato"/>
-              </a:rPr>
-              <a:t> </a:t>
-            </a:r>
-            <a:r>
-              <a:rPr lang="es-ES" sz="1800" dirty="0">
-                <a:solidFill>
-                  <a:srgbClr val="121867"/>
-                </a:solidFill>
-                <a:latin typeface="Lato"/>
-                <a:cs typeface="Lato"/>
-                <a:sym typeface="Wingdings" panose="05000000000000000000" pitchFamily="2" charset="2"/>
-              </a:rPr>
-              <a:t> Se puede ejecutar cualquier scripts</a:t>
-            </a:r>
-            <a:endParaRPr lang="es-ES" sz="1800" dirty="0">
-              <a:solidFill>
-                <a:srgbClr val="121867"/>
-              </a:solidFill>
-              <a:latin typeface="Lato"/>
-              <a:cs typeface="Lato"/>
-              <a:sym typeface="Lato"/>
-            </a:endParaRPr>
-          </a:p>
-          <a:p>
-            <a:pPr marL="101600" lvl="0" indent="0">
-              <a:buClr>
-                <a:srgbClr val="121867"/>
-              </a:buClr>
-              <a:buNone/>
-            </a:pPr>
-            <a:endParaRPr lang="es-ES" sz="1800" dirty="0">
-              <a:solidFill>
-                <a:srgbClr val="121867"/>
-              </a:solidFill>
-              <a:latin typeface="Lato"/>
-              <a:cs typeface="Lato"/>
-              <a:sym typeface="Lato"/>
-            </a:endParaRPr>
-          </a:p>
         </p:txBody>
       </p:sp>
     </p:spTree>
     <p:extLst>
       <p:ext uri="{BB962C8B-B14F-4D97-AF65-F5344CB8AC3E}">
-        <p14:creationId xmlns:p14="http://schemas.microsoft.com/office/powerpoint/2010/main" val="3576654246"/>
-      </p:ext>
-    </p:extLst>
-  </p:cSld>
-  <p:clrMapOvr>
-    <a:masterClrMapping/>
-  </p:clrMapOvr>
-</p:sld>
-</file>
-
-<file path=ppt/slides/slide18.xml><?xml version="1.0" encoding="utf-8"?>
-<p:sld xmlns:a="http://schemas.openxmlformats.org/drawingml/2006/main" xmlns:r="http://schemas.openxmlformats.org/officeDocument/2006/relationships" xmlns:p="http://schemas.openxmlformats.org/presentationml/2006/main">
-  <p:cSld>
-    <p:spTree>
-      <p:nvGrpSpPr>
-        <p:cNvPr id="1" name="Shape 78"/>
-        <p:cNvGrpSpPr/>
-        <p:nvPr/>
-      </p:nvGrpSpPr>
-      <p:grpSpPr>
-        <a:xfrm>
-          <a:off x="0" y="0"/>
-          <a:ext cx="0" cy="0"/>
-          <a:chOff x="0" y="0"/>
-          <a:chExt cx="0" cy="0"/>
-        </a:xfrm>
-      </p:grpSpPr>
-      <p:sp>
-        <p:nvSpPr>
-          <p:cNvPr id="79" name="Google Shape;79;p16"/>
-          <p:cNvSpPr txBox="1">
-            <a:spLocks noGrp="1"/>
-          </p:cNvSpPr>
-          <p:nvPr>
-            <p:ph type="ctrTitle"/>
-          </p:nvPr>
-        </p:nvSpPr>
-        <p:spPr>
-          <a:xfrm>
-            <a:off x="648300" y="1354750"/>
-            <a:ext cx="3522300" cy="2989800"/>
-          </a:xfrm>
-          <a:prstGeom prst="rect">
-            <a:avLst/>
-          </a:prstGeom>
-        </p:spPr>
-        <p:txBody>
-          <a:bodyPr spcFirstLastPara="1" wrap="square" lIns="91425" tIns="91425" rIns="91425" bIns="91425" anchor="b" anchorCtr="0">
-            <a:noAutofit/>
-          </a:bodyPr>
-          <a:lstStyle/>
-          <a:p>
-            <a:pPr marL="0" lvl="0" indent="0" algn="l" rtl="0">
-              <a:spcBef>
-                <a:spcPts val="0"/>
-              </a:spcBef>
-              <a:spcAft>
-                <a:spcPts val="0"/>
-              </a:spcAft>
-              <a:buNone/>
-            </a:pPr>
-            <a:r>
-              <a:rPr lang="en" sz="7200" dirty="0">
-                <a:solidFill>
-                  <a:srgbClr val="F33784"/>
-                </a:solidFill>
-                <a:latin typeface="Lato"/>
-                <a:ea typeface="Lato"/>
-                <a:cs typeface="Lato"/>
-                <a:sym typeface="Lato"/>
-              </a:rPr>
-              <a:t>4.</a:t>
-            </a:r>
-            <a:endParaRPr sz="7200" dirty="0">
-              <a:solidFill>
-                <a:srgbClr val="F33784"/>
-              </a:solidFill>
-              <a:latin typeface="Lato"/>
-              <a:ea typeface="Lato"/>
-              <a:cs typeface="Lato"/>
-              <a:sym typeface="Lato"/>
-            </a:endParaRPr>
-          </a:p>
-          <a:p>
-            <a:pPr marL="0" lvl="0" indent="0" algn="l" rtl="0">
-              <a:spcBef>
-                <a:spcPts val="0"/>
-              </a:spcBef>
-              <a:spcAft>
-                <a:spcPts val="0"/>
-              </a:spcAft>
-              <a:buNone/>
-            </a:pPr>
-            <a:r>
-              <a:rPr lang="es-ES" dirty="0">
-                <a:solidFill>
-                  <a:srgbClr val="121867"/>
-                </a:solidFill>
-                <a:latin typeface="Lato"/>
-                <a:ea typeface="Lato"/>
-                <a:cs typeface="Lato"/>
-                <a:sym typeface="Lato"/>
-              </a:rPr>
-              <a:t>Configuración estática.</a:t>
-            </a:r>
-            <a:endParaRPr dirty="0">
-              <a:solidFill>
-                <a:srgbClr val="121867"/>
-              </a:solidFill>
-              <a:latin typeface="Lato"/>
-              <a:ea typeface="Lato"/>
-              <a:cs typeface="Lato"/>
-              <a:sym typeface="Lato"/>
-            </a:endParaRPr>
-          </a:p>
-        </p:txBody>
-      </p:sp>
-      <p:sp>
-        <p:nvSpPr>
-          <p:cNvPr id="80" name="Google Shape;80;p16"/>
-          <p:cNvSpPr txBox="1">
-            <a:spLocks noGrp="1"/>
-          </p:cNvSpPr>
-          <p:nvPr>
-            <p:ph type="subTitle" idx="1"/>
-          </p:nvPr>
-        </p:nvSpPr>
-        <p:spPr>
-          <a:xfrm>
-            <a:off x="6724950" y="3265700"/>
-            <a:ext cx="1906200" cy="1031700"/>
-          </a:xfrm>
-          <a:prstGeom prst="rect">
-            <a:avLst/>
-          </a:prstGeom>
-        </p:spPr>
-        <p:txBody>
-          <a:bodyPr spcFirstLastPara="1" wrap="square" lIns="91425" tIns="91425" rIns="91425" bIns="91425" anchor="b" anchorCtr="0">
-            <a:noAutofit/>
-          </a:bodyPr>
-          <a:lstStyle/>
-          <a:p>
-            <a:pPr marL="0" lvl="0" indent="0" algn="r" rtl="0">
-              <a:spcBef>
-                <a:spcPts val="0"/>
-              </a:spcBef>
-              <a:spcAft>
-                <a:spcPts val="0"/>
-              </a:spcAft>
-              <a:buNone/>
-            </a:pPr>
-            <a:r>
-              <a:rPr lang="es-ES" dirty="0">
-                <a:latin typeface="Lato"/>
-                <a:ea typeface="Lato"/>
-                <a:cs typeface="Lato"/>
-                <a:sym typeface="Lato"/>
-              </a:rPr>
-              <a:t>Comencemos</a:t>
-            </a:r>
-            <a:endParaRPr dirty="0">
-              <a:latin typeface="Lato"/>
-              <a:ea typeface="Lato"/>
-              <a:cs typeface="Lato"/>
-              <a:sym typeface="Lato"/>
-            </a:endParaRPr>
-          </a:p>
-        </p:txBody>
-      </p:sp>
-    </p:spTree>
-    <p:extLst>
-      <p:ext uri="{BB962C8B-B14F-4D97-AF65-F5344CB8AC3E}">
-        <p14:creationId xmlns:p14="http://schemas.microsoft.com/office/powerpoint/2010/main" val="448023243"/>
+        <p14:creationId xmlns:p14="http://schemas.microsoft.com/office/powerpoint/2010/main" val="1899371206"/>
       </p:ext>
     </p:extLst>
   </p:cSld>
@@ -9342,7 +9901,7 @@
                 <a:cs typeface="Lato"/>
                 <a:sym typeface="Lato"/>
               </a:rPr>
-              <a:t>4.- </a:t>
+              <a:t>3.2.- Comp</a:t>
             </a:r>
             <a:r>
               <a:rPr lang="es-ES" dirty="0">
@@ -9354,7 +9913,7 @@
                 <a:cs typeface="Lato"/>
                 <a:sym typeface="Lato"/>
               </a:rPr>
-              <a:t>Configuración estática.</a:t>
+              <a:t>robar conectividad.</a:t>
             </a:r>
             <a:endParaRPr dirty="0">
               <a:solidFill>
@@ -9380,8 +9939,8 @@
         </p:nvSpPr>
         <p:spPr>
           <a:xfrm>
-            <a:off x="632650" y="1293856"/>
-            <a:ext cx="7878700" cy="4034048"/>
+            <a:off x="623941" y="1379200"/>
+            <a:ext cx="6839259" cy="3717183"/>
           </a:xfrm>
           <a:prstGeom prst="rect">
             <a:avLst/>
@@ -9393,7 +9952,7 @@
           </a:bodyPr>
           <a:lstStyle/>
           <a:p>
-            <a:pPr marL="101600" indent="0">
+            <a:pPr marL="101600" lvl="0" indent="0">
               <a:buClr>
                 <a:srgbClr val="121867"/>
               </a:buClr>
@@ -9408,475 +9967,221 @@
                 <a:cs typeface="Lato"/>
                 <a:sym typeface="Wingdings" panose="05000000000000000000" pitchFamily="2" charset="2"/>
               </a:rPr>
-              <a:t>1.- Obtenemos información:</a:t>
-            </a:r>
-          </a:p>
-          <a:p>
-            <a:pPr marL="101600" indent="0">
-              <a:buClr>
-                <a:srgbClr val="121867"/>
-              </a:buClr>
-              <a:buNone/>
-            </a:pPr>
-            <a:r>
-              <a:rPr lang="es-ES" sz="1800" dirty="0" err="1">
-                <a:solidFill>
-                  <a:srgbClr val="121867"/>
-                </a:solidFill>
-                <a:latin typeface="Lato"/>
-                <a:cs typeface="Lato"/>
-                <a:sym typeface="Wingdings" panose="05000000000000000000" pitchFamily="2" charset="2"/>
-              </a:rPr>
-              <a:t>Gip</a:t>
-            </a:r>
-            <a:r>
-              <a:rPr lang="es-ES" sz="1800" dirty="0">
-                <a:solidFill>
-                  <a:srgbClr val="121867"/>
-                </a:solidFill>
-                <a:latin typeface="Lato"/>
-                <a:cs typeface="Lato"/>
-                <a:sym typeface="Wingdings" panose="05000000000000000000" pitchFamily="2" charset="2"/>
-              </a:rPr>
-              <a:t>  Detectamos la Interfaz y la información.  </a:t>
-            </a:r>
-            <a:r>
-              <a:rPr lang="es-ES" sz="1800" dirty="0" err="1">
-                <a:solidFill>
-                  <a:srgbClr val="121867"/>
-                </a:solidFill>
-                <a:latin typeface="Lato"/>
-                <a:cs typeface="Lato"/>
-                <a:sym typeface="Wingdings" panose="05000000000000000000" pitchFamily="2" charset="2"/>
-              </a:rPr>
-              <a:t>Gip</a:t>
-            </a:r>
-            <a:r>
-              <a:rPr lang="es-ES" sz="1800" dirty="0">
-                <a:solidFill>
-                  <a:srgbClr val="121867"/>
-                </a:solidFill>
-                <a:latin typeface="Lato"/>
-                <a:cs typeface="Lato"/>
-                <a:sym typeface="Wingdings" panose="05000000000000000000" pitchFamily="2" charset="2"/>
-              </a:rPr>
-              <a:t> ethernet</a:t>
-            </a:r>
-          </a:p>
-          <a:p>
-            <a:pPr marL="101600" indent="0">
-              <a:buClr>
-                <a:srgbClr val="121867"/>
-              </a:buClr>
-              <a:buNone/>
-            </a:pPr>
-            <a:r>
-              <a:rPr lang="es-ES" sz="1800" b="1" dirty="0">
-                <a:solidFill>
-                  <a:srgbClr val="F33784"/>
-                </a:solidFill>
-                <a:latin typeface="Lato"/>
-                <a:cs typeface="Lato"/>
-                <a:sym typeface="Wingdings" panose="05000000000000000000" pitchFamily="2" charset="2"/>
-              </a:rPr>
-              <a:t>2.- Borramos IP y la puerta de enlace:</a:t>
-            </a:r>
-          </a:p>
-          <a:p>
-            <a:pPr marL="101600" indent="0">
-              <a:buClr>
-                <a:srgbClr val="121867"/>
-              </a:buClr>
-              <a:buNone/>
-            </a:pPr>
-            <a:r>
-              <a:rPr lang="en-US" sz="1800" dirty="0">
-                <a:solidFill>
-                  <a:srgbClr val="121867"/>
-                </a:solidFill>
-                <a:latin typeface="Lato"/>
-                <a:cs typeface="Lato"/>
-                <a:sym typeface="Wingdings" panose="05000000000000000000" pitchFamily="2" charset="2"/>
-              </a:rPr>
-              <a:t>Remove-</a:t>
-            </a:r>
-            <a:r>
-              <a:rPr lang="en-US" sz="1800" dirty="0" err="1">
-                <a:solidFill>
-                  <a:srgbClr val="121867"/>
-                </a:solidFill>
-                <a:latin typeface="Lato"/>
-                <a:cs typeface="Lato"/>
-                <a:sym typeface="Wingdings" panose="05000000000000000000" pitchFamily="2" charset="2"/>
-              </a:rPr>
-              <a:t>NetIPAddress</a:t>
-            </a:r>
-            <a:r>
-              <a:rPr lang="en-US" sz="1800" dirty="0">
-                <a:solidFill>
-                  <a:srgbClr val="121867"/>
-                </a:solidFill>
-                <a:latin typeface="Lato"/>
-                <a:cs typeface="Lato"/>
-                <a:sym typeface="Wingdings" panose="05000000000000000000" pitchFamily="2" charset="2"/>
-              </a:rPr>
-              <a:t> –</a:t>
-            </a:r>
-            <a:r>
-              <a:rPr lang="en-US" sz="1800" dirty="0" err="1">
-                <a:solidFill>
-                  <a:srgbClr val="121867"/>
-                </a:solidFill>
-                <a:latin typeface="Lato"/>
-                <a:cs typeface="Lato"/>
-                <a:sym typeface="Wingdings" panose="05000000000000000000" pitchFamily="2" charset="2"/>
-              </a:rPr>
-              <a:t>InterfaceAlias</a:t>
-            </a:r>
-            <a:r>
-              <a:rPr lang="en-US" sz="1800" dirty="0">
-                <a:solidFill>
-                  <a:srgbClr val="121867"/>
-                </a:solidFill>
-                <a:latin typeface="Lato"/>
-                <a:cs typeface="Lato"/>
-                <a:sym typeface="Wingdings" panose="05000000000000000000" pitchFamily="2" charset="2"/>
-              </a:rPr>
-              <a:t>  Ethernet -Confirm:$false</a:t>
-            </a:r>
-          </a:p>
-          <a:p>
-            <a:pPr marL="101600" indent="0">
-              <a:buClr>
-                <a:srgbClr val="121867"/>
-              </a:buClr>
-              <a:buNone/>
-            </a:pPr>
-            <a:r>
-              <a:rPr lang="es-ES" sz="1800" dirty="0" err="1">
-                <a:solidFill>
-                  <a:srgbClr val="121867"/>
-                </a:solidFill>
-                <a:latin typeface="Lato"/>
-                <a:cs typeface="Lato"/>
-                <a:sym typeface="Wingdings" panose="05000000000000000000" pitchFamily="2" charset="2"/>
-              </a:rPr>
-              <a:t>Remove-NetRoute</a:t>
-            </a:r>
-            <a:r>
-              <a:rPr lang="es-ES" sz="1800" dirty="0">
-                <a:solidFill>
-                  <a:srgbClr val="121867"/>
-                </a:solidFill>
-                <a:latin typeface="Lato"/>
-                <a:cs typeface="Lato"/>
-                <a:sym typeface="Wingdings" panose="05000000000000000000" pitchFamily="2" charset="2"/>
-              </a:rPr>
-              <a:t> -</a:t>
-            </a:r>
-            <a:r>
-              <a:rPr lang="es-ES" sz="1800" dirty="0" err="1">
-                <a:solidFill>
-                  <a:srgbClr val="121867"/>
-                </a:solidFill>
-                <a:latin typeface="Lato"/>
-                <a:cs typeface="Lato"/>
-                <a:sym typeface="Wingdings" panose="05000000000000000000" pitchFamily="2" charset="2"/>
-              </a:rPr>
-              <a:t>InterfaceAlias</a:t>
-            </a:r>
-            <a:r>
-              <a:rPr lang="es-ES" sz="1800" dirty="0">
-                <a:solidFill>
-                  <a:srgbClr val="121867"/>
-                </a:solidFill>
-                <a:latin typeface="Lato"/>
-                <a:cs typeface="Lato"/>
-                <a:sym typeface="Wingdings" panose="05000000000000000000" pitchFamily="2" charset="2"/>
-              </a:rPr>
-              <a:t> Ethernet -</a:t>
-            </a:r>
-            <a:r>
-              <a:rPr lang="es-ES" sz="1800" dirty="0" err="1">
-                <a:solidFill>
-                  <a:srgbClr val="121867"/>
-                </a:solidFill>
-                <a:latin typeface="Lato"/>
-                <a:cs typeface="Lato"/>
-                <a:sym typeface="Wingdings" panose="05000000000000000000" pitchFamily="2" charset="2"/>
-              </a:rPr>
-              <a:t>Confirm</a:t>
-            </a:r>
-            <a:r>
-              <a:rPr lang="es-ES" sz="1800" dirty="0">
-                <a:solidFill>
-                  <a:srgbClr val="121867"/>
-                </a:solidFill>
-                <a:latin typeface="Lato"/>
-                <a:cs typeface="Lato"/>
-                <a:sym typeface="Wingdings" panose="05000000000000000000" pitchFamily="2" charset="2"/>
-              </a:rPr>
-              <a:t>:$false</a:t>
-            </a:r>
-          </a:p>
-          <a:p>
-            <a:pPr marL="101600" indent="0">
-              <a:buClr>
-                <a:srgbClr val="121867"/>
-              </a:buClr>
-              <a:buNone/>
-            </a:pPr>
-            <a:r>
-              <a:rPr lang="es-ES" sz="1800" b="1" dirty="0">
-                <a:solidFill>
-                  <a:srgbClr val="F33784"/>
-                </a:solidFill>
-                <a:latin typeface="Lato"/>
-                <a:cs typeface="Lato"/>
-                <a:sym typeface="Wingdings" panose="05000000000000000000" pitchFamily="2" charset="2"/>
-              </a:rPr>
-              <a:t>3.- Establecemos la nueva IP:</a:t>
-            </a:r>
-          </a:p>
-          <a:p>
-            <a:pPr marL="101600" indent="0">
-              <a:buClr>
-                <a:srgbClr val="121867"/>
-              </a:buClr>
-              <a:buNone/>
-            </a:pPr>
-            <a:r>
-              <a:rPr lang="es-ES" sz="1800" dirty="0">
-                <a:solidFill>
-                  <a:srgbClr val="121867"/>
-                </a:solidFill>
-                <a:latin typeface="Lato"/>
-                <a:cs typeface="Lato"/>
-                <a:sym typeface="Wingdings" panose="05000000000000000000" pitchFamily="2" charset="2"/>
-              </a:rPr>
-              <a:t>New-</a:t>
-            </a:r>
-            <a:r>
-              <a:rPr lang="es-ES" sz="1800" dirty="0" err="1">
-                <a:solidFill>
-                  <a:srgbClr val="121867"/>
-                </a:solidFill>
-                <a:latin typeface="Lato"/>
-                <a:cs typeface="Lato"/>
-                <a:sym typeface="Wingdings" panose="05000000000000000000" pitchFamily="2" charset="2"/>
-              </a:rPr>
-              <a:t>NetIPAddress</a:t>
-            </a:r>
-            <a:r>
-              <a:rPr lang="es-ES" sz="1800" dirty="0">
-                <a:solidFill>
-                  <a:srgbClr val="121867"/>
-                </a:solidFill>
-                <a:latin typeface="Lato"/>
-                <a:cs typeface="Lato"/>
-                <a:sym typeface="Wingdings" panose="05000000000000000000" pitchFamily="2" charset="2"/>
-              </a:rPr>
-              <a:t> -</a:t>
-            </a:r>
-            <a:r>
-              <a:rPr lang="es-ES" sz="1800" dirty="0" err="1">
-                <a:solidFill>
-                  <a:srgbClr val="121867"/>
-                </a:solidFill>
-                <a:latin typeface="Lato"/>
-                <a:cs typeface="Lato"/>
-                <a:sym typeface="Wingdings" panose="05000000000000000000" pitchFamily="2" charset="2"/>
-              </a:rPr>
-              <a:t>InterfaceAlias</a:t>
-            </a:r>
-            <a:r>
-              <a:rPr lang="es-ES" sz="1800" dirty="0">
-                <a:solidFill>
-                  <a:srgbClr val="121867"/>
-                </a:solidFill>
-                <a:latin typeface="Lato"/>
-                <a:cs typeface="Lato"/>
-                <a:sym typeface="Wingdings" panose="05000000000000000000" pitchFamily="2" charset="2"/>
-              </a:rPr>
-              <a:t> "Ethernet" -</a:t>
-            </a:r>
-            <a:r>
-              <a:rPr lang="es-ES" sz="1800" dirty="0" err="1">
-                <a:solidFill>
-                  <a:srgbClr val="121867"/>
-                </a:solidFill>
-                <a:latin typeface="Lato"/>
-                <a:cs typeface="Lato"/>
-                <a:sym typeface="Wingdings" panose="05000000000000000000" pitchFamily="2" charset="2"/>
-              </a:rPr>
-              <a:t>IPAddress</a:t>
-            </a:r>
-            <a:r>
-              <a:rPr lang="es-ES" sz="1800" dirty="0">
-                <a:solidFill>
-                  <a:srgbClr val="121867"/>
-                </a:solidFill>
-                <a:latin typeface="Lato"/>
-                <a:cs typeface="Lato"/>
-                <a:sym typeface="Wingdings" panose="05000000000000000000" pitchFamily="2" charset="2"/>
-              </a:rPr>
-              <a:t> 192.168.0.5 -</a:t>
-            </a:r>
-            <a:r>
-              <a:rPr lang="es-ES" sz="1800" dirty="0" err="1">
-                <a:solidFill>
-                  <a:srgbClr val="121867"/>
-                </a:solidFill>
-                <a:latin typeface="Lato"/>
-                <a:cs typeface="Lato"/>
-                <a:sym typeface="Wingdings" panose="05000000000000000000" pitchFamily="2" charset="2"/>
-              </a:rPr>
-              <a:t>PrefixLength</a:t>
-            </a:r>
-            <a:r>
-              <a:rPr lang="es-ES" sz="1800" dirty="0">
-                <a:solidFill>
-                  <a:srgbClr val="121867"/>
-                </a:solidFill>
-                <a:latin typeface="Lato"/>
-                <a:cs typeface="Lato"/>
-                <a:sym typeface="Wingdings" panose="05000000000000000000" pitchFamily="2" charset="2"/>
-              </a:rPr>
-              <a:t> 24 -</a:t>
-            </a:r>
-            <a:r>
-              <a:rPr lang="es-ES" sz="1800" dirty="0" err="1">
-                <a:solidFill>
-                  <a:srgbClr val="121867"/>
-                </a:solidFill>
-                <a:latin typeface="Lato"/>
-                <a:cs typeface="Lato"/>
-                <a:sym typeface="Wingdings" panose="05000000000000000000" pitchFamily="2" charset="2"/>
-              </a:rPr>
-              <a:t>DefaultGateway</a:t>
-            </a:r>
-            <a:r>
-              <a:rPr lang="es-ES" sz="1800" dirty="0">
-                <a:solidFill>
-                  <a:srgbClr val="121867"/>
-                </a:solidFill>
-                <a:latin typeface="Lato"/>
-                <a:cs typeface="Lato"/>
-                <a:sym typeface="Wingdings" panose="05000000000000000000" pitchFamily="2" charset="2"/>
-              </a:rPr>
-              <a:t> 192.168.0.1</a:t>
-            </a:r>
-          </a:p>
-          <a:p>
-            <a:pPr marL="101600" indent="0">
-              <a:buClr>
-                <a:srgbClr val="121867"/>
-              </a:buClr>
-              <a:buNone/>
-            </a:pPr>
-            <a:r>
-              <a:rPr lang="es-ES" sz="1800" b="1" dirty="0">
-                <a:solidFill>
-                  <a:srgbClr val="F33784"/>
-                </a:solidFill>
-                <a:latin typeface="Lato"/>
-                <a:cs typeface="Lato"/>
-                <a:sym typeface="Wingdings" panose="05000000000000000000" pitchFamily="2" charset="2"/>
-              </a:rPr>
-              <a:t>4.- Establecemos DNS:</a:t>
-            </a:r>
-          </a:p>
-          <a:p>
-            <a:pPr marL="101600" indent="0">
-              <a:buClr>
-                <a:srgbClr val="121867"/>
-              </a:buClr>
-              <a:buNone/>
-            </a:pPr>
-            <a:r>
-              <a:rPr lang="en-US" sz="1800" dirty="0">
-                <a:solidFill>
-                  <a:srgbClr val="121867"/>
-                </a:solidFill>
-                <a:latin typeface="Lato"/>
-                <a:cs typeface="Lato"/>
-                <a:sym typeface="Wingdings" panose="05000000000000000000" pitchFamily="2" charset="2"/>
-              </a:rPr>
-              <a:t>Set-</a:t>
-            </a:r>
-            <a:r>
-              <a:rPr lang="en-US" sz="1800" dirty="0" err="1">
-                <a:solidFill>
-                  <a:srgbClr val="121867"/>
-                </a:solidFill>
-                <a:latin typeface="Lato"/>
-                <a:cs typeface="Lato"/>
-                <a:sym typeface="Wingdings" panose="05000000000000000000" pitchFamily="2" charset="2"/>
-              </a:rPr>
-              <a:t>DnsClientServerAddress</a:t>
-            </a:r>
-            <a:r>
-              <a:rPr lang="en-US" sz="1800" dirty="0">
-                <a:solidFill>
-                  <a:srgbClr val="121867"/>
-                </a:solidFill>
-                <a:latin typeface="Lato"/>
-                <a:cs typeface="Lato"/>
-                <a:sym typeface="Wingdings" panose="05000000000000000000" pitchFamily="2" charset="2"/>
-              </a:rPr>
-              <a:t> -</a:t>
-            </a:r>
-            <a:r>
-              <a:rPr lang="en-US" sz="1800" dirty="0" err="1">
-                <a:solidFill>
-                  <a:srgbClr val="121867"/>
-                </a:solidFill>
-                <a:latin typeface="Lato"/>
-                <a:cs typeface="Lato"/>
-                <a:sym typeface="Wingdings" panose="05000000000000000000" pitchFamily="2" charset="2"/>
-              </a:rPr>
-              <a:t>InterfaceAlias</a:t>
-            </a:r>
-            <a:r>
-              <a:rPr lang="en-US" sz="1800" dirty="0">
-                <a:solidFill>
-                  <a:srgbClr val="121867"/>
-                </a:solidFill>
-                <a:latin typeface="Lato"/>
-                <a:cs typeface="Lato"/>
-                <a:sym typeface="Wingdings" panose="05000000000000000000" pitchFamily="2" charset="2"/>
-              </a:rPr>
-              <a:t> "Ethernet" -</a:t>
-            </a:r>
-            <a:r>
-              <a:rPr lang="en-US" sz="1800" dirty="0" err="1">
-                <a:solidFill>
-                  <a:srgbClr val="121867"/>
-                </a:solidFill>
-                <a:latin typeface="Lato"/>
-                <a:cs typeface="Lato"/>
-                <a:sym typeface="Wingdings" panose="05000000000000000000" pitchFamily="2" charset="2"/>
-              </a:rPr>
-              <a:t>ServerAddresses</a:t>
-            </a:r>
-            <a:r>
-              <a:rPr lang="en-US" sz="1800" dirty="0">
-                <a:solidFill>
-                  <a:srgbClr val="121867"/>
-                </a:solidFill>
-                <a:latin typeface="Lato"/>
-                <a:cs typeface="Lato"/>
-                <a:sym typeface="Wingdings" panose="05000000000000000000" pitchFamily="2" charset="2"/>
-              </a:rPr>
-              <a:t> 8.8.8.8, 8.8.4.4</a:t>
-            </a:r>
+              <a:t>Vamos hacer un pequeño script para comprobar conectividad con servidores.</a:t>
+            </a:r>
+          </a:p>
+          <a:p>
+            <a:pPr marL="101600" lvl="0" indent="0">
+              <a:buClr>
+                <a:srgbClr val="121867"/>
+              </a:buClr>
+              <a:buNone/>
+            </a:pPr>
             <a:endParaRPr lang="es-ES" sz="1800" dirty="0">
               <a:solidFill>
                 <a:srgbClr val="121867"/>
               </a:solidFill>
               <a:latin typeface="Lato"/>
               <a:cs typeface="Lato"/>
-              <a:sym typeface="Wingdings" panose="05000000000000000000" pitchFamily="2" charset="2"/>
+              <a:sym typeface="Lato"/>
+            </a:endParaRPr>
+          </a:p>
+          <a:p>
+            <a:pPr marL="101600" lvl="0" indent="0">
+              <a:buClr>
+                <a:srgbClr val="121867"/>
+              </a:buClr>
+              <a:buNone/>
+            </a:pPr>
+            <a:r>
+              <a:rPr lang="es-ES" sz="1800" dirty="0">
+                <a:solidFill>
+                  <a:srgbClr val="121867"/>
+                </a:solidFill>
+                <a:latin typeface="Lato"/>
+                <a:cs typeface="Lato"/>
+                <a:sym typeface="Lato"/>
+              </a:rPr>
+              <a:t>Script: ConectividadServidores.ps1</a:t>
+            </a:r>
+          </a:p>
+          <a:p>
+            <a:pPr marL="101600" lvl="0" indent="0">
+              <a:buClr>
+                <a:srgbClr val="121867"/>
+              </a:buClr>
+              <a:buNone/>
+            </a:pPr>
+            <a:r>
+              <a:rPr lang="es-ES" sz="1800" dirty="0">
+                <a:solidFill>
+                  <a:srgbClr val="121867"/>
+                </a:solidFill>
+                <a:latin typeface="Lato"/>
+                <a:cs typeface="Lato"/>
+                <a:sym typeface="Lato"/>
+              </a:rPr>
+              <a:t>Archivo: servidores.txt</a:t>
+            </a:r>
+          </a:p>
+          <a:p>
+            <a:pPr marL="101600" lvl="0" indent="0">
+              <a:buClr>
+                <a:srgbClr val="121867"/>
+              </a:buClr>
+              <a:buNone/>
+            </a:pPr>
+            <a:endParaRPr lang="es-ES" sz="1800" dirty="0">
+              <a:solidFill>
+                <a:srgbClr val="121867"/>
+              </a:solidFill>
+              <a:latin typeface="Lato"/>
+              <a:cs typeface="Lato"/>
+              <a:sym typeface="Lato"/>
+            </a:endParaRPr>
+          </a:p>
+          <a:p>
+            <a:pPr marL="101600" lvl="0" indent="0">
+              <a:buClr>
+                <a:srgbClr val="121867"/>
+              </a:buClr>
+              <a:buNone/>
+            </a:pPr>
+            <a:r>
+              <a:rPr lang="es-ES" sz="1800" dirty="0">
+                <a:solidFill>
+                  <a:srgbClr val="121867"/>
+                </a:solidFill>
+                <a:latin typeface="Lato"/>
+                <a:cs typeface="Lato"/>
+                <a:sym typeface="Lato"/>
+              </a:rPr>
+              <a:t>Recordatorio:</a:t>
+            </a:r>
+          </a:p>
+          <a:p>
+            <a:pPr marL="101600" lvl="0" indent="0">
+              <a:buClr>
+                <a:srgbClr val="121867"/>
+              </a:buClr>
+              <a:buNone/>
+            </a:pPr>
+            <a:r>
+              <a:rPr lang="es-ES" sz="1800" dirty="0" err="1">
+                <a:solidFill>
+                  <a:srgbClr val="121867"/>
+                </a:solidFill>
+                <a:latin typeface="Lato"/>
+                <a:cs typeface="Lato"/>
+                <a:sym typeface="Lato"/>
+              </a:rPr>
+              <a:t>Get-ExecutionPolicy</a:t>
+            </a:r>
+            <a:endParaRPr lang="es-ES" sz="1800" dirty="0">
+              <a:solidFill>
+                <a:srgbClr val="121867"/>
+              </a:solidFill>
+              <a:latin typeface="Lato"/>
+              <a:cs typeface="Lato"/>
+              <a:sym typeface="Lato"/>
+            </a:endParaRPr>
+          </a:p>
+          <a:p>
+            <a:pPr marL="101600" lvl="0" indent="0">
+              <a:buClr>
+                <a:srgbClr val="121867"/>
+              </a:buClr>
+              <a:buNone/>
+            </a:pPr>
+            <a:r>
+              <a:rPr lang="es-ES" sz="1800" dirty="0">
+                <a:solidFill>
+                  <a:srgbClr val="121867"/>
+                </a:solidFill>
+                <a:latin typeface="Lato"/>
+                <a:cs typeface="Lato"/>
+                <a:sym typeface="Lato"/>
+              </a:rPr>
+              <a:t>Set-</a:t>
+            </a:r>
+            <a:r>
+              <a:rPr lang="es-ES" sz="1800" dirty="0" err="1">
+                <a:solidFill>
+                  <a:srgbClr val="121867"/>
+                </a:solidFill>
+                <a:latin typeface="Lato"/>
+                <a:cs typeface="Lato"/>
+                <a:sym typeface="Lato"/>
+              </a:rPr>
+              <a:t>ExecutionPolicy</a:t>
+            </a:r>
+            <a:r>
+              <a:rPr lang="es-ES" sz="1800" dirty="0">
+                <a:solidFill>
+                  <a:srgbClr val="121867"/>
+                </a:solidFill>
+                <a:latin typeface="Lato"/>
+                <a:cs typeface="Lato"/>
+                <a:sym typeface="Lato"/>
+              </a:rPr>
+              <a:t> </a:t>
+            </a:r>
+            <a:r>
+              <a:rPr lang="es-ES" sz="1800" dirty="0" err="1">
+                <a:solidFill>
+                  <a:srgbClr val="121867"/>
+                </a:solidFill>
+                <a:latin typeface="Lato"/>
+                <a:cs typeface="Lato"/>
+                <a:sym typeface="Lato"/>
+              </a:rPr>
+              <a:t>Unrestricted</a:t>
+            </a:r>
+            <a:r>
+              <a:rPr lang="es-ES" sz="1800" dirty="0">
+                <a:solidFill>
+                  <a:srgbClr val="121867"/>
+                </a:solidFill>
+                <a:latin typeface="Lato"/>
+                <a:cs typeface="Lato"/>
+                <a:sym typeface="Lato"/>
+              </a:rPr>
+              <a:t> </a:t>
+            </a:r>
+            <a:r>
+              <a:rPr lang="es-ES" sz="1800" dirty="0">
+                <a:solidFill>
+                  <a:srgbClr val="121867"/>
+                </a:solidFill>
+                <a:latin typeface="Lato"/>
+                <a:cs typeface="Lato"/>
+                <a:sym typeface="Wingdings" panose="05000000000000000000" pitchFamily="2" charset="2"/>
+              </a:rPr>
+              <a:t> Se puede ejecutar cualquier scripts</a:t>
+            </a:r>
+            <a:endParaRPr lang="es-ES" sz="1800" dirty="0">
+              <a:solidFill>
+                <a:srgbClr val="121867"/>
+              </a:solidFill>
+              <a:latin typeface="Lato"/>
+              <a:cs typeface="Lato"/>
+              <a:sym typeface="Lato"/>
+            </a:endParaRPr>
+          </a:p>
+          <a:p>
+            <a:pPr marL="101600" lvl="0" indent="0">
+              <a:buClr>
+                <a:srgbClr val="121867"/>
+              </a:buClr>
+              <a:buNone/>
+            </a:pPr>
+            <a:endParaRPr lang="es-ES" sz="1800" dirty="0">
+              <a:solidFill>
+                <a:srgbClr val="121867"/>
+              </a:solidFill>
+              <a:latin typeface="Lato"/>
+              <a:cs typeface="Lato"/>
+              <a:sym typeface="Lato"/>
             </a:endParaRPr>
           </a:p>
         </p:txBody>
@@ -9884,7 +10189,7 @@
     </p:spTree>
     <p:extLst>
       <p:ext uri="{BB962C8B-B14F-4D97-AF65-F5344CB8AC3E}">
-        <p14:creationId xmlns:p14="http://schemas.microsoft.com/office/powerpoint/2010/main" val="3922613256"/>
+        <p14:creationId xmlns:p14="http://schemas.microsoft.com/office/powerpoint/2010/main" val="3576654246"/>
       </p:ext>
     </p:extLst>
   </p:cSld>
@@ -10165,6 +10470,178 @@
   <p:cSld>
     <p:spTree>
       <p:nvGrpSpPr>
+        <p:cNvPr id="1" name="Shape 78"/>
+        <p:cNvGrpSpPr/>
+        <p:nvPr/>
+      </p:nvGrpSpPr>
+      <p:grpSpPr>
+        <a:xfrm>
+          <a:off x="0" y="0"/>
+          <a:ext cx="0" cy="0"/>
+          <a:chOff x="0" y="0"/>
+          <a:chExt cx="0" cy="0"/>
+        </a:xfrm>
+      </p:grpSpPr>
+      <p:sp>
+        <p:nvSpPr>
+          <p:cNvPr id="79" name="Google Shape;79;p16"/>
+          <p:cNvSpPr txBox="1">
+            <a:spLocks noGrp="1"/>
+          </p:cNvSpPr>
+          <p:nvPr>
+            <p:ph type="ctrTitle"/>
+          </p:nvPr>
+        </p:nvSpPr>
+        <p:spPr>
+          <a:xfrm>
+            <a:off x="648300" y="1354750"/>
+            <a:ext cx="3522300" cy="2989800"/>
+          </a:xfrm>
+          <a:prstGeom prst="rect">
+            <a:avLst/>
+          </a:prstGeom>
+        </p:spPr>
+        <p:txBody>
+          <a:bodyPr spcFirstLastPara="1" wrap="square" lIns="91425" tIns="91425" rIns="91425" bIns="91425" anchor="b" anchorCtr="0">
+            <a:noAutofit/>
+          </a:bodyPr>
+          <a:lstStyle/>
+          <a:p>
+            <a:pPr marL="0" lvl="0" indent="0" algn="l" rtl="0">
+              <a:spcBef>
+                <a:spcPts val="0"/>
+              </a:spcBef>
+              <a:spcAft>
+                <a:spcPts val="0"/>
+              </a:spcAft>
+              <a:buNone/>
+            </a:pPr>
+            <a:r>
+              <a:rPr lang="en" sz="7200" dirty="0">
+                <a:solidFill>
+                  <a:srgbClr val="F33784"/>
+                </a:solidFill>
+                <a:latin typeface="Lato"/>
+                <a:ea typeface="Lato"/>
+                <a:cs typeface="Lato"/>
+                <a:sym typeface="Lato"/>
+              </a:rPr>
+              <a:t>4.</a:t>
+            </a:r>
+            <a:endParaRPr sz="7200" dirty="0">
+              <a:solidFill>
+                <a:srgbClr val="F33784"/>
+              </a:solidFill>
+              <a:latin typeface="Lato"/>
+              <a:ea typeface="Lato"/>
+              <a:cs typeface="Lato"/>
+              <a:sym typeface="Lato"/>
+            </a:endParaRPr>
+          </a:p>
+          <a:p>
+            <a:pPr marL="0" lvl="0" indent="0" algn="l" rtl="0">
+              <a:spcBef>
+                <a:spcPts val="0"/>
+              </a:spcBef>
+              <a:spcAft>
+                <a:spcPts val="0"/>
+              </a:spcAft>
+              <a:buNone/>
+            </a:pPr>
+            <a:r>
+              <a:rPr lang="es-ES" dirty="0">
+                <a:solidFill>
+                  <a:srgbClr val="121867"/>
+                </a:solidFill>
+                <a:latin typeface="Lato"/>
+                <a:ea typeface="Lato"/>
+                <a:cs typeface="Lato"/>
+                <a:sym typeface="Lato"/>
+              </a:rPr>
+              <a:t>Configuración estática.</a:t>
+            </a:r>
+            <a:endParaRPr dirty="0">
+              <a:solidFill>
+                <a:srgbClr val="121867"/>
+              </a:solidFill>
+              <a:latin typeface="Lato"/>
+              <a:ea typeface="Lato"/>
+              <a:cs typeface="Lato"/>
+              <a:sym typeface="Lato"/>
+            </a:endParaRPr>
+          </a:p>
+        </p:txBody>
+      </p:sp>
+      <p:sp>
+        <p:nvSpPr>
+          <p:cNvPr id="80" name="Google Shape;80;p16"/>
+          <p:cNvSpPr txBox="1">
+            <a:spLocks noGrp="1"/>
+          </p:cNvSpPr>
+          <p:nvPr>
+            <p:ph type="subTitle" idx="1"/>
+          </p:nvPr>
+        </p:nvSpPr>
+        <p:spPr>
+          <a:xfrm>
+            <a:off x="6724950" y="3265700"/>
+            <a:ext cx="1906200" cy="1031700"/>
+          </a:xfrm>
+          <a:prstGeom prst="rect">
+            <a:avLst/>
+          </a:prstGeom>
+        </p:spPr>
+        <p:txBody>
+          <a:bodyPr spcFirstLastPara="1" wrap="square" lIns="91425" tIns="91425" rIns="91425" bIns="91425" anchor="b" anchorCtr="0">
+            <a:noAutofit/>
+          </a:bodyPr>
+          <a:lstStyle/>
+          <a:p>
+            <a:pPr marL="0" lvl="0" indent="0" algn="r" rtl="0">
+              <a:spcBef>
+                <a:spcPts val="0"/>
+              </a:spcBef>
+              <a:spcAft>
+                <a:spcPts val="0"/>
+              </a:spcAft>
+              <a:buNone/>
+            </a:pPr>
+            <a:r>
+              <a:rPr lang="es-ES" dirty="0">
+                <a:latin typeface="Lato"/>
+                <a:ea typeface="Lato"/>
+                <a:cs typeface="Lato"/>
+                <a:sym typeface="Lato"/>
+              </a:rPr>
+              <a:t>Comencemos</a:t>
+            </a:r>
+            <a:endParaRPr dirty="0">
+              <a:latin typeface="Lato"/>
+              <a:ea typeface="Lato"/>
+              <a:cs typeface="Lato"/>
+              <a:sym typeface="Lato"/>
+            </a:endParaRPr>
+          </a:p>
+        </p:txBody>
+      </p:sp>
+    </p:spTree>
+    <p:extLst>
+      <p:ext uri="{BB962C8B-B14F-4D97-AF65-F5344CB8AC3E}">
+        <p14:creationId xmlns:p14="http://schemas.microsoft.com/office/powerpoint/2010/main" val="448023243"/>
+      </p:ext>
+    </p:extLst>
+  </p:cSld>
+  <p:clrMapOvr>
+    <a:masterClrMapping/>
+  </p:clrMapOvr>
+</p:sld>
+</file>
+
+<file path=ppt/slides/slide21.xml><?xml version="1.0" encoding="utf-8"?>
+<p:sld xmlns:a="http://schemas.openxmlformats.org/drawingml/2006/main" xmlns:r="http://schemas.openxmlformats.org/officeDocument/2006/relationships" xmlns:p="http://schemas.openxmlformats.org/presentationml/2006/main">
+  <p:cSld>
+    <p:spTree>
+      <p:nvGrpSpPr>
         <p:cNvPr id="1" name="Shape 89"/>
         <p:cNvGrpSpPr/>
         <p:nvPr/>
@@ -10259,8 +10736,8 @@
         </p:nvSpPr>
         <p:spPr>
           <a:xfrm>
-            <a:off x="631316" y="1379200"/>
-            <a:ext cx="7878700" cy="3534176"/>
+            <a:off x="632650" y="1293856"/>
+            <a:ext cx="7878700" cy="4034048"/>
           </a:xfrm>
           <a:prstGeom prst="rect">
             <a:avLst/>
@@ -10287,7 +10764,7 @@
                 <a:cs typeface="Lato"/>
                 <a:sym typeface="Wingdings" panose="05000000000000000000" pitchFamily="2" charset="2"/>
               </a:rPr>
-              <a:t>5.-Comprobamos:</a:t>
+              <a:t>1.- Obtenemos información:</a:t>
             </a:r>
           </a:p>
           <a:p>
@@ -10317,6 +10794,28 @@
                 <a:cs typeface="Lato"/>
                 <a:sym typeface="Wingdings" panose="05000000000000000000" pitchFamily="2" charset="2"/>
               </a:rPr>
+              <a:t>  Detectamos la Interfaz y la información.  </a:t>
+            </a:r>
+            <a:r>
+              <a:rPr lang="es-ES" sz="1800" dirty="0" err="1">
+                <a:solidFill>
+                  <a:srgbClr val="121867"/>
+                </a:solidFill>
+                <a:latin typeface="Lato"/>
+                <a:cs typeface="Lato"/>
+                <a:sym typeface="Wingdings" panose="05000000000000000000" pitchFamily="2" charset="2"/>
+              </a:rPr>
+              <a:t>Gip</a:t>
+            </a:r>
+            <a:r>
+              <a:rPr lang="es-ES" sz="1800" dirty="0">
+                <a:solidFill>
+                  <a:srgbClr val="121867"/>
+                </a:solidFill>
+                <a:latin typeface="Lato"/>
+                <a:cs typeface="Lato"/>
+                <a:sym typeface="Wingdings" panose="05000000000000000000" pitchFamily="2" charset="2"/>
+              </a:rPr>
               <a:t> ethernet</a:t>
             </a:r>
           </a:p>
@@ -10327,264 +10826,421 @@
               </a:buClr>
               <a:buNone/>
             </a:pPr>
-            <a:endParaRPr lang="es-ES" sz="1800" b="1" dirty="0">
+            <a:r>
+              <a:rPr lang="es-ES" sz="1800" b="1" dirty="0">
+                <a:solidFill>
+                  <a:srgbClr val="F33784"/>
+                </a:solidFill>
+                <a:latin typeface="Lato"/>
+                <a:cs typeface="Lato"/>
+                <a:sym typeface="Wingdings" panose="05000000000000000000" pitchFamily="2" charset="2"/>
+              </a:rPr>
+              <a:t>2.- Borramos IP y la puerta de enlace:</a:t>
+            </a:r>
+          </a:p>
+          <a:p>
+            <a:pPr marL="101600" indent="0">
+              <a:buClr>
+                <a:srgbClr val="121867"/>
+              </a:buClr>
+              <a:buNone/>
+            </a:pPr>
+            <a:r>
+              <a:rPr lang="en-US" sz="1800" dirty="0">
+                <a:solidFill>
+                  <a:srgbClr val="121867"/>
+                </a:solidFill>
+                <a:latin typeface="Lato"/>
+                <a:cs typeface="Lato"/>
+                <a:sym typeface="Wingdings" panose="05000000000000000000" pitchFamily="2" charset="2"/>
+              </a:rPr>
+              <a:t>Remove-</a:t>
+            </a:r>
+            <a:r>
+              <a:rPr lang="en-US" sz="1800" dirty="0" err="1">
+                <a:solidFill>
+                  <a:srgbClr val="121867"/>
+                </a:solidFill>
+                <a:latin typeface="Lato"/>
+                <a:cs typeface="Lato"/>
+                <a:sym typeface="Wingdings" panose="05000000000000000000" pitchFamily="2" charset="2"/>
+              </a:rPr>
+              <a:t>NetIPAddress</a:t>
+            </a:r>
+            <a:r>
+              <a:rPr lang="en-US" sz="1800" dirty="0">
+                <a:solidFill>
+                  <a:srgbClr val="121867"/>
+                </a:solidFill>
+                <a:latin typeface="Lato"/>
+                <a:cs typeface="Lato"/>
+                <a:sym typeface="Wingdings" panose="05000000000000000000" pitchFamily="2" charset="2"/>
+              </a:rPr>
+              <a:t> –</a:t>
+            </a:r>
+            <a:r>
+              <a:rPr lang="en-US" sz="1800" dirty="0" err="1">
+                <a:solidFill>
+                  <a:srgbClr val="121867"/>
+                </a:solidFill>
+                <a:latin typeface="Lato"/>
+                <a:cs typeface="Lato"/>
+                <a:sym typeface="Wingdings" panose="05000000000000000000" pitchFamily="2" charset="2"/>
+              </a:rPr>
+              <a:t>InterfaceAlias</a:t>
+            </a:r>
+            <a:r>
+              <a:rPr lang="en-US" sz="1800" dirty="0">
+                <a:solidFill>
+                  <a:srgbClr val="121867"/>
+                </a:solidFill>
+                <a:latin typeface="Lato"/>
+                <a:cs typeface="Lato"/>
+                <a:sym typeface="Wingdings" panose="05000000000000000000" pitchFamily="2" charset="2"/>
+              </a:rPr>
+              <a:t>  Ethernet -Confirm:$false</a:t>
+            </a:r>
+          </a:p>
+          <a:p>
+            <a:pPr marL="101600" indent="0">
+              <a:buClr>
+                <a:srgbClr val="121867"/>
+              </a:buClr>
+              <a:buNone/>
+            </a:pPr>
+            <a:r>
+              <a:rPr lang="es-ES" sz="1800" dirty="0" err="1">
+                <a:solidFill>
+                  <a:srgbClr val="121867"/>
+                </a:solidFill>
+                <a:latin typeface="Lato"/>
+                <a:cs typeface="Lato"/>
+                <a:sym typeface="Wingdings" panose="05000000000000000000" pitchFamily="2" charset="2"/>
+              </a:rPr>
+              <a:t>Remove-NetRoute</a:t>
+            </a:r>
+            <a:r>
+              <a:rPr lang="es-ES" sz="1800" dirty="0">
+                <a:solidFill>
+                  <a:srgbClr val="121867"/>
+                </a:solidFill>
+                <a:latin typeface="Lato"/>
+                <a:cs typeface="Lato"/>
+                <a:sym typeface="Wingdings" panose="05000000000000000000" pitchFamily="2" charset="2"/>
+              </a:rPr>
+              <a:t> -</a:t>
+            </a:r>
+            <a:r>
+              <a:rPr lang="es-ES" sz="1800" dirty="0" err="1">
+                <a:solidFill>
+                  <a:srgbClr val="121867"/>
+                </a:solidFill>
+                <a:latin typeface="Lato"/>
+                <a:cs typeface="Lato"/>
+                <a:sym typeface="Wingdings" panose="05000000000000000000" pitchFamily="2" charset="2"/>
+              </a:rPr>
+              <a:t>InterfaceAlias</a:t>
+            </a:r>
+            <a:r>
+              <a:rPr lang="es-ES" sz="1800" dirty="0">
+                <a:solidFill>
+                  <a:srgbClr val="121867"/>
+                </a:solidFill>
+                <a:latin typeface="Lato"/>
+                <a:cs typeface="Lato"/>
+                <a:sym typeface="Wingdings" panose="05000000000000000000" pitchFamily="2" charset="2"/>
+              </a:rPr>
+              <a:t> Ethernet -</a:t>
+            </a:r>
+            <a:r>
+              <a:rPr lang="es-ES" sz="1800" dirty="0" err="1">
+                <a:solidFill>
+                  <a:srgbClr val="121867"/>
+                </a:solidFill>
+                <a:latin typeface="Lato"/>
+                <a:cs typeface="Lato"/>
+                <a:sym typeface="Wingdings" panose="05000000000000000000" pitchFamily="2" charset="2"/>
+              </a:rPr>
+              <a:t>Confirm</a:t>
+            </a:r>
+            <a:r>
+              <a:rPr lang="es-ES" sz="1800" dirty="0">
+                <a:solidFill>
+                  <a:srgbClr val="121867"/>
+                </a:solidFill>
+                <a:latin typeface="Lato"/>
+                <a:cs typeface="Lato"/>
+                <a:sym typeface="Wingdings" panose="05000000000000000000" pitchFamily="2" charset="2"/>
+              </a:rPr>
+              <a:t>:$false</a:t>
+            </a:r>
+          </a:p>
+          <a:p>
+            <a:pPr marL="101600" indent="0">
+              <a:buClr>
+                <a:srgbClr val="121867"/>
+              </a:buClr>
+              <a:buNone/>
+            </a:pPr>
+            <a:r>
+              <a:rPr lang="es-ES" sz="1800" b="1" dirty="0">
+                <a:solidFill>
+                  <a:srgbClr val="F33784"/>
+                </a:solidFill>
+                <a:latin typeface="Lato"/>
+                <a:cs typeface="Lato"/>
+                <a:sym typeface="Wingdings" panose="05000000000000000000" pitchFamily="2" charset="2"/>
+              </a:rPr>
+              <a:t>3.- Establecemos la nueva IP:</a:t>
+            </a:r>
+          </a:p>
+          <a:p>
+            <a:pPr marL="101600" indent="0">
+              <a:buClr>
+                <a:srgbClr val="121867"/>
+              </a:buClr>
+              <a:buNone/>
+            </a:pPr>
+            <a:r>
+              <a:rPr lang="es-ES" sz="1800" dirty="0">
+                <a:solidFill>
+                  <a:srgbClr val="121867"/>
+                </a:solidFill>
+                <a:latin typeface="Lato"/>
+                <a:cs typeface="Lato"/>
+                <a:sym typeface="Wingdings" panose="05000000000000000000" pitchFamily="2" charset="2"/>
+              </a:rPr>
+              <a:t>New-</a:t>
+            </a:r>
+            <a:r>
+              <a:rPr lang="es-ES" sz="1800" dirty="0" err="1">
+                <a:solidFill>
+                  <a:srgbClr val="121867"/>
+                </a:solidFill>
+                <a:latin typeface="Lato"/>
+                <a:cs typeface="Lato"/>
+                <a:sym typeface="Wingdings" panose="05000000000000000000" pitchFamily="2" charset="2"/>
+              </a:rPr>
+              <a:t>NetIPAddress</a:t>
+            </a:r>
+            <a:r>
+              <a:rPr lang="es-ES" sz="1800" dirty="0">
+                <a:solidFill>
+                  <a:srgbClr val="121867"/>
+                </a:solidFill>
+                <a:latin typeface="Lato"/>
+                <a:cs typeface="Lato"/>
+                <a:sym typeface="Wingdings" panose="05000000000000000000" pitchFamily="2" charset="2"/>
+              </a:rPr>
+              <a:t> -</a:t>
+            </a:r>
+            <a:r>
+              <a:rPr lang="es-ES" sz="1800" dirty="0" err="1">
+                <a:solidFill>
+                  <a:srgbClr val="121867"/>
+                </a:solidFill>
+                <a:latin typeface="Lato"/>
+                <a:cs typeface="Lato"/>
+                <a:sym typeface="Wingdings" panose="05000000000000000000" pitchFamily="2" charset="2"/>
+              </a:rPr>
+              <a:t>InterfaceAlias</a:t>
+            </a:r>
+            <a:r>
+              <a:rPr lang="es-ES" sz="1800" dirty="0">
+                <a:solidFill>
+                  <a:srgbClr val="121867"/>
+                </a:solidFill>
+                <a:latin typeface="Lato"/>
+                <a:cs typeface="Lato"/>
+                <a:sym typeface="Wingdings" panose="05000000000000000000" pitchFamily="2" charset="2"/>
+              </a:rPr>
+              <a:t> "Ethernet" -</a:t>
+            </a:r>
+            <a:r>
+              <a:rPr lang="es-ES" sz="1800" dirty="0" err="1">
+                <a:solidFill>
+                  <a:srgbClr val="121867"/>
+                </a:solidFill>
+                <a:latin typeface="Lato"/>
+                <a:cs typeface="Lato"/>
+                <a:sym typeface="Wingdings" panose="05000000000000000000" pitchFamily="2" charset="2"/>
+              </a:rPr>
+              <a:t>IPAddress</a:t>
+            </a:r>
+            <a:r>
+              <a:rPr lang="es-ES" sz="1800" dirty="0">
+                <a:solidFill>
+                  <a:srgbClr val="121867"/>
+                </a:solidFill>
+                <a:latin typeface="Lato"/>
+                <a:cs typeface="Lato"/>
+                <a:sym typeface="Wingdings" panose="05000000000000000000" pitchFamily="2" charset="2"/>
+              </a:rPr>
+              <a:t> 192.168.0.5 -</a:t>
+            </a:r>
+            <a:r>
+              <a:rPr lang="es-ES" sz="1800" dirty="0" err="1">
+                <a:solidFill>
+                  <a:srgbClr val="121867"/>
+                </a:solidFill>
+                <a:latin typeface="Lato"/>
+                <a:cs typeface="Lato"/>
+                <a:sym typeface="Wingdings" panose="05000000000000000000" pitchFamily="2" charset="2"/>
+              </a:rPr>
+              <a:t>PrefixLength</a:t>
+            </a:r>
+            <a:r>
+              <a:rPr lang="es-ES" sz="1800" dirty="0">
+                <a:solidFill>
+                  <a:srgbClr val="121867"/>
+                </a:solidFill>
+                <a:latin typeface="Lato"/>
+                <a:cs typeface="Lato"/>
+                <a:sym typeface="Wingdings" panose="05000000000000000000" pitchFamily="2" charset="2"/>
+              </a:rPr>
+              <a:t> 24 -</a:t>
+            </a:r>
+            <a:r>
+              <a:rPr lang="es-ES" sz="1800" dirty="0" err="1">
+                <a:solidFill>
+                  <a:srgbClr val="121867"/>
+                </a:solidFill>
+                <a:latin typeface="Lato"/>
+                <a:cs typeface="Lato"/>
+                <a:sym typeface="Wingdings" panose="05000000000000000000" pitchFamily="2" charset="2"/>
+              </a:rPr>
+              <a:t>DefaultGateway</a:t>
+            </a:r>
+            <a:r>
+              <a:rPr lang="es-ES" sz="1800" dirty="0">
+                <a:solidFill>
+                  <a:srgbClr val="121867"/>
+                </a:solidFill>
+                <a:latin typeface="Lato"/>
+                <a:cs typeface="Lato"/>
+                <a:sym typeface="Wingdings" panose="05000000000000000000" pitchFamily="2" charset="2"/>
+              </a:rPr>
+              <a:t> 192.168.0.1</a:t>
+            </a:r>
+          </a:p>
+          <a:p>
+            <a:pPr marL="101600" indent="0">
+              <a:buClr>
+                <a:srgbClr val="121867"/>
+              </a:buClr>
+              <a:buNone/>
+            </a:pPr>
+            <a:r>
+              <a:rPr lang="es-ES" sz="1800" b="1" dirty="0">
+                <a:solidFill>
+                  <a:srgbClr val="F33784"/>
+                </a:solidFill>
+                <a:latin typeface="Lato"/>
+                <a:cs typeface="Lato"/>
+                <a:sym typeface="Wingdings" panose="05000000000000000000" pitchFamily="2" charset="2"/>
+              </a:rPr>
+              <a:t>4.- Establecemos DNS:</a:t>
+            </a:r>
+          </a:p>
+          <a:p>
+            <a:pPr marL="101600" indent="0">
+              <a:buClr>
+                <a:srgbClr val="121867"/>
+              </a:buClr>
+              <a:buNone/>
+            </a:pPr>
+            <a:r>
+              <a:rPr lang="en-US" sz="1800" dirty="0">
+                <a:solidFill>
+                  <a:srgbClr val="121867"/>
+                </a:solidFill>
+                <a:latin typeface="Lato"/>
+                <a:cs typeface="Lato"/>
+                <a:sym typeface="Wingdings" panose="05000000000000000000" pitchFamily="2" charset="2"/>
+              </a:rPr>
+              <a:t>Set-</a:t>
+            </a:r>
+            <a:r>
+              <a:rPr lang="en-US" sz="1800" dirty="0" err="1">
+                <a:solidFill>
+                  <a:srgbClr val="121867"/>
+                </a:solidFill>
+                <a:latin typeface="Lato"/>
+                <a:cs typeface="Lato"/>
+                <a:sym typeface="Wingdings" panose="05000000000000000000" pitchFamily="2" charset="2"/>
+              </a:rPr>
+              <a:t>DnsClientServerAddress</a:t>
+            </a:r>
+            <a:r>
+              <a:rPr lang="en-US" sz="1800" dirty="0">
+                <a:solidFill>
+                  <a:srgbClr val="121867"/>
+                </a:solidFill>
+                <a:latin typeface="Lato"/>
+                <a:cs typeface="Lato"/>
+                <a:sym typeface="Wingdings" panose="05000000000000000000" pitchFamily="2" charset="2"/>
+              </a:rPr>
+              <a:t> -</a:t>
+            </a:r>
+            <a:r>
+              <a:rPr lang="en-US" sz="1800" dirty="0" err="1">
+                <a:solidFill>
+                  <a:srgbClr val="121867"/>
+                </a:solidFill>
+                <a:latin typeface="Lato"/>
+                <a:cs typeface="Lato"/>
+                <a:sym typeface="Wingdings" panose="05000000000000000000" pitchFamily="2" charset="2"/>
+              </a:rPr>
+              <a:t>InterfaceAlias</a:t>
+            </a:r>
+            <a:r>
+              <a:rPr lang="en-US" sz="1800" dirty="0">
+                <a:solidFill>
+                  <a:srgbClr val="121867"/>
+                </a:solidFill>
+                <a:latin typeface="Lato"/>
+                <a:cs typeface="Lato"/>
+                <a:sym typeface="Wingdings" panose="05000000000000000000" pitchFamily="2" charset="2"/>
+              </a:rPr>
+              <a:t> "Ethernet" -</a:t>
+            </a:r>
+            <a:r>
+              <a:rPr lang="en-US" sz="1800" dirty="0" err="1">
+                <a:solidFill>
+                  <a:srgbClr val="121867"/>
+                </a:solidFill>
+                <a:latin typeface="Lato"/>
+                <a:cs typeface="Lato"/>
+                <a:sym typeface="Wingdings" panose="05000000000000000000" pitchFamily="2" charset="2"/>
+              </a:rPr>
+              <a:t>ServerAddresses</a:t>
+            </a:r>
+            <a:r>
+              <a:rPr lang="en-US" sz="1800" dirty="0">
+                <a:solidFill>
+                  <a:srgbClr val="121867"/>
+                </a:solidFill>
+                <a:latin typeface="Lato"/>
+                <a:cs typeface="Lato"/>
+                <a:sym typeface="Wingdings" panose="05000000000000000000" pitchFamily="2" charset="2"/>
+              </a:rPr>
+              <a:t> 8.8.8.8, 8.8.4.4</a:t>
+            </a:r>
+            <a:endParaRPr lang="es-ES" sz="1800" dirty="0">
               <a:solidFill>
-                <a:srgbClr val="F33784"/>
+                <a:srgbClr val="121867"/>
               </a:solidFill>
               <a:latin typeface="Lato"/>
               <a:cs typeface="Lato"/>
               <a:sym typeface="Wingdings" panose="05000000000000000000" pitchFamily="2" charset="2"/>
             </a:endParaRPr>
           </a:p>
-          <a:p>
-            <a:pPr marL="101600" indent="0">
-              <a:buClr>
-                <a:srgbClr val="121867"/>
-              </a:buClr>
-              <a:buNone/>
-            </a:pPr>
-            <a:r>
-              <a:rPr lang="es-ES" sz="1800" b="1" dirty="0">
-                <a:solidFill>
-                  <a:srgbClr val="F33784"/>
-                </a:solidFill>
-                <a:latin typeface="Lato"/>
-                <a:cs typeface="Lato"/>
-                <a:sym typeface="Wingdings" panose="05000000000000000000" pitchFamily="2" charset="2"/>
-              </a:rPr>
-              <a:t>6.- Si es necesario , reiniciamos el adaptador:</a:t>
-            </a:r>
-          </a:p>
-          <a:p>
-            <a:pPr marL="101600" indent="0">
-              <a:buClr>
-                <a:srgbClr val="121867"/>
-              </a:buClr>
-              <a:buNone/>
-            </a:pPr>
-            <a:r>
-              <a:rPr lang="es-ES" sz="1800" dirty="0" err="1">
-                <a:solidFill>
-                  <a:srgbClr val="121867"/>
-                </a:solidFill>
-                <a:latin typeface="Lato"/>
-                <a:cs typeface="Lato"/>
-                <a:sym typeface="Wingdings" panose="05000000000000000000" pitchFamily="2" charset="2"/>
-              </a:rPr>
-              <a:t>Restart-NetAdapter</a:t>
-            </a:r>
-            <a:r>
-              <a:rPr lang="es-ES" sz="1800" dirty="0">
-                <a:solidFill>
-                  <a:srgbClr val="121867"/>
-                </a:solidFill>
-                <a:latin typeface="Lato"/>
-                <a:cs typeface="Lato"/>
-                <a:sym typeface="Wingdings" panose="05000000000000000000" pitchFamily="2" charset="2"/>
-              </a:rPr>
-              <a:t> -</a:t>
-            </a:r>
-            <a:r>
-              <a:rPr lang="es-ES" sz="1800" dirty="0" err="1">
-                <a:solidFill>
-                  <a:srgbClr val="121867"/>
-                </a:solidFill>
-                <a:latin typeface="Lato"/>
-                <a:cs typeface="Lato"/>
-                <a:sym typeface="Wingdings" panose="05000000000000000000" pitchFamily="2" charset="2"/>
-              </a:rPr>
-              <a:t>Name</a:t>
-            </a:r>
-            <a:r>
-              <a:rPr lang="es-ES" sz="1800" dirty="0">
-                <a:solidFill>
-                  <a:srgbClr val="121867"/>
-                </a:solidFill>
-                <a:latin typeface="Lato"/>
-                <a:cs typeface="Lato"/>
-                <a:sym typeface="Wingdings" panose="05000000000000000000" pitchFamily="2" charset="2"/>
-              </a:rPr>
-              <a:t> "Ethernet"</a:t>
-            </a:r>
-          </a:p>
         </p:txBody>
       </p:sp>
     </p:spTree>
     <p:extLst>
       <p:ext uri="{BB962C8B-B14F-4D97-AF65-F5344CB8AC3E}">
-        <p14:creationId xmlns:p14="http://schemas.microsoft.com/office/powerpoint/2010/main" val="1783029835"/>
-      </p:ext>
-    </p:extLst>
-  </p:cSld>
-  <p:clrMapOvr>
-    <a:masterClrMapping/>
-  </p:clrMapOvr>
-</p:sld>
-</file>
-
-<file path=ppt/slides/slide21.xml><?xml version="1.0" encoding="utf-8"?>
-<p:sld xmlns:a="http://schemas.openxmlformats.org/drawingml/2006/main" xmlns:r="http://schemas.openxmlformats.org/officeDocument/2006/relationships" xmlns:p="http://schemas.openxmlformats.org/presentationml/2006/main">
-  <p:cSld>
-    <p:spTree>
-      <p:nvGrpSpPr>
-        <p:cNvPr id="1" name="Shape 78"/>
-        <p:cNvGrpSpPr/>
-        <p:nvPr/>
-      </p:nvGrpSpPr>
-      <p:grpSpPr>
-        <a:xfrm>
-          <a:off x="0" y="0"/>
-          <a:ext cx="0" cy="0"/>
-          <a:chOff x="0" y="0"/>
-          <a:chExt cx="0" cy="0"/>
-        </a:xfrm>
-      </p:grpSpPr>
-      <p:sp>
-        <p:nvSpPr>
-          <p:cNvPr id="79" name="Google Shape;79;p16"/>
-          <p:cNvSpPr txBox="1">
-            <a:spLocks noGrp="1"/>
-          </p:cNvSpPr>
-          <p:nvPr>
-            <p:ph type="ctrTitle"/>
-          </p:nvPr>
-        </p:nvSpPr>
-        <p:spPr>
-          <a:xfrm>
-            <a:off x="648300" y="1354750"/>
-            <a:ext cx="3522300" cy="2989800"/>
-          </a:xfrm>
-          <a:prstGeom prst="rect">
-            <a:avLst/>
-          </a:prstGeom>
-        </p:spPr>
-        <p:txBody>
-          <a:bodyPr spcFirstLastPara="1" wrap="square" lIns="91425" tIns="91425" rIns="91425" bIns="91425" anchor="b" anchorCtr="0">
-            <a:noAutofit/>
-          </a:bodyPr>
-          <a:lstStyle/>
-          <a:p>
-            <a:pPr marL="0" lvl="0" indent="0" algn="l" rtl="0">
-              <a:spcBef>
-                <a:spcPts val="0"/>
-              </a:spcBef>
-              <a:spcAft>
-                <a:spcPts val="0"/>
-              </a:spcAft>
-              <a:buNone/>
-            </a:pPr>
-            <a:r>
-              <a:rPr lang="en" sz="7200" dirty="0">
-                <a:solidFill>
-                  <a:srgbClr val="F33784"/>
-                </a:solidFill>
-                <a:latin typeface="Lato"/>
-                <a:ea typeface="Lato"/>
-                <a:cs typeface="Lato"/>
-                <a:sym typeface="Lato"/>
-              </a:rPr>
-              <a:t>5.</a:t>
-            </a:r>
-            <a:endParaRPr sz="7200" dirty="0">
-              <a:solidFill>
-                <a:srgbClr val="F33784"/>
-              </a:solidFill>
-              <a:latin typeface="Lato"/>
-              <a:ea typeface="Lato"/>
-              <a:cs typeface="Lato"/>
-              <a:sym typeface="Lato"/>
-            </a:endParaRPr>
-          </a:p>
-          <a:p>
-            <a:pPr marL="0" lvl="0" indent="0" algn="l" rtl="0">
-              <a:spcBef>
-                <a:spcPts val="0"/>
-              </a:spcBef>
-              <a:spcAft>
-                <a:spcPts val="0"/>
-              </a:spcAft>
-              <a:buNone/>
-            </a:pPr>
-            <a:r>
-              <a:rPr lang="es-ES" dirty="0">
-                <a:solidFill>
-                  <a:srgbClr val="121867"/>
-                </a:solidFill>
-                <a:latin typeface="Lato"/>
-                <a:ea typeface="Lato"/>
-                <a:cs typeface="Lato"/>
-                <a:sym typeface="Lato"/>
-              </a:rPr>
-              <a:t>Configuración dinámica.</a:t>
-            </a:r>
-            <a:endParaRPr dirty="0">
-              <a:solidFill>
-                <a:srgbClr val="121867"/>
-              </a:solidFill>
-              <a:latin typeface="Lato"/>
-              <a:ea typeface="Lato"/>
-              <a:cs typeface="Lato"/>
-              <a:sym typeface="Lato"/>
-            </a:endParaRPr>
-          </a:p>
-        </p:txBody>
-      </p:sp>
-      <p:sp>
-        <p:nvSpPr>
-          <p:cNvPr id="80" name="Google Shape;80;p16"/>
-          <p:cNvSpPr txBox="1">
-            <a:spLocks noGrp="1"/>
-          </p:cNvSpPr>
-          <p:nvPr>
-            <p:ph type="subTitle" idx="1"/>
-          </p:nvPr>
-        </p:nvSpPr>
-        <p:spPr>
-          <a:xfrm>
-            <a:off x="6724950" y="3265700"/>
-            <a:ext cx="1906200" cy="1031700"/>
-          </a:xfrm>
-          <a:prstGeom prst="rect">
-            <a:avLst/>
-          </a:prstGeom>
-        </p:spPr>
-        <p:txBody>
-          <a:bodyPr spcFirstLastPara="1" wrap="square" lIns="91425" tIns="91425" rIns="91425" bIns="91425" anchor="b" anchorCtr="0">
-            <a:noAutofit/>
-          </a:bodyPr>
-          <a:lstStyle/>
-          <a:p>
-            <a:pPr marL="0" lvl="0" indent="0" algn="r" rtl="0">
-              <a:spcBef>
-                <a:spcPts val="0"/>
-              </a:spcBef>
-              <a:spcAft>
-                <a:spcPts val="0"/>
-              </a:spcAft>
-              <a:buNone/>
-            </a:pPr>
-            <a:r>
-              <a:rPr lang="es-ES" dirty="0">
-                <a:latin typeface="Lato"/>
-                <a:ea typeface="Lato"/>
-                <a:cs typeface="Lato"/>
-                <a:sym typeface="Lato"/>
-              </a:rPr>
-              <a:t>Comencemos</a:t>
-            </a:r>
-            <a:endParaRPr dirty="0">
-              <a:latin typeface="Lato"/>
-              <a:ea typeface="Lato"/>
-              <a:cs typeface="Lato"/>
-              <a:sym typeface="Lato"/>
-            </a:endParaRPr>
-          </a:p>
-        </p:txBody>
-      </p:sp>
-    </p:spTree>
-    <p:extLst>
-      <p:ext uri="{BB962C8B-B14F-4D97-AF65-F5344CB8AC3E}">
-        <p14:creationId xmlns:p14="http://schemas.microsoft.com/office/powerpoint/2010/main" val="382095343"/>
+        <p14:creationId xmlns:p14="http://schemas.microsoft.com/office/powerpoint/2010/main" val="3922613256"/>
       </p:ext>
     </p:extLst>
   </p:cSld>
@@ -10655,7 +11311,7 @@
                 <a:cs typeface="Lato"/>
                 <a:sym typeface="Lato"/>
               </a:rPr>
-              <a:t>5.- </a:t>
+              <a:t>4.- </a:t>
             </a:r>
             <a:r>
               <a:rPr lang="es-ES" dirty="0">
@@ -10667,565 +11323,7 @@
                 <a:cs typeface="Lato"/>
                 <a:sym typeface="Lato"/>
               </a:rPr>
-              <a:t>Configuración dinámica.</a:t>
-            </a:r>
-            <a:endParaRPr dirty="0">
-              <a:solidFill>
-                <a:srgbClr val="121867"/>
-              </a:solidFill>
-              <a:latin typeface="Lato"/>
-              <a:ea typeface="Lato"/>
-              <a:cs typeface="Lato"/>
-              <a:sym typeface="Lato"/>
-            </a:endParaRPr>
-          </a:p>
-        </p:txBody>
-      </p:sp>
-      <p:sp>
-        <p:nvSpPr>
-          <p:cNvPr id="91" name="Google Shape;91;p18"/>
-          <p:cNvSpPr txBox="1">
-            <a:spLocks noGrp="1"/>
-          </p:cNvSpPr>
-          <p:nvPr>
-            <p:ph type="body" idx="1"/>
-          </p:nvPr>
-        </p:nvSpPr>
-        <p:spPr>
-          <a:xfrm>
-            <a:off x="631316" y="1379200"/>
-            <a:ext cx="8512684" cy="4034048"/>
-          </a:xfrm>
-          <a:prstGeom prst="rect">
-            <a:avLst/>
-          </a:prstGeom>
-        </p:spPr>
-        <p:txBody>
-          <a:bodyPr spcFirstLastPara="1" wrap="square" lIns="91425" tIns="91425" rIns="91425" bIns="91425" anchor="t" anchorCtr="0">
-            <a:noAutofit/>
-          </a:bodyPr>
-          <a:lstStyle/>
-          <a:p>
-            <a:pPr marL="101600" indent="0">
-              <a:buClr>
-                <a:srgbClr val="121867"/>
-              </a:buClr>
-              <a:buNone/>
-            </a:pPr>
-            <a:r>
-              <a:rPr lang="es-ES" sz="1800" b="1" dirty="0">
-                <a:solidFill>
-                  <a:srgbClr val="F33784"/>
-                </a:solidFill>
-                <a:latin typeface="Lato"/>
-                <a:cs typeface="Lato"/>
-                <a:sym typeface="Wingdings" panose="05000000000000000000" pitchFamily="2" charset="2"/>
-              </a:rPr>
-              <a:t>1.- Obtenemos información:</a:t>
-            </a:r>
-          </a:p>
-          <a:p>
-            <a:pPr marL="101600" indent="0">
-              <a:buClr>
-                <a:srgbClr val="121867"/>
-              </a:buClr>
-              <a:buNone/>
-            </a:pPr>
-            <a:r>
-              <a:rPr lang="es-ES" sz="1800" dirty="0" err="1">
-                <a:solidFill>
-                  <a:srgbClr val="121867"/>
-                </a:solidFill>
-                <a:latin typeface="Lato"/>
-                <a:cs typeface="Lato"/>
-                <a:sym typeface="Wingdings" panose="05000000000000000000" pitchFamily="2" charset="2"/>
-              </a:rPr>
-              <a:t>Gip</a:t>
-            </a:r>
-            <a:r>
-              <a:rPr lang="es-ES" sz="1800" dirty="0">
-                <a:solidFill>
-                  <a:srgbClr val="121867"/>
-                </a:solidFill>
-                <a:latin typeface="Lato"/>
-                <a:cs typeface="Lato"/>
-                <a:sym typeface="Wingdings" panose="05000000000000000000" pitchFamily="2" charset="2"/>
-              </a:rPr>
-              <a:t>  Detectamos la Interfaz y la información.  </a:t>
-            </a:r>
-            <a:r>
-              <a:rPr lang="es-ES" sz="1800" dirty="0" err="1">
-                <a:solidFill>
-                  <a:srgbClr val="121867"/>
-                </a:solidFill>
-                <a:latin typeface="Lato"/>
-                <a:cs typeface="Lato"/>
-                <a:sym typeface="Wingdings" panose="05000000000000000000" pitchFamily="2" charset="2"/>
-              </a:rPr>
-              <a:t>Gip</a:t>
-            </a:r>
-            <a:r>
-              <a:rPr lang="es-ES" sz="1800" dirty="0">
-                <a:solidFill>
-                  <a:srgbClr val="121867"/>
-                </a:solidFill>
-                <a:latin typeface="Lato"/>
-                <a:cs typeface="Lato"/>
-                <a:sym typeface="Wingdings" panose="05000000000000000000" pitchFamily="2" charset="2"/>
-              </a:rPr>
-              <a:t> ethernet</a:t>
-            </a:r>
-          </a:p>
-          <a:p>
-            <a:pPr marL="101600" indent="0">
-              <a:buClr>
-                <a:srgbClr val="121867"/>
-              </a:buClr>
-              <a:buNone/>
-            </a:pPr>
-            <a:r>
-              <a:rPr lang="es-ES" sz="1800" b="1" dirty="0">
-                <a:solidFill>
-                  <a:srgbClr val="F33784"/>
-                </a:solidFill>
-                <a:latin typeface="Lato"/>
-                <a:cs typeface="Lato"/>
-                <a:sym typeface="Wingdings" panose="05000000000000000000" pitchFamily="2" charset="2"/>
-              </a:rPr>
-              <a:t>2.- Borramos IP y la puerta de enlace:</a:t>
-            </a:r>
-          </a:p>
-          <a:p>
-            <a:pPr marL="101600" indent="0">
-              <a:buClr>
-                <a:srgbClr val="121867"/>
-              </a:buClr>
-              <a:buNone/>
-            </a:pPr>
-            <a:r>
-              <a:rPr lang="en-US" sz="1800" dirty="0">
-                <a:solidFill>
-                  <a:srgbClr val="121867"/>
-                </a:solidFill>
-                <a:latin typeface="Lato"/>
-                <a:cs typeface="Lato"/>
-                <a:sym typeface="Wingdings" panose="05000000000000000000" pitchFamily="2" charset="2"/>
-              </a:rPr>
-              <a:t>Remove-</a:t>
-            </a:r>
-            <a:r>
-              <a:rPr lang="en-US" sz="1800" dirty="0" err="1">
-                <a:solidFill>
-                  <a:srgbClr val="121867"/>
-                </a:solidFill>
-                <a:latin typeface="Lato"/>
-                <a:cs typeface="Lato"/>
-                <a:sym typeface="Wingdings" panose="05000000000000000000" pitchFamily="2" charset="2"/>
-              </a:rPr>
-              <a:t>NetIPAddress</a:t>
-            </a:r>
-            <a:r>
-              <a:rPr lang="en-US" sz="1800" dirty="0">
-                <a:solidFill>
-                  <a:srgbClr val="121867"/>
-                </a:solidFill>
-                <a:latin typeface="Lato"/>
-                <a:cs typeface="Lato"/>
-                <a:sym typeface="Wingdings" panose="05000000000000000000" pitchFamily="2" charset="2"/>
-              </a:rPr>
-              <a:t> –</a:t>
-            </a:r>
-            <a:r>
-              <a:rPr lang="en-US" sz="1800" dirty="0" err="1">
-                <a:solidFill>
-                  <a:srgbClr val="121867"/>
-                </a:solidFill>
-                <a:latin typeface="Lato"/>
-                <a:cs typeface="Lato"/>
-                <a:sym typeface="Wingdings" panose="05000000000000000000" pitchFamily="2" charset="2"/>
-              </a:rPr>
-              <a:t>InterfaceAlias</a:t>
-            </a:r>
-            <a:r>
-              <a:rPr lang="en-US" sz="1800" dirty="0">
-                <a:solidFill>
-                  <a:srgbClr val="121867"/>
-                </a:solidFill>
-                <a:latin typeface="Lato"/>
-                <a:cs typeface="Lato"/>
-                <a:sym typeface="Wingdings" panose="05000000000000000000" pitchFamily="2" charset="2"/>
-              </a:rPr>
-              <a:t>  Ethernet -Confirm:$false</a:t>
-            </a:r>
-          </a:p>
-          <a:p>
-            <a:pPr marL="101600" indent="0">
-              <a:buClr>
-                <a:srgbClr val="121867"/>
-              </a:buClr>
-              <a:buNone/>
-            </a:pPr>
-            <a:r>
-              <a:rPr lang="es-ES" sz="1800" dirty="0" err="1">
-                <a:solidFill>
-                  <a:srgbClr val="121867"/>
-                </a:solidFill>
-                <a:latin typeface="Lato"/>
-                <a:cs typeface="Lato"/>
-                <a:sym typeface="Wingdings" panose="05000000000000000000" pitchFamily="2" charset="2"/>
-              </a:rPr>
-              <a:t>Remove-NetRoute</a:t>
-            </a:r>
-            <a:r>
-              <a:rPr lang="es-ES" sz="1800" dirty="0">
-                <a:solidFill>
-                  <a:srgbClr val="121867"/>
-                </a:solidFill>
-                <a:latin typeface="Lato"/>
-                <a:cs typeface="Lato"/>
-                <a:sym typeface="Wingdings" panose="05000000000000000000" pitchFamily="2" charset="2"/>
-              </a:rPr>
-              <a:t> -</a:t>
-            </a:r>
-            <a:r>
-              <a:rPr lang="es-ES" sz="1800" dirty="0" err="1">
-                <a:solidFill>
-                  <a:srgbClr val="121867"/>
-                </a:solidFill>
-                <a:latin typeface="Lato"/>
-                <a:cs typeface="Lato"/>
-                <a:sym typeface="Wingdings" panose="05000000000000000000" pitchFamily="2" charset="2"/>
-              </a:rPr>
-              <a:t>InterfaceAlias</a:t>
-            </a:r>
-            <a:r>
-              <a:rPr lang="es-ES" sz="1800" dirty="0">
-                <a:solidFill>
-                  <a:srgbClr val="121867"/>
-                </a:solidFill>
-                <a:latin typeface="Lato"/>
-                <a:cs typeface="Lato"/>
-                <a:sym typeface="Wingdings" panose="05000000000000000000" pitchFamily="2" charset="2"/>
-              </a:rPr>
-              <a:t> Ethernet -</a:t>
-            </a:r>
-            <a:r>
-              <a:rPr lang="es-ES" sz="1800" dirty="0" err="1">
-                <a:solidFill>
-                  <a:srgbClr val="121867"/>
-                </a:solidFill>
-                <a:latin typeface="Lato"/>
-                <a:cs typeface="Lato"/>
-                <a:sym typeface="Wingdings" panose="05000000000000000000" pitchFamily="2" charset="2"/>
-              </a:rPr>
-              <a:t>Confirm</a:t>
-            </a:r>
-            <a:r>
-              <a:rPr lang="es-ES" sz="1800" dirty="0">
-                <a:solidFill>
-                  <a:srgbClr val="121867"/>
-                </a:solidFill>
-                <a:latin typeface="Lato"/>
-                <a:cs typeface="Lato"/>
-                <a:sym typeface="Wingdings" panose="05000000000000000000" pitchFamily="2" charset="2"/>
-              </a:rPr>
-              <a:t>:$false</a:t>
-            </a:r>
-          </a:p>
-          <a:p>
-            <a:pPr marL="101600" indent="0">
-              <a:buClr>
-                <a:srgbClr val="121867"/>
-              </a:buClr>
-              <a:buNone/>
-            </a:pPr>
-            <a:r>
-              <a:rPr lang="es-ES" sz="1800" b="1" dirty="0">
-                <a:solidFill>
-                  <a:srgbClr val="F33784"/>
-                </a:solidFill>
-                <a:latin typeface="Lato"/>
-                <a:cs typeface="Lato"/>
-                <a:sym typeface="Wingdings" panose="05000000000000000000" pitchFamily="2" charset="2"/>
-              </a:rPr>
-              <a:t>3.- Habilitamos DHCP:</a:t>
-            </a:r>
-          </a:p>
-          <a:p>
-            <a:pPr marL="101600" indent="0">
-              <a:buClr>
-                <a:srgbClr val="121867"/>
-              </a:buClr>
-              <a:buNone/>
-            </a:pPr>
-            <a:r>
-              <a:rPr lang="en-US" sz="1800" dirty="0">
-                <a:solidFill>
-                  <a:srgbClr val="121867"/>
-                </a:solidFill>
-                <a:latin typeface="Lato"/>
-                <a:cs typeface="Lato"/>
-                <a:sym typeface="Wingdings" panose="05000000000000000000" pitchFamily="2" charset="2"/>
-              </a:rPr>
-              <a:t>Set-</a:t>
-            </a:r>
-            <a:r>
-              <a:rPr lang="en-US" sz="1800" dirty="0" err="1">
-                <a:solidFill>
-                  <a:srgbClr val="121867"/>
-                </a:solidFill>
-                <a:latin typeface="Lato"/>
-                <a:cs typeface="Lato"/>
-                <a:sym typeface="Wingdings" panose="05000000000000000000" pitchFamily="2" charset="2"/>
-              </a:rPr>
-              <a:t>NetIPInterface</a:t>
-            </a:r>
-            <a:r>
-              <a:rPr lang="en-US" sz="1800" dirty="0">
-                <a:solidFill>
-                  <a:srgbClr val="121867"/>
-                </a:solidFill>
-                <a:latin typeface="Lato"/>
-                <a:cs typeface="Lato"/>
-                <a:sym typeface="Wingdings" panose="05000000000000000000" pitchFamily="2" charset="2"/>
-              </a:rPr>
-              <a:t> -</a:t>
-            </a:r>
-            <a:r>
-              <a:rPr lang="en-US" sz="1800" dirty="0" err="1">
-                <a:solidFill>
-                  <a:srgbClr val="121867"/>
-                </a:solidFill>
-                <a:latin typeface="Lato"/>
-                <a:cs typeface="Lato"/>
-                <a:sym typeface="Wingdings" panose="05000000000000000000" pitchFamily="2" charset="2"/>
-              </a:rPr>
-              <a:t>InterfaceAlias</a:t>
-            </a:r>
-            <a:r>
-              <a:rPr lang="en-US" sz="1800" dirty="0">
-                <a:solidFill>
-                  <a:srgbClr val="121867"/>
-                </a:solidFill>
-                <a:latin typeface="Lato"/>
-                <a:cs typeface="Lato"/>
-                <a:sym typeface="Wingdings" panose="05000000000000000000" pitchFamily="2" charset="2"/>
-              </a:rPr>
-              <a:t> "Ethernet" -</a:t>
-            </a:r>
-            <a:r>
-              <a:rPr lang="en-US" sz="1800" dirty="0" err="1">
-                <a:solidFill>
-                  <a:srgbClr val="121867"/>
-                </a:solidFill>
-                <a:latin typeface="Lato"/>
-                <a:cs typeface="Lato"/>
-                <a:sym typeface="Wingdings" panose="05000000000000000000" pitchFamily="2" charset="2"/>
-              </a:rPr>
-              <a:t>Dhcp</a:t>
-            </a:r>
-            <a:r>
-              <a:rPr lang="en-US" sz="1800" dirty="0">
-                <a:solidFill>
-                  <a:srgbClr val="121867"/>
-                </a:solidFill>
-                <a:latin typeface="Lato"/>
-                <a:cs typeface="Lato"/>
-                <a:sym typeface="Wingdings" panose="05000000000000000000" pitchFamily="2" charset="2"/>
-              </a:rPr>
-              <a:t> Enabled</a:t>
-            </a:r>
-          </a:p>
-          <a:p>
-            <a:pPr marL="101600" indent="0">
-              <a:buClr>
-                <a:srgbClr val="121867"/>
-              </a:buClr>
-              <a:buNone/>
-            </a:pPr>
-            <a:r>
-              <a:rPr lang="es-ES" sz="1800" b="1" dirty="0">
-                <a:solidFill>
-                  <a:srgbClr val="F33784"/>
-                </a:solidFill>
-                <a:latin typeface="Lato"/>
-                <a:cs typeface="Lato"/>
-                <a:sym typeface="Wingdings" panose="05000000000000000000" pitchFamily="2" charset="2"/>
-              </a:rPr>
-              <a:t>4.- Habilitamos DNS automático:</a:t>
-            </a:r>
-          </a:p>
-          <a:p>
-            <a:pPr marL="101600" indent="0">
-              <a:buClr>
-                <a:srgbClr val="121867"/>
-              </a:buClr>
-              <a:buNone/>
-            </a:pPr>
-            <a:r>
-              <a:rPr lang="en-US" sz="1800" dirty="0">
-                <a:solidFill>
-                  <a:srgbClr val="121867"/>
-                </a:solidFill>
-                <a:latin typeface="Lato"/>
-                <a:cs typeface="Lato"/>
-                <a:sym typeface="Wingdings" panose="05000000000000000000" pitchFamily="2" charset="2"/>
-              </a:rPr>
-              <a:t>Set-</a:t>
-            </a:r>
-            <a:r>
-              <a:rPr lang="en-US" sz="1800" dirty="0" err="1">
-                <a:solidFill>
-                  <a:srgbClr val="121867"/>
-                </a:solidFill>
-                <a:latin typeface="Lato"/>
-                <a:cs typeface="Lato"/>
-                <a:sym typeface="Wingdings" panose="05000000000000000000" pitchFamily="2" charset="2"/>
-              </a:rPr>
-              <a:t>DnsClientServerAddress</a:t>
-            </a:r>
-            <a:r>
-              <a:rPr lang="en-US" sz="1800" dirty="0">
-                <a:solidFill>
-                  <a:srgbClr val="121867"/>
-                </a:solidFill>
-                <a:latin typeface="Lato"/>
-                <a:cs typeface="Lato"/>
-                <a:sym typeface="Wingdings" panose="05000000000000000000" pitchFamily="2" charset="2"/>
-              </a:rPr>
-              <a:t> -</a:t>
-            </a:r>
-            <a:r>
-              <a:rPr lang="en-US" sz="1800" dirty="0" err="1">
-                <a:solidFill>
-                  <a:srgbClr val="121867"/>
-                </a:solidFill>
-                <a:latin typeface="Lato"/>
-                <a:cs typeface="Lato"/>
-                <a:sym typeface="Wingdings" panose="05000000000000000000" pitchFamily="2" charset="2"/>
-              </a:rPr>
-              <a:t>InterfaceAlias</a:t>
-            </a:r>
-            <a:r>
-              <a:rPr lang="en-US" sz="1800" dirty="0">
-                <a:solidFill>
-                  <a:srgbClr val="121867"/>
-                </a:solidFill>
-                <a:latin typeface="Lato"/>
-                <a:cs typeface="Lato"/>
-                <a:sym typeface="Wingdings" panose="05000000000000000000" pitchFamily="2" charset="2"/>
-              </a:rPr>
-              <a:t> "Ethernet" -</a:t>
-            </a:r>
-            <a:r>
-              <a:rPr lang="en-US" sz="1800" dirty="0" err="1">
-                <a:solidFill>
-                  <a:srgbClr val="121867"/>
-                </a:solidFill>
-                <a:latin typeface="Lato"/>
-                <a:cs typeface="Lato"/>
-                <a:sym typeface="Wingdings" panose="05000000000000000000" pitchFamily="2" charset="2"/>
-              </a:rPr>
-              <a:t>ResetServerAddresses</a:t>
-            </a:r>
-            <a:endParaRPr lang="es-ES" sz="1800" dirty="0">
-              <a:solidFill>
-                <a:srgbClr val="121867"/>
-              </a:solidFill>
-              <a:latin typeface="Lato"/>
-              <a:cs typeface="Lato"/>
-              <a:sym typeface="Wingdings" panose="05000000000000000000" pitchFamily="2" charset="2"/>
-            </a:endParaRPr>
-          </a:p>
-        </p:txBody>
-      </p:sp>
-    </p:spTree>
-    <p:extLst>
-      <p:ext uri="{BB962C8B-B14F-4D97-AF65-F5344CB8AC3E}">
-        <p14:creationId xmlns:p14="http://schemas.microsoft.com/office/powerpoint/2010/main" val="2468557790"/>
-      </p:ext>
-    </p:extLst>
-  </p:cSld>
-  <p:clrMapOvr>
-    <a:masterClrMapping/>
-  </p:clrMapOvr>
-</p:sld>
-</file>
-
-<file path=ppt/slides/slide23.xml><?xml version="1.0" encoding="utf-8"?>
-<p:sld xmlns:a="http://schemas.openxmlformats.org/drawingml/2006/main" xmlns:r="http://schemas.openxmlformats.org/officeDocument/2006/relationships" xmlns:p="http://schemas.openxmlformats.org/presentationml/2006/main">
-  <p:cSld>
-    <p:spTree>
-      <p:nvGrpSpPr>
-        <p:cNvPr id="1" name="Shape 89"/>
-        <p:cNvGrpSpPr/>
-        <p:nvPr/>
-      </p:nvGrpSpPr>
-      <p:grpSpPr>
-        <a:xfrm>
-          <a:off x="0" y="0"/>
-          <a:ext cx="0" cy="0"/>
-          <a:chOff x="0" y="0"/>
-          <a:chExt cx="0" cy="0"/>
-        </a:xfrm>
-      </p:grpSpPr>
-      <p:sp>
-        <p:nvSpPr>
-          <p:cNvPr id="90" name="Google Shape;90;p18"/>
-          <p:cNvSpPr txBox="1">
-            <a:spLocks noGrp="1"/>
-          </p:cNvSpPr>
-          <p:nvPr>
-            <p:ph type="title"/>
-          </p:nvPr>
-        </p:nvSpPr>
-        <p:spPr>
-          <a:xfrm>
-            <a:off x="838350" y="893500"/>
-            <a:ext cx="5324100" cy="485700"/>
-          </a:xfrm>
-          <a:prstGeom prst="rect">
-            <a:avLst/>
-          </a:prstGeom>
-        </p:spPr>
-        <p:txBody>
-          <a:bodyPr spcFirstLastPara="1" wrap="square" lIns="91425" tIns="91425" rIns="91425" bIns="91425" anchor="b" anchorCtr="0">
-            <a:noAutofit/>
-          </a:bodyPr>
-          <a:lstStyle/>
-          <a:p>
-            <a:pPr marL="0" lvl="0" indent="0" algn="l" rtl="0">
-              <a:spcBef>
-                <a:spcPts val="0"/>
-              </a:spcBef>
-              <a:spcAft>
-                <a:spcPts val="0"/>
-              </a:spcAft>
-              <a:buNone/>
-            </a:pPr>
-            <a:r>
-              <a:rPr lang="en" dirty="0">
-                <a:solidFill>
-                  <a:srgbClr val="121867"/>
-                </a:solidFill>
-                <a:latin typeface="Lato"/>
-                <a:ea typeface="Lato"/>
-                <a:cs typeface="Lato"/>
-                <a:sym typeface="Lato"/>
-              </a:rPr>
-              <a:t>5.- </a:t>
-            </a:r>
-            <a:r>
-              <a:rPr lang="es-ES" dirty="0">
-                <a:solidFill>
-                  <a:srgbClr val="121867"/>
-                </a:solidFill>
-                <a:latin typeface="Lato"/>
-                <a:ea typeface="Lato"/>
-                <a:cs typeface="Lato"/>
-                <a:sym typeface="Lato"/>
-              </a:rPr>
-              <a:t>Configuración dinámica.</a:t>
+              <a:t>Configuración estática.</a:t>
             </a:r>
             <a:endParaRPr dirty="0">
               <a:solidFill>
@@ -11404,7 +11502,179 @@
     </p:spTree>
     <p:extLst>
       <p:ext uri="{BB962C8B-B14F-4D97-AF65-F5344CB8AC3E}">
-        <p14:creationId xmlns:p14="http://schemas.microsoft.com/office/powerpoint/2010/main" val="3876549475"/>
+        <p14:creationId xmlns:p14="http://schemas.microsoft.com/office/powerpoint/2010/main" val="1783029835"/>
+      </p:ext>
+    </p:extLst>
+  </p:cSld>
+  <p:clrMapOvr>
+    <a:masterClrMapping/>
+  </p:clrMapOvr>
+</p:sld>
+</file>
+
+<file path=ppt/slides/slide23.xml><?xml version="1.0" encoding="utf-8"?>
+<p:sld xmlns:a="http://schemas.openxmlformats.org/drawingml/2006/main" xmlns:r="http://schemas.openxmlformats.org/officeDocument/2006/relationships" xmlns:p="http://schemas.openxmlformats.org/presentationml/2006/main">
+  <p:cSld>
+    <p:spTree>
+      <p:nvGrpSpPr>
+        <p:cNvPr id="1" name="Shape 78"/>
+        <p:cNvGrpSpPr/>
+        <p:nvPr/>
+      </p:nvGrpSpPr>
+      <p:grpSpPr>
+        <a:xfrm>
+          <a:off x="0" y="0"/>
+          <a:ext cx="0" cy="0"/>
+          <a:chOff x="0" y="0"/>
+          <a:chExt cx="0" cy="0"/>
+        </a:xfrm>
+      </p:grpSpPr>
+      <p:sp>
+        <p:nvSpPr>
+          <p:cNvPr id="79" name="Google Shape;79;p16"/>
+          <p:cNvSpPr txBox="1">
+            <a:spLocks noGrp="1"/>
+          </p:cNvSpPr>
+          <p:nvPr>
+            <p:ph type="ctrTitle"/>
+          </p:nvPr>
+        </p:nvSpPr>
+        <p:spPr>
+          <a:xfrm>
+            <a:off x="648300" y="1354750"/>
+            <a:ext cx="3522300" cy="2989800"/>
+          </a:xfrm>
+          <a:prstGeom prst="rect">
+            <a:avLst/>
+          </a:prstGeom>
+        </p:spPr>
+        <p:txBody>
+          <a:bodyPr spcFirstLastPara="1" wrap="square" lIns="91425" tIns="91425" rIns="91425" bIns="91425" anchor="b" anchorCtr="0">
+            <a:noAutofit/>
+          </a:bodyPr>
+          <a:lstStyle/>
+          <a:p>
+            <a:pPr marL="0" lvl="0" indent="0" algn="l" rtl="0">
+              <a:spcBef>
+                <a:spcPts val="0"/>
+              </a:spcBef>
+              <a:spcAft>
+                <a:spcPts val="0"/>
+              </a:spcAft>
+              <a:buNone/>
+            </a:pPr>
+            <a:r>
+              <a:rPr lang="en" sz="7200" dirty="0">
+                <a:solidFill>
+                  <a:srgbClr val="F33784"/>
+                </a:solidFill>
+                <a:latin typeface="Lato"/>
+                <a:ea typeface="Lato"/>
+                <a:cs typeface="Lato"/>
+                <a:sym typeface="Lato"/>
+              </a:rPr>
+              <a:t>5.</a:t>
+            </a:r>
+            <a:endParaRPr sz="7200" dirty="0">
+              <a:solidFill>
+                <a:srgbClr val="F33784"/>
+              </a:solidFill>
+              <a:latin typeface="Lato"/>
+              <a:ea typeface="Lato"/>
+              <a:cs typeface="Lato"/>
+              <a:sym typeface="Lato"/>
+            </a:endParaRPr>
+          </a:p>
+          <a:p>
+            <a:pPr marL="0" lvl="0" indent="0" algn="l" rtl="0">
+              <a:spcBef>
+                <a:spcPts val="0"/>
+              </a:spcBef>
+              <a:spcAft>
+                <a:spcPts val="0"/>
+              </a:spcAft>
+              <a:buNone/>
+            </a:pPr>
+            <a:r>
+              <a:rPr lang="es-ES" dirty="0">
+                <a:solidFill>
+                  <a:srgbClr val="121867"/>
+                </a:solidFill>
+                <a:latin typeface="Lato"/>
+                <a:ea typeface="Lato"/>
+                <a:cs typeface="Lato"/>
+                <a:sym typeface="Lato"/>
+              </a:rPr>
+              <a:t>Configuración dinámica.</a:t>
+            </a:r>
+            <a:endParaRPr dirty="0">
+              <a:solidFill>
+                <a:srgbClr val="121867"/>
+              </a:solidFill>
+              <a:latin typeface="Lato"/>
+              <a:ea typeface="Lato"/>
+              <a:cs typeface="Lato"/>
+              <a:sym typeface="Lato"/>
+            </a:endParaRPr>
+          </a:p>
+        </p:txBody>
+      </p:sp>
+      <p:sp>
+        <p:nvSpPr>
+          <p:cNvPr id="80" name="Google Shape;80;p16"/>
+          <p:cNvSpPr txBox="1">
+            <a:spLocks noGrp="1"/>
+          </p:cNvSpPr>
+          <p:nvPr>
+            <p:ph type="subTitle" idx="1"/>
+          </p:nvPr>
+        </p:nvSpPr>
+        <p:spPr>
+          <a:xfrm>
+            <a:off x="6724950" y="3265700"/>
+            <a:ext cx="1906200" cy="1031700"/>
+          </a:xfrm>
+          <a:prstGeom prst="rect">
+            <a:avLst/>
+          </a:prstGeom>
+        </p:spPr>
+        <p:txBody>
+          <a:bodyPr spcFirstLastPara="1" wrap="square" lIns="91425" tIns="91425" rIns="91425" bIns="91425" anchor="b" anchorCtr="0">
+            <a:noAutofit/>
+          </a:bodyPr>
+          <a:lstStyle/>
+          <a:p>
+            <a:pPr marL="0" lvl="0" indent="0" algn="r" rtl="0">
+              <a:spcBef>
+                <a:spcPts val="0"/>
+              </a:spcBef>
+              <a:spcAft>
+                <a:spcPts val="0"/>
+              </a:spcAft>
+              <a:buNone/>
+            </a:pPr>
+            <a:r>
+              <a:rPr lang="es-ES" dirty="0">
+                <a:latin typeface="Lato"/>
+                <a:ea typeface="Lato"/>
+                <a:cs typeface="Lato"/>
+                <a:sym typeface="Lato"/>
+              </a:rPr>
+              <a:t>Comencemos</a:t>
+            </a:r>
+            <a:endParaRPr dirty="0">
+              <a:latin typeface="Lato"/>
+              <a:ea typeface="Lato"/>
+              <a:cs typeface="Lato"/>
+              <a:sym typeface="Lato"/>
+            </a:endParaRPr>
+          </a:p>
+        </p:txBody>
+      </p:sp>
+    </p:spTree>
+    <p:extLst>
+      <p:ext uri="{BB962C8B-B14F-4D97-AF65-F5344CB8AC3E}">
+        <p14:creationId xmlns:p14="http://schemas.microsoft.com/office/powerpoint/2010/main" val="382095343"/>
       </p:ext>
     </p:extLst>
   </p:cSld>
@@ -11466,6 +11736,826 @@
               <a:buNone/>
             </a:pPr>
             <a:r>
+              <a:rPr lang="en" dirty="0">
+                <a:solidFill>
+                  <a:srgbClr val="121867"/>
+                </a:solidFill>
+                <a:latin typeface="Lato"/>
+                <a:ea typeface="Lato"/>
+                <a:cs typeface="Lato"/>
+                <a:sym typeface="Lato"/>
+              </a:rPr>
+              <a:t>5.- </a:t>
+            </a:r>
+            <a:r>
+              <a:rPr lang="es-ES" dirty="0">
+                <a:solidFill>
+                  <a:srgbClr val="121867"/>
+                </a:solidFill>
+                <a:latin typeface="Lato"/>
+                <a:ea typeface="Lato"/>
+                <a:cs typeface="Lato"/>
+                <a:sym typeface="Lato"/>
+              </a:rPr>
+              <a:t>Configuración dinámica.</a:t>
+            </a:r>
+            <a:endParaRPr dirty="0">
+              <a:solidFill>
+                <a:srgbClr val="121867"/>
+              </a:solidFill>
+              <a:latin typeface="Lato"/>
+              <a:ea typeface="Lato"/>
+              <a:cs typeface="Lato"/>
+              <a:sym typeface="Lato"/>
+            </a:endParaRPr>
+          </a:p>
+        </p:txBody>
+      </p:sp>
+      <p:sp>
+        <p:nvSpPr>
+          <p:cNvPr id="91" name="Google Shape;91;p18"/>
+          <p:cNvSpPr txBox="1">
+            <a:spLocks noGrp="1"/>
+          </p:cNvSpPr>
+          <p:nvPr>
+            <p:ph type="body" idx="1"/>
+          </p:nvPr>
+        </p:nvSpPr>
+        <p:spPr>
+          <a:xfrm>
+            <a:off x="631316" y="1379200"/>
+            <a:ext cx="8512684" cy="4034048"/>
+          </a:xfrm>
+          <a:prstGeom prst="rect">
+            <a:avLst/>
+          </a:prstGeom>
+        </p:spPr>
+        <p:txBody>
+          <a:bodyPr spcFirstLastPara="1" wrap="square" lIns="91425" tIns="91425" rIns="91425" bIns="91425" anchor="t" anchorCtr="0">
+            <a:noAutofit/>
+          </a:bodyPr>
+          <a:lstStyle/>
+          <a:p>
+            <a:pPr marL="101600" indent="0">
+              <a:buClr>
+                <a:srgbClr val="121867"/>
+              </a:buClr>
+              <a:buNone/>
+            </a:pPr>
+            <a:r>
+              <a:rPr lang="es-ES" sz="1800" b="1" dirty="0">
+                <a:solidFill>
+                  <a:srgbClr val="F33784"/>
+                </a:solidFill>
+                <a:latin typeface="Lato"/>
+                <a:cs typeface="Lato"/>
+                <a:sym typeface="Wingdings" panose="05000000000000000000" pitchFamily="2" charset="2"/>
+              </a:rPr>
+              <a:t>1.- Obtenemos información:</a:t>
+            </a:r>
+          </a:p>
+          <a:p>
+            <a:pPr marL="101600" indent="0">
+              <a:buClr>
+                <a:srgbClr val="121867"/>
+              </a:buClr>
+              <a:buNone/>
+            </a:pPr>
+            <a:r>
+              <a:rPr lang="es-ES" sz="1800" dirty="0" err="1">
+                <a:solidFill>
+                  <a:srgbClr val="121867"/>
+                </a:solidFill>
+                <a:latin typeface="Lato"/>
+                <a:cs typeface="Lato"/>
+                <a:sym typeface="Wingdings" panose="05000000000000000000" pitchFamily="2" charset="2"/>
+              </a:rPr>
+              <a:t>Gip</a:t>
+            </a:r>
+            <a:r>
+              <a:rPr lang="es-ES" sz="1800" dirty="0">
+                <a:solidFill>
+                  <a:srgbClr val="121867"/>
+                </a:solidFill>
+                <a:latin typeface="Lato"/>
+                <a:cs typeface="Lato"/>
+                <a:sym typeface="Wingdings" panose="05000000000000000000" pitchFamily="2" charset="2"/>
+              </a:rPr>
+              <a:t>  Detectamos la Interfaz y la información.  </a:t>
+            </a:r>
+            <a:r>
+              <a:rPr lang="es-ES" sz="1800" dirty="0" err="1">
+                <a:solidFill>
+                  <a:srgbClr val="121867"/>
+                </a:solidFill>
+                <a:latin typeface="Lato"/>
+                <a:cs typeface="Lato"/>
+                <a:sym typeface="Wingdings" panose="05000000000000000000" pitchFamily="2" charset="2"/>
+              </a:rPr>
+              <a:t>Gip</a:t>
+            </a:r>
+            <a:r>
+              <a:rPr lang="es-ES" sz="1800" dirty="0">
+                <a:solidFill>
+                  <a:srgbClr val="121867"/>
+                </a:solidFill>
+                <a:latin typeface="Lato"/>
+                <a:cs typeface="Lato"/>
+                <a:sym typeface="Wingdings" panose="05000000000000000000" pitchFamily="2" charset="2"/>
+              </a:rPr>
+              <a:t> ethernet</a:t>
+            </a:r>
+          </a:p>
+          <a:p>
+            <a:pPr marL="101600" indent="0">
+              <a:buClr>
+                <a:srgbClr val="121867"/>
+              </a:buClr>
+              <a:buNone/>
+            </a:pPr>
+            <a:r>
+              <a:rPr lang="es-ES" sz="1800" b="1" dirty="0">
+                <a:solidFill>
+                  <a:srgbClr val="F33784"/>
+                </a:solidFill>
+                <a:latin typeface="Lato"/>
+                <a:cs typeface="Lato"/>
+                <a:sym typeface="Wingdings" panose="05000000000000000000" pitchFamily="2" charset="2"/>
+              </a:rPr>
+              <a:t>2.- Borramos IP y la puerta de enlace:</a:t>
+            </a:r>
+          </a:p>
+          <a:p>
+            <a:pPr marL="101600" indent="0">
+              <a:buClr>
+                <a:srgbClr val="121867"/>
+              </a:buClr>
+              <a:buNone/>
+            </a:pPr>
+            <a:r>
+              <a:rPr lang="en-US" sz="1800" dirty="0">
+                <a:solidFill>
+                  <a:srgbClr val="121867"/>
+                </a:solidFill>
+                <a:latin typeface="Lato"/>
+                <a:cs typeface="Lato"/>
+                <a:sym typeface="Wingdings" panose="05000000000000000000" pitchFamily="2" charset="2"/>
+              </a:rPr>
+              <a:t>Remove-</a:t>
+            </a:r>
+            <a:r>
+              <a:rPr lang="en-US" sz="1800" dirty="0" err="1">
+                <a:solidFill>
+                  <a:srgbClr val="121867"/>
+                </a:solidFill>
+                <a:latin typeface="Lato"/>
+                <a:cs typeface="Lato"/>
+                <a:sym typeface="Wingdings" panose="05000000000000000000" pitchFamily="2" charset="2"/>
+              </a:rPr>
+              <a:t>NetIPAddress</a:t>
+            </a:r>
+            <a:r>
+              <a:rPr lang="en-US" sz="1800" dirty="0">
+                <a:solidFill>
+                  <a:srgbClr val="121867"/>
+                </a:solidFill>
+                <a:latin typeface="Lato"/>
+                <a:cs typeface="Lato"/>
+                <a:sym typeface="Wingdings" panose="05000000000000000000" pitchFamily="2" charset="2"/>
+              </a:rPr>
+              <a:t> –</a:t>
+            </a:r>
+            <a:r>
+              <a:rPr lang="en-US" sz="1800" dirty="0" err="1">
+                <a:solidFill>
+                  <a:srgbClr val="121867"/>
+                </a:solidFill>
+                <a:latin typeface="Lato"/>
+                <a:cs typeface="Lato"/>
+                <a:sym typeface="Wingdings" panose="05000000000000000000" pitchFamily="2" charset="2"/>
+              </a:rPr>
+              <a:t>InterfaceAlias</a:t>
+            </a:r>
+            <a:r>
+              <a:rPr lang="en-US" sz="1800" dirty="0">
+                <a:solidFill>
+                  <a:srgbClr val="121867"/>
+                </a:solidFill>
+                <a:latin typeface="Lato"/>
+                <a:cs typeface="Lato"/>
+                <a:sym typeface="Wingdings" panose="05000000000000000000" pitchFamily="2" charset="2"/>
+              </a:rPr>
+              <a:t>  Ethernet -Confirm:$false</a:t>
+            </a:r>
+          </a:p>
+          <a:p>
+            <a:pPr marL="101600" indent="0">
+              <a:buClr>
+                <a:srgbClr val="121867"/>
+              </a:buClr>
+              <a:buNone/>
+            </a:pPr>
+            <a:r>
+              <a:rPr lang="es-ES" sz="1800" dirty="0" err="1">
+                <a:solidFill>
+                  <a:srgbClr val="121867"/>
+                </a:solidFill>
+                <a:latin typeface="Lato"/>
+                <a:cs typeface="Lato"/>
+                <a:sym typeface="Wingdings" panose="05000000000000000000" pitchFamily="2" charset="2"/>
+              </a:rPr>
+              <a:t>Remove-NetRoute</a:t>
+            </a:r>
+            <a:r>
+              <a:rPr lang="es-ES" sz="1800" dirty="0">
+                <a:solidFill>
+                  <a:srgbClr val="121867"/>
+                </a:solidFill>
+                <a:latin typeface="Lato"/>
+                <a:cs typeface="Lato"/>
+                <a:sym typeface="Wingdings" panose="05000000000000000000" pitchFamily="2" charset="2"/>
+              </a:rPr>
+              <a:t> -</a:t>
+            </a:r>
+            <a:r>
+              <a:rPr lang="es-ES" sz="1800" dirty="0" err="1">
+                <a:solidFill>
+                  <a:srgbClr val="121867"/>
+                </a:solidFill>
+                <a:latin typeface="Lato"/>
+                <a:cs typeface="Lato"/>
+                <a:sym typeface="Wingdings" panose="05000000000000000000" pitchFamily="2" charset="2"/>
+              </a:rPr>
+              <a:t>InterfaceAlias</a:t>
+            </a:r>
+            <a:r>
+              <a:rPr lang="es-ES" sz="1800" dirty="0">
+                <a:solidFill>
+                  <a:srgbClr val="121867"/>
+                </a:solidFill>
+                <a:latin typeface="Lato"/>
+                <a:cs typeface="Lato"/>
+                <a:sym typeface="Wingdings" panose="05000000000000000000" pitchFamily="2" charset="2"/>
+              </a:rPr>
+              <a:t> Ethernet -</a:t>
+            </a:r>
+            <a:r>
+              <a:rPr lang="es-ES" sz="1800" dirty="0" err="1">
+                <a:solidFill>
+                  <a:srgbClr val="121867"/>
+                </a:solidFill>
+                <a:latin typeface="Lato"/>
+                <a:cs typeface="Lato"/>
+                <a:sym typeface="Wingdings" panose="05000000000000000000" pitchFamily="2" charset="2"/>
+              </a:rPr>
+              <a:t>Confirm</a:t>
+            </a:r>
+            <a:r>
+              <a:rPr lang="es-ES" sz="1800" dirty="0">
+                <a:solidFill>
+                  <a:srgbClr val="121867"/>
+                </a:solidFill>
+                <a:latin typeface="Lato"/>
+                <a:cs typeface="Lato"/>
+                <a:sym typeface="Wingdings" panose="05000000000000000000" pitchFamily="2" charset="2"/>
+              </a:rPr>
+              <a:t>:$false</a:t>
+            </a:r>
+          </a:p>
+          <a:p>
+            <a:pPr marL="101600" indent="0">
+              <a:buClr>
+                <a:srgbClr val="121867"/>
+              </a:buClr>
+              <a:buNone/>
+            </a:pPr>
+            <a:r>
+              <a:rPr lang="es-ES" sz="1800" b="1" dirty="0">
+                <a:solidFill>
+                  <a:srgbClr val="F33784"/>
+                </a:solidFill>
+                <a:latin typeface="Lato"/>
+                <a:cs typeface="Lato"/>
+                <a:sym typeface="Wingdings" panose="05000000000000000000" pitchFamily="2" charset="2"/>
+              </a:rPr>
+              <a:t>3.- Habilitamos DHCP:</a:t>
+            </a:r>
+          </a:p>
+          <a:p>
+            <a:pPr marL="101600" indent="0">
+              <a:buClr>
+                <a:srgbClr val="121867"/>
+              </a:buClr>
+              <a:buNone/>
+            </a:pPr>
+            <a:r>
+              <a:rPr lang="en-US" sz="1800" dirty="0">
+                <a:solidFill>
+                  <a:srgbClr val="121867"/>
+                </a:solidFill>
+                <a:latin typeface="Lato"/>
+                <a:cs typeface="Lato"/>
+                <a:sym typeface="Wingdings" panose="05000000000000000000" pitchFamily="2" charset="2"/>
+              </a:rPr>
+              <a:t>Set-</a:t>
+            </a:r>
+            <a:r>
+              <a:rPr lang="en-US" sz="1800" dirty="0" err="1">
+                <a:solidFill>
+                  <a:srgbClr val="121867"/>
+                </a:solidFill>
+                <a:latin typeface="Lato"/>
+                <a:cs typeface="Lato"/>
+                <a:sym typeface="Wingdings" panose="05000000000000000000" pitchFamily="2" charset="2"/>
+              </a:rPr>
+              <a:t>NetIPInterface</a:t>
+            </a:r>
+            <a:r>
+              <a:rPr lang="en-US" sz="1800" dirty="0">
+                <a:solidFill>
+                  <a:srgbClr val="121867"/>
+                </a:solidFill>
+                <a:latin typeface="Lato"/>
+                <a:cs typeface="Lato"/>
+                <a:sym typeface="Wingdings" panose="05000000000000000000" pitchFamily="2" charset="2"/>
+              </a:rPr>
+              <a:t> -</a:t>
+            </a:r>
+            <a:r>
+              <a:rPr lang="en-US" sz="1800" dirty="0" err="1">
+                <a:solidFill>
+                  <a:srgbClr val="121867"/>
+                </a:solidFill>
+                <a:latin typeface="Lato"/>
+                <a:cs typeface="Lato"/>
+                <a:sym typeface="Wingdings" panose="05000000000000000000" pitchFamily="2" charset="2"/>
+              </a:rPr>
+              <a:t>InterfaceAlias</a:t>
+            </a:r>
+            <a:r>
+              <a:rPr lang="en-US" sz="1800" dirty="0">
+                <a:solidFill>
+                  <a:srgbClr val="121867"/>
+                </a:solidFill>
+                <a:latin typeface="Lato"/>
+                <a:cs typeface="Lato"/>
+                <a:sym typeface="Wingdings" panose="05000000000000000000" pitchFamily="2" charset="2"/>
+              </a:rPr>
+              <a:t> "Ethernet" -</a:t>
+            </a:r>
+            <a:r>
+              <a:rPr lang="en-US" sz="1800" dirty="0" err="1">
+                <a:solidFill>
+                  <a:srgbClr val="121867"/>
+                </a:solidFill>
+                <a:latin typeface="Lato"/>
+                <a:cs typeface="Lato"/>
+                <a:sym typeface="Wingdings" panose="05000000000000000000" pitchFamily="2" charset="2"/>
+              </a:rPr>
+              <a:t>Dhcp</a:t>
+            </a:r>
+            <a:r>
+              <a:rPr lang="en-US" sz="1800" dirty="0">
+                <a:solidFill>
+                  <a:srgbClr val="121867"/>
+                </a:solidFill>
+                <a:latin typeface="Lato"/>
+                <a:cs typeface="Lato"/>
+                <a:sym typeface="Wingdings" panose="05000000000000000000" pitchFamily="2" charset="2"/>
+              </a:rPr>
+              <a:t> Enabled</a:t>
+            </a:r>
+          </a:p>
+          <a:p>
+            <a:pPr marL="101600" indent="0">
+              <a:buClr>
+                <a:srgbClr val="121867"/>
+              </a:buClr>
+              <a:buNone/>
+            </a:pPr>
+            <a:r>
+              <a:rPr lang="es-ES" sz="1800" b="1" dirty="0">
+                <a:solidFill>
+                  <a:srgbClr val="F33784"/>
+                </a:solidFill>
+                <a:latin typeface="Lato"/>
+                <a:cs typeface="Lato"/>
+                <a:sym typeface="Wingdings" panose="05000000000000000000" pitchFamily="2" charset="2"/>
+              </a:rPr>
+              <a:t>4.- Habilitamos DNS automático:</a:t>
+            </a:r>
+          </a:p>
+          <a:p>
+            <a:pPr marL="101600" indent="0">
+              <a:buClr>
+                <a:srgbClr val="121867"/>
+              </a:buClr>
+              <a:buNone/>
+            </a:pPr>
+            <a:r>
+              <a:rPr lang="en-US" sz="1800" dirty="0">
+                <a:solidFill>
+                  <a:srgbClr val="121867"/>
+                </a:solidFill>
+                <a:latin typeface="Lato"/>
+                <a:cs typeface="Lato"/>
+                <a:sym typeface="Wingdings" panose="05000000000000000000" pitchFamily="2" charset="2"/>
+              </a:rPr>
+              <a:t>Set-</a:t>
+            </a:r>
+            <a:r>
+              <a:rPr lang="en-US" sz="1800" dirty="0" err="1">
+                <a:solidFill>
+                  <a:srgbClr val="121867"/>
+                </a:solidFill>
+                <a:latin typeface="Lato"/>
+                <a:cs typeface="Lato"/>
+                <a:sym typeface="Wingdings" panose="05000000000000000000" pitchFamily="2" charset="2"/>
+              </a:rPr>
+              <a:t>DnsClientServerAddress</a:t>
+            </a:r>
+            <a:r>
+              <a:rPr lang="en-US" sz="1800" dirty="0">
+                <a:solidFill>
+                  <a:srgbClr val="121867"/>
+                </a:solidFill>
+                <a:latin typeface="Lato"/>
+                <a:cs typeface="Lato"/>
+                <a:sym typeface="Wingdings" panose="05000000000000000000" pitchFamily="2" charset="2"/>
+              </a:rPr>
+              <a:t> -</a:t>
+            </a:r>
+            <a:r>
+              <a:rPr lang="en-US" sz="1800" dirty="0" err="1">
+                <a:solidFill>
+                  <a:srgbClr val="121867"/>
+                </a:solidFill>
+                <a:latin typeface="Lato"/>
+                <a:cs typeface="Lato"/>
+                <a:sym typeface="Wingdings" panose="05000000000000000000" pitchFamily="2" charset="2"/>
+              </a:rPr>
+              <a:t>InterfaceAlias</a:t>
+            </a:r>
+            <a:r>
+              <a:rPr lang="en-US" sz="1800" dirty="0">
+                <a:solidFill>
+                  <a:srgbClr val="121867"/>
+                </a:solidFill>
+                <a:latin typeface="Lato"/>
+                <a:cs typeface="Lato"/>
+                <a:sym typeface="Wingdings" panose="05000000000000000000" pitchFamily="2" charset="2"/>
+              </a:rPr>
+              <a:t> "Ethernet" -</a:t>
+            </a:r>
+            <a:r>
+              <a:rPr lang="en-US" sz="1800" dirty="0" err="1">
+                <a:solidFill>
+                  <a:srgbClr val="121867"/>
+                </a:solidFill>
+                <a:latin typeface="Lato"/>
+                <a:cs typeface="Lato"/>
+                <a:sym typeface="Wingdings" panose="05000000000000000000" pitchFamily="2" charset="2"/>
+              </a:rPr>
+              <a:t>ResetServerAddresses</a:t>
+            </a:r>
+            <a:endParaRPr lang="es-ES" sz="1800" dirty="0">
+              <a:solidFill>
+                <a:srgbClr val="121867"/>
+              </a:solidFill>
+              <a:latin typeface="Lato"/>
+              <a:cs typeface="Lato"/>
+              <a:sym typeface="Wingdings" panose="05000000000000000000" pitchFamily="2" charset="2"/>
+            </a:endParaRPr>
+          </a:p>
+        </p:txBody>
+      </p:sp>
+    </p:spTree>
+    <p:extLst>
+      <p:ext uri="{BB962C8B-B14F-4D97-AF65-F5344CB8AC3E}">
+        <p14:creationId xmlns:p14="http://schemas.microsoft.com/office/powerpoint/2010/main" val="2468557790"/>
+      </p:ext>
+    </p:extLst>
+  </p:cSld>
+  <p:clrMapOvr>
+    <a:masterClrMapping/>
+  </p:clrMapOvr>
+</p:sld>
+</file>
+
+<file path=ppt/slides/slide25.xml><?xml version="1.0" encoding="utf-8"?>
+<p:sld xmlns:a="http://schemas.openxmlformats.org/drawingml/2006/main" xmlns:r="http://schemas.openxmlformats.org/officeDocument/2006/relationships" xmlns:p="http://schemas.openxmlformats.org/presentationml/2006/main">
+  <p:cSld>
+    <p:spTree>
+      <p:nvGrpSpPr>
+        <p:cNvPr id="1" name="Shape 89"/>
+        <p:cNvGrpSpPr/>
+        <p:nvPr/>
+      </p:nvGrpSpPr>
+      <p:grpSpPr>
+        <a:xfrm>
+          <a:off x="0" y="0"/>
+          <a:ext cx="0" cy="0"/>
+          <a:chOff x="0" y="0"/>
+          <a:chExt cx="0" cy="0"/>
+        </a:xfrm>
+      </p:grpSpPr>
+      <p:sp>
+        <p:nvSpPr>
+          <p:cNvPr id="90" name="Google Shape;90;p18"/>
+          <p:cNvSpPr txBox="1">
+            <a:spLocks noGrp="1"/>
+          </p:cNvSpPr>
+          <p:nvPr>
+            <p:ph type="title"/>
+          </p:nvPr>
+        </p:nvSpPr>
+        <p:spPr>
+          <a:xfrm>
+            <a:off x="838350" y="893500"/>
+            <a:ext cx="5324100" cy="485700"/>
+          </a:xfrm>
+          <a:prstGeom prst="rect">
+            <a:avLst/>
+          </a:prstGeom>
+        </p:spPr>
+        <p:txBody>
+          <a:bodyPr spcFirstLastPara="1" wrap="square" lIns="91425" tIns="91425" rIns="91425" bIns="91425" anchor="b" anchorCtr="0">
+            <a:noAutofit/>
+          </a:bodyPr>
+          <a:lstStyle/>
+          <a:p>
+            <a:pPr marL="0" lvl="0" indent="0" algn="l" rtl="0">
+              <a:spcBef>
+                <a:spcPts val="0"/>
+              </a:spcBef>
+              <a:spcAft>
+                <a:spcPts val="0"/>
+              </a:spcAft>
+              <a:buNone/>
+            </a:pPr>
+            <a:r>
+              <a:rPr lang="en" dirty="0">
+                <a:solidFill>
+                  <a:srgbClr val="121867"/>
+                </a:solidFill>
+                <a:latin typeface="Lato"/>
+                <a:ea typeface="Lato"/>
+                <a:cs typeface="Lato"/>
+                <a:sym typeface="Lato"/>
+              </a:rPr>
+              <a:t>5.- </a:t>
+            </a:r>
+            <a:r>
+              <a:rPr lang="es-ES" dirty="0">
+                <a:solidFill>
+                  <a:srgbClr val="121867"/>
+                </a:solidFill>
+                <a:latin typeface="Lato"/>
+                <a:ea typeface="Lato"/>
+                <a:cs typeface="Lato"/>
+                <a:sym typeface="Lato"/>
+              </a:rPr>
+              <a:t>Configuración dinámica.</a:t>
+            </a:r>
+            <a:endParaRPr dirty="0">
+              <a:solidFill>
+                <a:srgbClr val="121867"/>
+              </a:solidFill>
+              <a:latin typeface="Lato"/>
+              <a:ea typeface="Lato"/>
+              <a:cs typeface="Lato"/>
+              <a:sym typeface="Lato"/>
+            </a:endParaRPr>
+          </a:p>
+        </p:txBody>
+      </p:sp>
+      <p:sp>
+        <p:nvSpPr>
+          <p:cNvPr id="91" name="Google Shape;91;p18"/>
+          <p:cNvSpPr txBox="1">
+            <a:spLocks noGrp="1"/>
+          </p:cNvSpPr>
+          <p:nvPr>
+            <p:ph type="body" idx="1"/>
+          </p:nvPr>
+        </p:nvSpPr>
+        <p:spPr>
+          <a:xfrm>
+            <a:off x="631316" y="1379200"/>
+            <a:ext cx="7878700" cy="3534176"/>
+          </a:xfrm>
+          <a:prstGeom prst="rect">
+            <a:avLst/>
+          </a:prstGeom>
+        </p:spPr>
+        <p:txBody>
+          <a:bodyPr spcFirstLastPara="1" wrap="square" lIns="91425" tIns="91425" rIns="91425" bIns="91425" anchor="t" anchorCtr="0">
+            <a:noAutofit/>
+          </a:bodyPr>
+          <a:lstStyle/>
+          <a:p>
+            <a:pPr marL="101600" indent="0">
+              <a:buClr>
+                <a:srgbClr val="121867"/>
+              </a:buClr>
+              <a:buNone/>
+            </a:pPr>
+            <a:r>
+              <a:rPr lang="es-ES" sz="1800" b="1" dirty="0">
+                <a:solidFill>
+                  <a:srgbClr val="F33784"/>
+                </a:solidFill>
+                <a:latin typeface="Lato"/>
+                <a:cs typeface="Lato"/>
+                <a:sym typeface="Wingdings" panose="05000000000000000000" pitchFamily="2" charset="2"/>
+              </a:rPr>
+              <a:t>5.-Comprobamos:</a:t>
+            </a:r>
+          </a:p>
+          <a:p>
+            <a:pPr marL="101600" indent="0">
+              <a:buClr>
+                <a:srgbClr val="121867"/>
+              </a:buClr>
+              <a:buNone/>
+            </a:pPr>
+            <a:r>
+              <a:rPr lang="es-ES" sz="1800" dirty="0" err="1">
+                <a:solidFill>
+                  <a:srgbClr val="121867"/>
+                </a:solidFill>
+                <a:latin typeface="Lato"/>
+                <a:cs typeface="Lato"/>
+                <a:sym typeface="Wingdings" panose="05000000000000000000" pitchFamily="2" charset="2"/>
+              </a:rPr>
+              <a:t>Gip</a:t>
+            </a:r>
+            <a:r>
+              <a:rPr lang="es-ES" sz="1800" dirty="0">
+                <a:solidFill>
+                  <a:srgbClr val="121867"/>
+                </a:solidFill>
+                <a:latin typeface="Lato"/>
+                <a:cs typeface="Lato"/>
+                <a:sym typeface="Wingdings" panose="05000000000000000000" pitchFamily="2" charset="2"/>
+              </a:rPr>
+              <a:t> ethernet</a:t>
+            </a:r>
+          </a:p>
+          <a:p>
+            <a:pPr marL="101600" indent="0">
+              <a:buClr>
+                <a:srgbClr val="121867"/>
+              </a:buClr>
+              <a:buNone/>
+            </a:pPr>
+            <a:endParaRPr lang="es-ES" sz="1800" b="1" dirty="0">
+              <a:solidFill>
+                <a:srgbClr val="F33784"/>
+              </a:solidFill>
+              <a:latin typeface="Lato"/>
+              <a:cs typeface="Lato"/>
+              <a:sym typeface="Wingdings" panose="05000000000000000000" pitchFamily="2" charset="2"/>
+            </a:endParaRPr>
+          </a:p>
+          <a:p>
+            <a:pPr marL="101600" indent="0">
+              <a:buClr>
+                <a:srgbClr val="121867"/>
+              </a:buClr>
+              <a:buNone/>
+            </a:pPr>
+            <a:r>
+              <a:rPr lang="es-ES" sz="1800" b="1" dirty="0">
+                <a:solidFill>
+                  <a:srgbClr val="F33784"/>
+                </a:solidFill>
+                <a:latin typeface="Lato"/>
+                <a:cs typeface="Lato"/>
+                <a:sym typeface="Wingdings" panose="05000000000000000000" pitchFamily="2" charset="2"/>
+              </a:rPr>
+              <a:t>6.- Si es necesario , reiniciamos el adaptador:</a:t>
+            </a:r>
+          </a:p>
+          <a:p>
+            <a:pPr marL="101600" indent="0">
+              <a:buClr>
+                <a:srgbClr val="121867"/>
+              </a:buClr>
+              <a:buNone/>
+            </a:pPr>
+            <a:r>
+              <a:rPr lang="es-ES" sz="1800" dirty="0" err="1">
+                <a:solidFill>
+                  <a:srgbClr val="121867"/>
+                </a:solidFill>
+                <a:latin typeface="Lato"/>
+                <a:cs typeface="Lato"/>
+                <a:sym typeface="Wingdings" panose="05000000000000000000" pitchFamily="2" charset="2"/>
+              </a:rPr>
+              <a:t>Restart-NetAdapter</a:t>
+            </a:r>
+            <a:r>
+              <a:rPr lang="es-ES" sz="1800" dirty="0">
+                <a:solidFill>
+                  <a:srgbClr val="121867"/>
+                </a:solidFill>
+                <a:latin typeface="Lato"/>
+                <a:cs typeface="Lato"/>
+                <a:sym typeface="Wingdings" panose="05000000000000000000" pitchFamily="2" charset="2"/>
+              </a:rPr>
+              <a:t> -</a:t>
+            </a:r>
+            <a:r>
+              <a:rPr lang="es-ES" sz="1800" dirty="0" err="1">
+                <a:solidFill>
+                  <a:srgbClr val="121867"/>
+                </a:solidFill>
+                <a:latin typeface="Lato"/>
+                <a:cs typeface="Lato"/>
+                <a:sym typeface="Wingdings" panose="05000000000000000000" pitchFamily="2" charset="2"/>
+              </a:rPr>
+              <a:t>Name</a:t>
+            </a:r>
+            <a:r>
+              <a:rPr lang="es-ES" sz="1800" dirty="0">
+                <a:solidFill>
+                  <a:srgbClr val="121867"/>
+                </a:solidFill>
+                <a:latin typeface="Lato"/>
+                <a:cs typeface="Lato"/>
+                <a:sym typeface="Wingdings" panose="05000000000000000000" pitchFamily="2" charset="2"/>
+              </a:rPr>
+              <a:t> "Ethernet"</a:t>
+            </a:r>
+          </a:p>
+        </p:txBody>
+      </p:sp>
+    </p:spTree>
+    <p:extLst>
+      <p:ext uri="{BB962C8B-B14F-4D97-AF65-F5344CB8AC3E}">
+        <p14:creationId xmlns:p14="http://schemas.microsoft.com/office/powerpoint/2010/main" val="3876549475"/>
+      </p:ext>
+    </p:extLst>
+  </p:cSld>
+  <p:clrMapOvr>
+    <a:masterClrMapping/>
+  </p:clrMapOvr>
+</p:sld>
+</file>
+
+<file path=ppt/slides/slide26.xml><?xml version="1.0" encoding="utf-8"?>
+<p:sld xmlns:a="http://schemas.openxmlformats.org/drawingml/2006/main" xmlns:r="http://schemas.openxmlformats.org/officeDocument/2006/relationships" xmlns:p="http://schemas.openxmlformats.org/presentationml/2006/main">
+  <p:cSld>
+    <p:spTree>
+      <p:nvGrpSpPr>
+        <p:cNvPr id="1" name="Shape 89"/>
+        <p:cNvGrpSpPr/>
+        <p:nvPr/>
+      </p:nvGrpSpPr>
+      <p:grpSpPr>
+        <a:xfrm>
+          <a:off x="0" y="0"/>
+          <a:ext cx="0" cy="0"/>
+          <a:chOff x="0" y="0"/>
+          <a:chExt cx="0" cy="0"/>
+        </a:xfrm>
+      </p:grpSpPr>
+      <p:sp>
+        <p:nvSpPr>
+          <p:cNvPr id="90" name="Google Shape;90;p18"/>
+          <p:cNvSpPr txBox="1">
+            <a:spLocks noGrp="1"/>
+          </p:cNvSpPr>
+          <p:nvPr>
+            <p:ph type="title"/>
+          </p:nvPr>
+        </p:nvSpPr>
+        <p:spPr>
+          <a:xfrm>
+            <a:off x="838350" y="893500"/>
+            <a:ext cx="5324100" cy="485700"/>
+          </a:xfrm>
+          <a:prstGeom prst="rect">
+            <a:avLst/>
+          </a:prstGeom>
+        </p:spPr>
+        <p:txBody>
+          <a:bodyPr spcFirstLastPara="1" wrap="square" lIns="91425" tIns="91425" rIns="91425" bIns="91425" anchor="b" anchorCtr="0">
+            <a:noAutofit/>
+          </a:bodyPr>
+          <a:lstStyle/>
+          <a:p>
+            <a:pPr marL="0" lvl="0" indent="0" algn="l" rtl="0">
+              <a:spcBef>
+                <a:spcPts val="0"/>
+              </a:spcBef>
+              <a:spcAft>
+                <a:spcPts val="0"/>
+              </a:spcAft>
+              <a:buNone/>
+            </a:pPr>
+            <a:r>
               <a:rPr lang="es-ES" dirty="0">
                 <a:solidFill>
                   <a:srgbClr val="121867"/>
@@ -11734,7 +12824,7 @@
 </p:sld>
 </file>
 
-<file path=ppt/slides/slide25.xml><?xml version="1.0" encoding="utf-8"?>
+<file path=ppt/slides/slide27.xml><?xml version="1.0" encoding="utf-8"?>
 <p:sld xmlns:a="http://schemas.openxmlformats.org/drawingml/2006/main" xmlns:r="http://schemas.openxmlformats.org/officeDocument/2006/relationships" xmlns:p="http://schemas.openxmlformats.org/presentationml/2006/main">
   <p:cSld>
     <p:spTree>
